--- a/Heart Disease Presentation.pptx
+++ b/Heart Disease Presentation.pptx
@@ -15771,7 +15771,7 @@
           <a:graphicData uri="http://schemas.openxmlformats.org/presentationml/2006/ole">
             <mc:AlternateContent xmlns:mc="http://schemas.openxmlformats.org/markup-compatibility/2006">
               <mc:Choice xmlns:v="urn:schemas-microsoft-com:vml" Requires="v">
-                <p:oleObj spid="_x0000_s1035" name="Worksheet" r:id="rId3" imgW="1990800" imgH="4276658" progId="Excel.Sheet.12">
+                <p:oleObj spid="_x0000_s1039" name="Worksheet" r:id="rId3" imgW="1990800" imgH="4276658" progId="Excel.Sheet.12">
                   <p:embed/>
                 </p:oleObj>
               </mc:Choice>
@@ -15828,7 +15828,7 @@
           <a:graphicData uri="http://schemas.openxmlformats.org/presentationml/2006/ole">
             <mc:AlternateContent xmlns:mc="http://schemas.openxmlformats.org/markup-compatibility/2006">
               <mc:Choice xmlns:v="urn:schemas-microsoft-com:vml" Requires="v">
-                <p:oleObj spid="_x0000_s1036" name="Worksheet" r:id="rId5" imgW="2048040" imgH="4276658" progId="Excel.Sheet.12">
+                <p:oleObj spid="_x0000_s1040" name="Worksheet" r:id="rId5" imgW="2048040" imgH="4276658" progId="Excel.Sheet.12">
                   <p:embed/>
                 </p:oleObj>
               </mc:Choice>
@@ -16377,8 +16377,47 @@
             </a:pPr>
             <a:r>
               <a:rPr lang="en-US" dirty="0"/>
-              <a:t>Retrieved 7/10/2019 from</a:t>
-            </a:r>
+              <a:t>Coronary Artery </a:t>
+            </a:r>
+            <a:r>
+              <a:rPr lang="en-US" dirty="0" smtClean="0"/>
+              <a:t>Disease. (</a:t>
+            </a:r>
+            <a:r>
+              <a:rPr lang="en-US" dirty="0" err="1" smtClean="0"/>
+              <a:t>n.d.</a:t>
+            </a:r>
+            <a:r>
+              <a:rPr lang="en-US" dirty="0" smtClean="0"/>
+              <a:t>) </a:t>
+            </a:r>
+            <a:r>
+              <a:rPr lang="en-US" i="1" dirty="0" smtClean="0"/>
+              <a:t>The Free Dictionary </a:t>
+            </a:r>
+            <a:r>
+              <a:rPr lang="en-US" dirty="0" smtClean="0"/>
+              <a:t>web site. Retrieved 7/11/2019 from </a:t>
+            </a:r>
+            <a:r>
+              <a:rPr lang="en-US" dirty="0">
+                <a:hlinkClick r:id="rId2"/>
+              </a:rPr>
+              <a:t>https://</a:t>
+            </a:r>
+            <a:r>
+              <a:rPr lang="en-US" dirty="0" smtClean="0">
+                <a:hlinkClick r:id="rId2"/>
+              </a:rPr>
+              <a:t>medical-dictionary.thefreedictionary.com/coronary+artery+disease</a:t>
+            </a:r>
+            <a:endParaRPr lang="en-US" dirty="0" smtClean="0"/>
+          </a:p>
+          <a:p>
+            <a:pPr marL="914400" lvl="1" indent="-457200" algn="l">
+              <a:buFont typeface="+mj-lt"/>
+              <a:buAutoNum type="arabicPeriod"/>
+            </a:pPr>
             <a:endParaRPr lang="en-US" dirty="0" smtClean="0"/>
           </a:p>
         </p:txBody>
@@ -16439,7 +16478,7 @@
               <a:rPr lang="en-US" sz="3600" b="1" dirty="0" smtClean="0">
                 <a:latin typeface="Cambria" panose="02040503050406030204" pitchFamily="18" charset="0"/>
               </a:rPr>
-              <a:t>CAD (Coronary Heart Disease)</a:t>
+              <a:t>Coronary Artery Disease Basics</a:t>
             </a:r>
             <a:endParaRPr lang="en-US" sz="3600" b="1" dirty="0">
               <a:latin typeface="Cambria" panose="02040503050406030204" pitchFamily="18" charset="0"/>
@@ -16479,7 +16518,7 @@
                   <a:srgbClr val="0070C0"/>
                 </a:solidFill>
               </a:rPr>
-              <a:t>Basic Information re: CAD:</a:t>
+              <a:t>Also known as CAD:</a:t>
             </a:r>
             <a:endParaRPr lang="en-US" dirty="0" smtClean="0">
               <a:solidFill>
@@ -16493,12 +16532,104 @@
               <a:buChar char="•"/>
             </a:pPr>
             <a:r>
-              <a:rPr lang="en-US" dirty="0" smtClean="0">
-                <a:solidFill>
-                  <a:srgbClr val="00B050"/>
-                </a:solidFill>
-              </a:rPr>
-              <a:t>disease</a:t>
+              <a:rPr lang="en-US" dirty="0" smtClean="0"/>
+              <a:t>It is a narrowing or blockage of arteries that provide oxygen and nutrients to the heart. </a:t>
+            </a:r>
+            <a:r>
+              <a:rPr lang="en-US" baseline="30000" dirty="0" smtClean="0"/>
+              <a:t>(2)</a:t>
+            </a:r>
+            <a:endParaRPr lang="en-US" dirty="0" smtClean="0"/>
+          </a:p>
+          <a:p>
+            <a:pPr marL="800100" lvl="1" indent="-342900" algn="l">
+              <a:buFont typeface="Arial" panose="020B0604020202020204" pitchFamily="34" charset="0"/>
+              <a:buChar char="•"/>
+            </a:pPr>
+            <a:r>
+              <a:rPr lang="en-US" dirty="0" smtClean="0"/>
+              <a:t>It is</a:t>
+            </a:r>
+            <a:r>
+              <a:rPr lang="en-US" dirty="0"/>
+              <a:t> </a:t>
+            </a:r>
+            <a:r>
+              <a:rPr lang="en-US" dirty="0" smtClean="0"/>
+              <a:t>an important health topic to study and understand because:</a:t>
+            </a:r>
+          </a:p>
+          <a:p>
+            <a:pPr marL="1257300" lvl="2" indent="-342900" algn="l">
+              <a:buFont typeface="+mj-lt"/>
+              <a:buAutoNum type="arabicPeriod"/>
+            </a:pPr>
+            <a:r>
+              <a:rPr lang="en-US" dirty="0" smtClean="0"/>
+              <a:t>It’s the leading cause of death for both men and</a:t>
+            </a:r>
+            <a:r>
+              <a:rPr lang="en-US" dirty="0"/>
+              <a:t> women in the United States</a:t>
+            </a:r>
+            <a:r>
+              <a:rPr lang="en-US" dirty="0" smtClean="0"/>
+              <a:t>. </a:t>
+            </a:r>
+            <a:r>
+              <a:rPr lang="en-US" baseline="30000" dirty="0"/>
+              <a:t>(2</a:t>
+            </a:r>
+            <a:r>
+              <a:rPr lang="en-US" baseline="30000" dirty="0" smtClean="0"/>
+              <a:t>) </a:t>
+            </a:r>
+            <a:r>
+              <a:rPr lang="en-US" dirty="0" smtClean="0"/>
+              <a:t> </a:t>
+            </a:r>
+            <a:endParaRPr lang="en-US" baseline="30000" dirty="0" smtClean="0"/>
+          </a:p>
+          <a:p>
+            <a:pPr marL="1257300" lvl="2" indent="-342900" algn="l">
+              <a:buFont typeface="+mj-lt"/>
+              <a:buAutoNum type="arabicPeriod"/>
+            </a:pPr>
+            <a:r>
+              <a:rPr lang="en-US" dirty="0"/>
+              <a:t>More </a:t>
+            </a:r>
+            <a:r>
+              <a:rPr lang="en-US" dirty="0" smtClean="0"/>
+              <a:t>than 13 million Americans have active symptoms of CAD. </a:t>
+            </a:r>
+            <a:r>
+              <a:rPr lang="en-US" baseline="30000" dirty="0"/>
+              <a:t>(2) </a:t>
+            </a:r>
+            <a:r>
+              <a:rPr lang="en-US" dirty="0"/>
+              <a:t> </a:t>
+            </a:r>
+          </a:p>
+          <a:p>
+            <a:pPr marL="800100" lvl="1" indent="-342900" algn="l">
+              <a:buFont typeface="Arial" panose="020B0604020202020204" pitchFamily="34" charset="0"/>
+              <a:buChar char="•"/>
+            </a:pPr>
+            <a:r>
+              <a:rPr lang="en-US" dirty="0" smtClean="0"/>
+              <a:t>It is often also referred to as coronary heart disease (CHD) and heart disease, though technically, they are not quite the same thing.</a:t>
+            </a:r>
+          </a:p>
+          <a:p>
+            <a:pPr marL="800100" lvl="1" indent="-342900" algn="l">
+              <a:buFont typeface="Arial" panose="020B0604020202020204" pitchFamily="34" charset="0"/>
+              <a:buChar char="•"/>
+            </a:pPr>
+            <a:r>
+              <a:rPr lang="en-US" smtClean="0"/>
+              <a:t> </a:t>
             </a:r>
             <a:endParaRPr lang="en-US" dirty="0">
               <a:solidFill>

--- a/Heart Disease Presentation.pptx
+++ b/Heart Disease Presentation.pptx
@@ -5,35 +5,34 @@
     <p:sldMasterId id="2147483648" r:id="rId1"/>
   </p:sldMasterIdLst>
   <p:notesMasterIdLst>
-    <p:notesMasterId r:id="rId25"/>
+    <p:notesMasterId r:id="rId24"/>
   </p:notesMasterIdLst>
   <p:handoutMasterIdLst>
-    <p:handoutMasterId r:id="rId26"/>
+    <p:handoutMasterId r:id="rId25"/>
   </p:handoutMasterIdLst>
   <p:sldIdLst>
     <p:sldId id="275" r:id="rId2"/>
-    <p:sldId id="257" r:id="rId3"/>
-    <p:sldId id="277" r:id="rId4"/>
+    <p:sldId id="283" r:id="rId3"/>
+    <p:sldId id="257" r:id="rId4"/>
     <p:sldId id="270" r:id="rId5"/>
-    <p:sldId id="280" r:id="rId6"/>
-    <p:sldId id="259" r:id="rId7"/>
-    <p:sldId id="272" r:id="rId8"/>
-    <p:sldId id="267" r:id="rId9"/>
-    <p:sldId id="278" r:id="rId10"/>
-    <p:sldId id="279" r:id="rId11"/>
-    <p:sldId id="260" r:id="rId12"/>
-    <p:sldId id="265" r:id="rId13"/>
-    <p:sldId id="264" r:id="rId14"/>
-    <p:sldId id="266" r:id="rId15"/>
-    <p:sldId id="261" r:id="rId16"/>
-    <p:sldId id="281" r:id="rId17"/>
-    <p:sldId id="271" r:id="rId18"/>
-    <p:sldId id="263" r:id="rId19"/>
-    <p:sldId id="262" r:id="rId20"/>
-    <p:sldId id="269" r:id="rId21"/>
-    <p:sldId id="268" r:id="rId22"/>
-    <p:sldId id="274" r:id="rId23"/>
-    <p:sldId id="273" r:id="rId24"/>
+    <p:sldId id="259" r:id="rId6"/>
+    <p:sldId id="294" r:id="rId7"/>
+    <p:sldId id="284" r:id="rId8"/>
+    <p:sldId id="285" r:id="rId9"/>
+    <p:sldId id="260" r:id="rId10"/>
+    <p:sldId id="265" r:id="rId11"/>
+    <p:sldId id="264" r:id="rId12"/>
+    <p:sldId id="266" r:id="rId13"/>
+    <p:sldId id="286" r:id="rId14"/>
+    <p:sldId id="287" r:id="rId15"/>
+    <p:sldId id="288" r:id="rId16"/>
+    <p:sldId id="289" r:id="rId17"/>
+    <p:sldId id="290" r:id="rId18"/>
+    <p:sldId id="291" r:id="rId19"/>
+    <p:sldId id="292" r:id="rId20"/>
+    <p:sldId id="273" r:id="rId21"/>
+    <p:sldId id="293" r:id="rId22"/>
+    <p:sldId id="282" r:id="rId23"/>
   </p:sldIdLst>
   <p:sldSz cx="12192000" cy="6858000"/>
   <p:notesSz cx="6858000" cy="9144000"/>
@@ -326,12 +325,15 @@
               <c:showBubbleSize val="0"/>
               <c:extLst>
                 <c:ext xmlns:c15="http://schemas.microsoft.com/office/drawing/2012/chart" uri="{CE6537A1-D6FC-4f65-9D91-7224C49458BB}">
-                  <c15:layout>
-                    <c:manualLayout>
-                      <c:w val="0.11458333333333331"/>
-                      <c:h val="0.15509259259259259"/>
-                    </c:manualLayout>
-                  </c15:layout>
+                  <c15:spPr xmlns:c15="http://schemas.microsoft.com/office/drawing/2012/chart">
+                    <a:prstGeom prst="rect">
+                      <a:avLst/>
+                    </a:prstGeom>
+                    <a:noFill/>
+                    <a:ln>
+                      <a:noFill/>
+                    </a:ln>
+                  </c15:spPr>
                 </c:ext>
                 <c:ext xmlns:c16="http://schemas.microsoft.com/office/drawing/2014/chart" uri="{C3380CC4-5D6E-409C-BE32-E72D297353CC}">
                   <c16:uniqueId val="{00000003-1691-4AC0-B090-447FFB33F36B}"/>
@@ -580,7 +582,9 @@
               <c:showPercent val="0"/>
               <c:showBubbleSize val="0"/>
               <c:extLst>
-                <c:ext xmlns:c15="http://schemas.microsoft.com/office/drawing/2012/chart" uri="{CE6537A1-D6FC-4f65-9D91-7224C49458BB}"/>
+                <c:ext xmlns:c15="http://schemas.microsoft.com/office/drawing/2012/chart" uri="{CE6537A1-D6FC-4f65-9D91-7224C49458BB}">
+                  <c15:layout/>
+                </c:ext>
                 <c:ext xmlns:c16="http://schemas.microsoft.com/office/drawing/2014/chart" uri="{C3380CC4-5D6E-409C-BE32-E72D297353CC}">
                   <c16:uniqueId val="{00000001-00BA-40BC-8271-850C48B57A87}"/>
                 </c:ext>
@@ -602,7 +606,9 @@
               <c:showPercent val="0"/>
               <c:showBubbleSize val="0"/>
               <c:extLst>
-                <c:ext xmlns:c15="http://schemas.microsoft.com/office/drawing/2012/chart" uri="{CE6537A1-D6FC-4f65-9D91-7224C49458BB}"/>
+                <c:ext xmlns:c15="http://schemas.microsoft.com/office/drawing/2012/chart" uri="{CE6537A1-D6FC-4f65-9D91-7224C49458BB}">
+                  <c15:layout/>
+                </c:ext>
                 <c:ext xmlns:c16="http://schemas.microsoft.com/office/drawing/2014/chart" uri="{C3380CC4-5D6E-409C-BE32-E72D297353CC}">
                   <c16:uniqueId val="{00000003-00BA-40BC-8271-850C48B57A87}"/>
                 </c:ext>
@@ -840,7 +846,9 @@
               <c:showPercent val="0"/>
               <c:showBubbleSize val="0"/>
               <c:extLst>
-                <c:ext xmlns:c15="http://schemas.microsoft.com/office/drawing/2012/chart" uri="{CE6537A1-D6FC-4f65-9D91-7224C49458BB}"/>
+                <c:ext xmlns:c15="http://schemas.microsoft.com/office/drawing/2012/chart" uri="{CE6537A1-D6FC-4f65-9D91-7224C49458BB}">
+                  <c15:layout/>
+                </c:ext>
                 <c:ext xmlns:c16="http://schemas.microsoft.com/office/drawing/2014/chart" uri="{C3380CC4-5D6E-409C-BE32-E72D297353CC}">
                   <c16:uniqueId val="{00000001-B1F3-4867-9EA5-335D8D93957A}"/>
                 </c:ext>
@@ -862,7 +870,9 @@
               <c:showPercent val="0"/>
               <c:showBubbleSize val="0"/>
               <c:extLst>
-                <c:ext xmlns:c15="http://schemas.microsoft.com/office/drawing/2012/chart" uri="{CE6537A1-D6FC-4f65-9D91-7224C49458BB}"/>
+                <c:ext xmlns:c15="http://schemas.microsoft.com/office/drawing/2012/chart" uri="{CE6537A1-D6FC-4f65-9D91-7224C49458BB}">
+                  <c15:layout/>
+                </c:ext>
                 <c:ext xmlns:c16="http://schemas.microsoft.com/office/drawing/2014/chart" uri="{C3380CC4-5D6E-409C-BE32-E72D297353CC}">
                   <c16:uniqueId val="{00000003-B1F3-4867-9EA5-335D8D93957A}"/>
                 </c:ext>
@@ -1100,7 +1110,9 @@
               <c:showPercent val="0"/>
               <c:showBubbleSize val="0"/>
               <c:extLst>
-                <c:ext xmlns:c15="http://schemas.microsoft.com/office/drawing/2012/chart" uri="{CE6537A1-D6FC-4f65-9D91-7224C49458BB}"/>
+                <c:ext xmlns:c15="http://schemas.microsoft.com/office/drawing/2012/chart" uri="{CE6537A1-D6FC-4f65-9D91-7224C49458BB}">
+                  <c15:layout/>
+                </c:ext>
                 <c:ext xmlns:c16="http://schemas.microsoft.com/office/drawing/2014/chart" uri="{C3380CC4-5D6E-409C-BE32-E72D297353CC}">
                   <c16:uniqueId val="{00000001-DB02-4FB0-9DC9-82DE0C326EB5}"/>
                 </c:ext>
@@ -1122,7 +1134,9 @@
               <c:showPercent val="0"/>
               <c:showBubbleSize val="0"/>
               <c:extLst>
-                <c:ext xmlns:c15="http://schemas.microsoft.com/office/drawing/2012/chart" uri="{CE6537A1-D6FC-4f65-9D91-7224C49458BB}"/>
+                <c:ext xmlns:c15="http://schemas.microsoft.com/office/drawing/2012/chart" uri="{CE6537A1-D6FC-4f65-9D91-7224C49458BB}">
+                  <c15:layout/>
+                </c:ext>
                 <c:ext xmlns:c16="http://schemas.microsoft.com/office/drawing/2014/chart" uri="{C3380CC4-5D6E-409C-BE32-E72D297353CC}">
                   <c16:uniqueId val="{00000003-DB02-4FB0-9DC9-82DE0C326EB5}"/>
                 </c:ext>
@@ -1349,7 +1363,9 @@
               <c:showPercent val="0"/>
               <c:showBubbleSize val="0"/>
               <c:extLst>
-                <c:ext xmlns:c15="http://schemas.microsoft.com/office/drawing/2012/chart" uri="{CE6537A1-D6FC-4f65-9D91-7224C49458BB}"/>
+                <c:ext xmlns:c15="http://schemas.microsoft.com/office/drawing/2012/chart" uri="{CE6537A1-D6FC-4f65-9D91-7224C49458BB}">
+                  <c15:layout/>
+                </c:ext>
                 <c:ext xmlns:c16="http://schemas.microsoft.com/office/drawing/2014/chart" uri="{C3380CC4-5D6E-409C-BE32-E72D297353CC}">
                   <c16:uniqueId val="{00000001-ED74-480F-8A94-481D646BB9DE}"/>
                 </c:ext>
@@ -1371,7 +1387,9 @@
               <c:showPercent val="0"/>
               <c:showBubbleSize val="0"/>
               <c:extLst>
-                <c:ext xmlns:c15="http://schemas.microsoft.com/office/drawing/2012/chart" uri="{CE6537A1-D6FC-4f65-9D91-7224C49458BB}"/>
+                <c:ext xmlns:c15="http://schemas.microsoft.com/office/drawing/2012/chart" uri="{CE6537A1-D6FC-4f65-9D91-7224C49458BB}">
+                  <c15:layout/>
+                </c:ext>
                 <c:ext xmlns:c16="http://schemas.microsoft.com/office/drawing/2014/chart" uri="{C3380CC4-5D6E-409C-BE32-E72D297353CC}">
                   <c16:uniqueId val="{00000003-ED74-480F-8A94-481D646BB9DE}"/>
                 </c:ext>
@@ -1598,7 +1616,9 @@
               <c:showPercent val="0"/>
               <c:showBubbleSize val="0"/>
               <c:extLst>
-                <c:ext xmlns:c15="http://schemas.microsoft.com/office/drawing/2012/chart" uri="{CE6537A1-D6FC-4f65-9D91-7224C49458BB}"/>
+                <c:ext xmlns:c15="http://schemas.microsoft.com/office/drawing/2012/chart" uri="{CE6537A1-D6FC-4f65-9D91-7224C49458BB}">
+                  <c15:layout/>
+                </c:ext>
                 <c:ext xmlns:c16="http://schemas.microsoft.com/office/drawing/2014/chart" uri="{C3380CC4-5D6E-409C-BE32-E72D297353CC}">
                   <c16:uniqueId val="{00000001-94CF-469F-99F5-CCCA2E7FE2C8}"/>
                 </c:ext>
@@ -1620,7 +1640,9 @@
               <c:showPercent val="0"/>
               <c:showBubbleSize val="0"/>
               <c:extLst>
-                <c:ext xmlns:c15="http://schemas.microsoft.com/office/drawing/2012/chart" uri="{CE6537A1-D6FC-4f65-9D91-7224C49458BB}"/>
+                <c:ext xmlns:c15="http://schemas.microsoft.com/office/drawing/2012/chart" uri="{CE6537A1-D6FC-4f65-9D91-7224C49458BB}">
+                  <c15:layout/>
+                </c:ext>
                 <c:ext xmlns:c16="http://schemas.microsoft.com/office/drawing/2014/chart" uri="{C3380CC4-5D6E-409C-BE32-E72D297353CC}">
                   <c16:uniqueId val="{00000003-94CF-469F-99F5-CCCA2E7FE2C8}"/>
                 </c:ext>
@@ -10899,7 +10921,7 @@
           <a:p>
             <a:fld id="{46E531D9-5147-40EE-BFB3-8697C13CDDD8}" type="datetimeFigureOut">
               <a:rPr lang="en-US" smtClean="0"/>
-              <a:t>7/11/2019</a:t>
+              <a:t>7/12/2019</a:t>
             </a:fld>
             <a:endParaRPr lang="en-US"/>
           </a:p>
@@ -11065,7 +11087,7 @@
           <a:p>
             <a:fld id="{CD1FB975-1127-4DC5-99B9-2BB130068A1E}" type="datetimeFigureOut">
               <a:rPr lang="en-US" smtClean="0"/>
-              <a:t>7/11/2019</a:t>
+              <a:t>7/12/2019</a:t>
             </a:fld>
             <a:endParaRPr lang="en-US"/>
           </a:p>
@@ -11462,7 +11484,7 @@
           <a:p>
             <a:fld id="{F28E4D55-520E-4340-BA5F-703AD11E21FF}" type="datetime1">
               <a:rPr lang="en-US" smtClean="0"/>
-              <a:t>7/11/2019</a:t>
+              <a:t>7/12/2019</a:t>
             </a:fld>
             <a:endParaRPr lang="en-US"/>
           </a:p>
@@ -11630,7 +11652,7 @@
           <a:p>
             <a:fld id="{115B997D-EC4A-44B4-9A7A-C27EF1CA7414}" type="datetime1">
               <a:rPr lang="en-US" smtClean="0"/>
-              <a:t>7/11/2019</a:t>
+              <a:t>7/12/2019</a:t>
             </a:fld>
             <a:endParaRPr lang="en-US"/>
           </a:p>
@@ -11808,7 +11830,7 @@
           <a:p>
             <a:fld id="{A915D0FB-9277-4B43-82E8-3939AA2AD3CD}" type="datetime1">
               <a:rPr lang="en-US" smtClean="0"/>
-              <a:t>7/11/2019</a:t>
+              <a:t>7/12/2019</a:t>
             </a:fld>
             <a:endParaRPr lang="en-US"/>
           </a:p>
@@ -11976,7 +11998,7 @@
           <a:p>
             <a:fld id="{C176FB1B-E195-40CF-92F2-821647F08CAD}" type="datetime1">
               <a:rPr lang="en-US" smtClean="0"/>
-              <a:t>7/11/2019</a:t>
+              <a:t>7/12/2019</a:t>
             </a:fld>
             <a:endParaRPr lang="en-US"/>
           </a:p>
@@ -12221,7 +12243,7 @@
           <a:p>
             <a:fld id="{DEC4806C-329F-4FD6-9AC6-5AF812DB591D}" type="datetime1">
               <a:rPr lang="en-US" smtClean="0"/>
-              <a:t>7/11/2019</a:t>
+              <a:t>7/12/2019</a:t>
             </a:fld>
             <a:endParaRPr lang="en-US"/>
           </a:p>
@@ -12450,7 +12472,7 @@
           <a:p>
             <a:fld id="{71A1A091-E0D2-4BD5-9CFB-767B24A235C0}" type="datetime1">
               <a:rPr lang="en-US" smtClean="0"/>
-              <a:t>7/11/2019</a:t>
+              <a:t>7/12/2019</a:t>
             </a:fld>
             <a:endParaRPr lang="en-US"/>
           </a:p>
@@ -12814,7 +12836,7 @@
           <a:p>
             <a:fld id="{07D8A5E1-3DD6-4868-B59E-5253A0CF2AE5}" type="datetime1">
               <a:rPr lang="en-US" smtClean="0"/>
-              <a:t>7/11/2019</a:t>
+              <a:t>7/12/2019</a:t>
             </a:fld>
             <a:endParaRPr lang="en-US"/>
           </a:p>
@@ -12931,7 +12953,7 @@
           <a:p>
             <a:fld id="{A3F2658E-8593-429F-A185-19365B388887}" type="datetime1">
               <a:rPr lang="en-US" smtClean="0"/>
-              <a:t>7/11/2019</a:t>
+              <a:t>7/12/2019</a:t>
             </a:fld>
             <a:endParaRPr lang="en-US"/>
           </a:p>
@@ -13026,7 +13048,7 @@
           <a:p>
             <a:fld id="{962E183F-958A-4B8B-8C63-2EEBB935FA02}" type="datetime1">
               <a:rPr lang="en-US" smtClean="0"/>
-              <a:t>7/11/2019</a:t>
+              <a:t>7/12/2019</a:t>
             </a:fld>
             <a:endParaRPr lang="en-US"/>
           </a:p>
@@ -13301,7 +13323,7 @@
           <a:p>
             <a:fld id="{111CC5E4-8B1D-42E9-B67B-A503F4AF53B9}" type="datetime1">
               <a:rPr lang="en-US" smtClean="0"/>
-              <a:t>7/11/2019</a:t>
+              <a:t>7/12/2019</a:t>
             </a:fld>
             <a:endParaRPr lang="en-US"/>
           </a:p>
@@ -13553,7 +13575,7 @@
           <a:p>
             <a:fld id="{C84CA6FF-044A-4F50-A38C-98F52841FBDA}" type="datetime1">
               <a:rPr lang="en-US" smtClean="0"/>
-              <a:t>7/11/2019</a:t>
+              <a:t>7/12/2019</a:t>
             </a:fld>
             <a:endParaRPr lang="en-US"/>
           </a:p>
@@ -13764,7 +13786,7 @@
           <a:p>
             <a:fld id="{F61CCA5D-2A58-4CD9-B1CA-B34DCB62B305}" type="datetime1">
               <a:rPr lang="en-US" smtClean="0"/>
-              <a:t>7/11/2019</a:t>
+              <a:t>7/12/2019</a:t>
             </a:fld>
             <a:endParaRPr lang="en-US"/>
           </a:p>
@@ -14228,7 +14250,7 @@
         <p:spPr>
           <a:xfrm>
             <a:off x="0" y="6488668"/>
-            <a:ext cx="8306313" cy="369332"/>
+            <a:ext cx="4717958" cy="246221"/>
           </a:xfrm>
           <a:prstGeom prst="rect">
             <a:avLst/>
@@ -14242,7 +14264,7 @@
           <a:lstStyle/>
           <a:p>
             <a:r>
-              <a:rPr lang="en-US" dirty="0"/>
+              <a:rPr lang="en-US" sz="1000" dirty="0"/>
               <a:t>https://www.joshgitalis.com/wp-content/uploads/2013/01/Cardiovascular_System.jpg</a:t>
             </a:r>
           </a:p>
@@ -14466,888 +14488,6 @@
 </file>
 
 <file path=ppt/slides/slide10.xml><?xml version="1.0" encoding="utf-8"?>
-<p:sld xmlns:a="http://schemas.openxmlformats.org/drawingml/2006/main" xmlns:r="http://schemas.openxmlformats.org/officeDocument/2006/relationships" xmlns:p="http://schemas.openxmlformats.org/presentationml/2006/main">
-  <p:cSld>
-    <p:spTree>
-      <p:nvGrpSpPr>
-        <p:cNvPr id="1" name=""/>
-        <p:cNvGrpSpPr/>
-        <p:nvPr/>
-      </p:nvGrpSpPr>
-      <p:grpSpPr>
-        <a:xfrm>
-          <a:off x="0" y="0"/>
-          <a:ext cx="0" cy="0"/>
-          <a:chOff x="0" y="0"/>
-          <a:chExt cx="0" cy="0"/>
-        </a:xfrm>
-      </p:grpSpPr>
-      <p:sp>
-        <p:nvSpPr>
-          <p:cNvPr id="2" name="Title 1"/>
-          <p:cNvSpPr>
-            <a:spLocks noGrp="1"/>
-          </p:cNvSpPr>
-          <p:nvPr>
-            <p:ph type="ctrTitle"/>
-          </p:nvPr>
-        </p:nvSpPr>
-        <p:spPr>
-          <a:xfrm>
-            <a:off x="1539815" y="568706"/>
-            <a:ext cx="9144000" cy="638994"/>
-          </a:xfrm>
-        </p:spPr>
-        <p:txBody>
-          <a:bodyPr anchor="ctr">
-            <a:noAutofit/>
-          </a:bodyPr>
-          <a:lstStyle/>
-          <a:p>
-            <a:r>
-              <a:rPr lang="en-US" sz="3600" b="1" dirty="0">
-                <a:latin typeface="Cambria" panose="02040503050406030204" pitchFamily="18" charset="0"/>
-              </a:rPr>
-              <a:t>NHANES Dataset Assumptions Cont’d</a:t>
-            </a:r>
-          </a:p>
-        </p:txBody>
-      </p:sp>
-      <p:sp>
-        <p:nvSpPr>
-          <p:cNvPr id="3" name="Subtitle 2"/>
-          <p:cNvSpPr>
-            <a:spLocks noGrp="1"/>
-          </p:cNvSpPr>
-          <p:nvPr>
-            <p:ph type="subTitle" idx="1"/>
-          </p:nvPr>
-        </p:nvSpPr>
-        <p:spPr>
-          <a:xfrm>
-            <a:off x="733245" y="1207700"/>
-            <a:ext cx="10757140" cy="5244858"/>
-          </a:xfrm>
-        </p:spPr>
-        <p:txBody>
-          <a:bodyPr>
-            <a:normAutofit/>
-          </a:bodyPr>
-          <a:lstStyle/>
-          <a:p>
-            <a:pPr marL="342900" indent="-342900" algn="l">
-              <a:buFont typeface="+mj-lt"/>
-              <a:buAutoNum type="arabicPeriod"/>
-            </a:pPr>
-            <a:r>
-              <a:rPr lang="en-US" dirty="0"/>
-              <a:t>find the mean of </a:t>
-            </a:r>
-            <a:r>
-              <a:rPr lang="en-US" dirty="0" err="1"/>
-              <a:t>chol</a:t>
-            </a:r>
-            <a:r>
-              <a:rPr lang="en-US" dirty="0"/>
-              <a:t> (cholesterol) by age and use mean to fill in empty </a:t>
-            </a:r>
-            <a:r>
-              <a:rPr lang="en-US" dirty="0" err="1"/>
-              <a:t>chol</a:t>
-            </a:r>
-            <a:r>
-              <a:rPr lang="en-US" dirty="0"/>
-              <a:t> values with mean for age</a:t>
-            </a:r>
-          </a:p>
-          <a:p>
-            <a:pPr marL="342900" indent="-342900" algn="l">
-              <a:buFont typeface="+mj-lt"/>
-              <a:buAutoNum type="arabicPeriod"/>
-            </a:pPr>
-            <a:r>
-              <a:rPr lang="en-US" dirty="0"/>
-              <a:t>find the mean of </a:t>
-            </a:r>
-            <a:r>
-              <a:rPr lang="en-US" dirty="0" err="1"/>
-              <a:t>thalrest</a:t>
-            </a:r>
-            <a:r>
-              <a:rPr lang="en-US" dirty="0"/>
-              <a:t> (resting heart rate) by age and use mean to fill in empty </a:t>
-            </a:r>
-            <a:r>
-              <a:rPr lang="en-US" dirty="0" err="1"/>
-              <a:t>thalrest</a:t>
-            </a:r>
-            <a:r>
-              <a:rPr lang="en-US" dirty="0"/>
-              <a:t> values with mean for age</a:t>
-            </a:r>
-          </a:p>
-          <a:p>
-            <a:pPr marL="342900" indent="-342900" algn="l">
-              <a:buFont typeface="+mj-lt"/>
-              <a:buAutoNum type="arabicPeriod"/>
-            </a:pPr>
-            <a:r>
-              <a:rPr lang="en-US" dirty="0"/>
-              <a:t>find the mean of LBXGLU( = UCI </a:t>
-            </a:r>
-            <a:r>
-              <a:rPr lang="en-US" dirty="0" err="1"/>
-              <a:t>fbs</a:t>
-            </a:r>
-            <a:r>
-              <a:rPr lang="en-US" dirty="0"/>
-              <a:t>) by age, and use mean to fill in empty LBXGLU values with mean for age</a:t>
-            </a:r>
-          </a:p>
-          <a:p>
-            <a:pPr marL="342900" indent="-342900" algn="l">
-              <a:buFont typeface="+mj-lt"/>
-              <a:buAutoNum type="arabicPeriod"/>
-            </a:pPr>
-            <a:r>
-              <a:rPr lang="en-US" dirty="0"/>
-              <a:t>Round decimal columns to zero decimal points, set type = </a:t>
-            </a:r>
-            <a:r>
-              <a:rPr lang="en-US" dirty="0" err="1"/>
-              <a:t>int</a:t>
-            </a:r>
-            <a:endParaRPr lang="en-US" dirty="0"/>
-          </a:p>
-          <a:p>
-            <a:pPr marL="342900" indent="-342900" algn="l">
-              <a:buFont typeface="+mj-lt"/>
-              <a:buAutoNum type="arabicPeriod"/>
-            </a:pPr>
-            <a:r>
-              <a:rPr lang="en-US" dirty="0"/>
-              <a:t>simplifying the “Sex“, "</a:t>
-            </a:r>
-            <a:r>
-              <a:rPr lang="en-US" dirty="0" err="1"/>
-              <a:t>cp</a:t>
-            </a:r>
-            <a:r>
-              <a:rPr lang="en-US" dirty="0"/>
-              <a:t>“, “CDQ002”(=UCI ‘</a:t>
-            </a:r>
-            <a:r>
-              <a:rPr lang="en-US" dirty="0" err="1"/>
-              <a:t>exang</a:t>
-            </a:r>
-            <a:r>
-              <a:rPr lang="en-US" dirty="0"/>
-              <a:t>’), and “</a:t>
-            </a:r>
-            <a:r>
-              <a:rPr lang="en-US" dirty="0" err="1"/>
-              <a:t>Num</a:t>
-            </a:r>
-            <a:r>
-              <a:rPr lang="en-US" dirty="0"/>
-              <a:t>” categories.  Sex, </a:t>
-            </a:r>
-            <a:r>
-              <a:rPr lang="en-US" dirty="0" err="1"/>
-              <a:t>cp</a:t>
-            </a:r>
-            <a:r>
-              <a:rPr lang="en-US" dirty="0"/>
-              <a:t>, CDQ002, and </a:t>
-            </a:r>
-            <a:r>
-              <a:rPr lang="en-US" dirty="0" err="1"/>
-              <a:t>Num</a:t>
-            </a:r>
-            <a:r>
-              <a:rPr lang="en-US" dirty="0"/>
-              <a:t> values of != 1; set to zero</a:t>
-            </a:r>
-          </a:p>
-          <a:p>
-            <a:pPr marL="342900" indent="-342900" algn="l">
-              <a:buFont typeface="+mj-lt"/>
-              <a:buAutoNum type="arabicPeriod"/>
-            </a:pPr>
-            <a:r>
-              <a:rPr lang="en-US" dirty="0"/>
-              <a:t>Write cleaned up data out to Excel file (NHanesTestData.xlsx)</a:t>
-            </a:r>
-          </a:p>
-          <a:p>
-            <a:pPr marL="342900" indent="-342900" algn="l">
-              <a:buFont typeface="+mj-lt"/>
-              <a:buAutoNum type="arabicPeriod"/>
-            </a:pPr>
-            <a:endParaRPr lang="en-US" dirty="0"/>
-          </a:p>
-          <a:p>
-            <a:pPr marL="342900" indent="-342900" algn="l">
-              <a:buFont typeface="+mj-lt"/>
-              <a:buAutoNum type="arabicPeriod"/>
-            </a:pPr>
-            <a:endParaRPr lang="en-US" dirty="0"/>
-          </a:p>
-          <a:p>
-            <a:pPr marL="342900" indent="-342900" algn="l">
-              <a:buFont typeface="+mj-lt"/>
-              <a:buAutoNum type="arabicPeriod"/>
-            </a:pPr>
-            <a:endParaRPr lang="en-US" dirty="0"/>
-          </a:p>
-        </p:txBody>
-      </p:sp>
-    </p:spTree>
-    <p:extLst>
-      <p:ext uri="{BB962C8B-B14F-4D97-AF65-F5344CB8AC3E}">
-        <p14:creationId xmlns:p14="http://schemas.microsoft.com/office/powerpoint/2010/main" val="700244790"/>
-      </p:ext>
-    </p:extLst>
-  </p:cSld>
-  <p:clrMapOvr>
-    <a:masterClrMapping/>
-  </p:clrMapOvr>
-</p:sld>
-</file>
-
-<file path=ppt/slides/slide11.xml><?xml version="1.0" encoding="utf-8"?>
-<p:sld xmlns:a="http://schemas.openxmlformats.org/drawingml/2006/main" xmlns:r="http://schemas.openxmlformats.org/officeDocument/2006/relationships" xmlns:p="http://schemas.openxmlformats.org/presentationml/2006/main">
-  <p:cSld>
-    <p:spTree>
-      <p:nvGrpSpPr>
-        <p:cNvPr id="1" name=""/>
-        <p:cNvGrpSpPr/>
-        <p:nvPr/>
-      </p:nvGrpSpPr>
-      <p:grpSpPr>
-        <a:xfrm>
-          <a:off x="0" y="0"/>
-          <a:ext cx="0" cy="0"/>
-          <a:chOff x="0" y="0"/>
-          <a:chExt cx="0" cy="0"/>
-        </a:xfrm>
-      </p:grpSpPr>
-      <p:sp>
-        <p:nvSpPr>
-          <p:cNvPr id="2" name="Title 1"/>
-          <p:cNvSpPr>
-            <a:spLocks noGrp="1"/>
-          </p:cNvSpPr>
-          <p:nvPr>
-            <p:ph type="ctrTitle"/>
-          </p:nvPr>
-        </p:nvSpPr>
-        <p:spPr>
-          <a:xfrm>
-            <a:off x="1539815" y="568706"/>
-            <a:ext cx="9144000" cy="638994"/>
-          </a:xfrm>
-        </p:spPr>
-        <p:txBody>
-          <a:bodyPr anchor="ctr">
-            <a:noAutofit/>
-          </a:bodyPr>
-          <a:lstStyle/>
-          <a:p>
-            <a:r>
-              <a:rPr lang="en-US" sz="3600" b="1" dirty="0">
-                <a:latin typeface="Cambria" panose="02040503050406030204" pitchFamily="18" charset="0"/>
-              </a:rPr>
-              <a:t>CAD for UCI Datasets</a:t>
-            </a:r>
-          </a:p>
-        </p:txBody>
-      </p:sp>
-      <p:sp>
-        <p:nvSpPr>
-          <p:cNvPr id="3" name="Subtitle 2"/>
-          <p:cNvSpPr>
-            <a:spLocks noGrp="1"/>
-          </p:cNvSpPr>
-          <p:nvPr>
-            <p:ph type="subTitle" idx="1"/>
-          </p:nvPr>
-        </p:nvSpPr>
-        <p:spPr>
-          <a:xfrm>
-            <a:off x="733245" y="1207700"/>
-            <a:ext cx="10757140" cy="5244858"/>
-          </a:xfrm>
-        </p:spPr>
-        <p:txBody>
-          <a:bodyPr>
-            <a:normAutofit/>
-          </a:bodyPr>
-          <a:lstStyle/>
-          <a:p>
-            <a:pPr marL="342900" indent="-342900" algn="l">
-              <a:buFont typeface="Arial" panose="020B0604020202020204" pitchFamily="34" charset="0"/>
-              <a:buChar char="•"/>
-            </a:pPr>
-            <a:endParaRPr lang="en-US" dirty="0"/>
-          </a:p>
-          <a:p>
-            <a:pPr marL="342900" indent="-342900" algn="l">
-              <a:buFont typeface="Arial" panose="020B0604020202020204" pitchFamily="34" charset="0"/>
-              <a:buChar char="•"/>
-            </a:pPr>
-            <a:endParaRPr lang="en-US" dirty="0"/>
-          </a:p>
-        </p:txBody>
-      </p:sp>
-      <p:graphicFrame>
-        <p:nvGraphicFramePr>
-          <p:cNvPr id="6" name="Table 5"/>
-          <p:cNvGraphicFramePr>
-            <a:graphicFrameLocks noGrp="1"/>
-          </p:cNvGraphicFramePr>
-          <p:nvPr>
-            <p:extLst>
-              <p:ext uri="{D42A27DB-BD31-4B8C-83A1-F6EECF244321}">
-                <p14:modId xmlns:p14="http://schemas.microsoft.com/office/powerpoint/2010/main" val="938240137"/>
-              </p:ext>
-            </p:extLst>
-          </p:nvPr>
-        </p:nvGraphicFramePr>
-        <p:xfrm>
-          <a:off x="997528" y="1631742"/>
-          <a:ext cx="10046524" cy="1112520"/>
-        </p:xfrm>
-        <a:graphic>
-          <a:graphicData uri="http://schemas.openxmlformats.org/drawingml/2006/table">
-            <a:tbl>
-              <a:tblPr firstRow="1" bandRow="1">
-                <a:tableStyleId>{5C22544A-7EE6-4342-B048-85BDC9FD1C3A}</a:tableStyleId>
-              </a:tblPr>
-              <a:tblGrid>
-                <a:gridCol w="547992">
-                  <a:extLst>
-                    <a:ext uri="{9D8B030D-6E8A-4147-A177-3AD203B41FA5}">
-                      <a16:colId xmlns:a16="http://schemas.microsoft.com/office/drawing/2014/main" val="3984536234"/>
-                    </a:ext>
-                  </a:extLst>
-                </a:gridCol>
-                <a:gridCol w="2374633">
-                  <a:extLst>
-                    <a:ext uri="{9D8B030D-6E8A-4147-A177-3AD203B41FA5}">
-                      <a16:colId xmlns:a16="http://schemas.microsoft.com/office/drawing/2014/main" val="1508398057"/>
-                    </a:ext>
-                  </a:extLst>
-                </a:gridCol>
-                <a:gridCol w="2374633">
-                  <a:extLst>
-                    <a:ext uri="{9D8B030D-6E8A-4147-A177-3AD203B41FA5}">
-                      <a16:colId xmlns:a16="http://schemas.microsoft.com/office/drawing/2014/main" val="3630292511"/>
-                    </a:ext>
-                  </a:extLst>
-                </a:gridCol>
-                <a:gridCol w="2374633">
-                  <a:extLst>
-                    <a:ext uri="{9D8B030D-6E8A-4147-A177-3AD203B41FA5}">
-                      <a16:colId xmlns:a16="http://schemas.microsoft.com/office/drawing/2014/main" val="3578119521"/>
-                    </a:ext>
-                  </a:extLst>
-                </a:gridCol>
-                <a:gridCol w="2374633">
-                  <a:extLst>
-                    <a:ext uri="{9D8B030D-6E8A-4147-A177-3AD203B41FA5}">
-                      <a16:colId xmlns:a16="http://schemas.microsoft.com/office/drawing/2014/main" val="3230220925"/>
-                    </a:ext>
-                  </a:extLst>
-                </a:gridCol>
-              </a:tblGrid>
-              <a:tr h="370840">
-                <a:tc>
-                  <a:txBody>
-                    <a:bodyPr/>
-                    <a:lstStyle/>
-                    <a:p>
-                      <a:endParaRPr lang="en-US" dirty="0"/>
-                    </a:p>
-                  </a:txBody>
-                  <a:tcPr>
-                    <a:solidFill>
-                      <a:srgbClr val="7030A0"/>
-                    </a:solidFill>
-                  </a:tcPr>
-                </a:tc>
-                <a:tc>
-                  <a:txBody>
-                    <a:bodyPr/>
-                    <a:lstStyle/>
-                    <a:p>
-                      <a:pPr algn="ctr"/>
-                      <a:r>
-                        <a:rPr lang="en-US" dirty="0"/>
-                        <a:t>Cleveland</a:t>
-                      </a:r>
-                    </a:p>
-                  </a:txBody>
-                  <a:tcPr>
-                    <a:solidFill>
-                      <a:srgbClr val="7030A0"/>
-                    </a:solidFill>
-                  </a:tcPr>
-                </a:tc>
-                <a:tc>
-                  <a:txBody>
-                    <a:bodyPr/>
-                    <a:lstStyle/>
-                    <a:p>
-                      <a:pPr algn="ctr"/>
-                      <a:r>
-                        <a:rPr lang="en-US" dirty="0"/>
-                        <a:t>Long Beach</a:t>
-                      </a:r>
-                    </a:p>
-                  </a:txBody>
-                  <a:tcPr>
-                    <a:solidFill>
-                      <a:srgbClr val="7030A0"/>
-                    </a:solidFill>
-                  </a:tcPr>
-                </a:tc>
-                <a:tc>
-                  <a:txBody>
-                    <a:bodyPr/>
-                    <a:lstStyle/>
-                    <a:p>
-                      <a:pPr algn="ctr"/>
-                      <a:r>
-                        <a:rPr lang="en-US" dirty="0"/>
-                        <a:t>Hungary</a:t>
-                      </a:r>
-                    </a:p>
-                  </a:txBody>
-                  <a:tcPr>
-                    <a:solidFill>
-                      <a:srgbClr val="7030A0"/>
-                    </a:solidFill>
-                  </a:tcPr>
-                </a:tc>
-                <a:tc>
-                  <a:txBody>
-                    <a:bodyPr/>
-                    <a:lstStyle/>
-                    <a:p>
-                      <a:pPr algn="ctr"/>
-                      <a:r>
-                        <a:rPr lang="en-US" dirty="0"/>
-                        <a:t>Switzerland</a:t>
-                      </a:r>
-                    </a:p>
-                  </a:txBody>
-                  <a:tcPr>
-                    <a:solidFill>
-                      <a:srgbClr val="7030A0"/>
-                    </a:solidFill>
-                  </a:tcPr>
-                </a:tc>
-                <a:extLst>
-                  <a:ext uri="{0D108BD9-81ED-4DB2-BD59-A6C34878D82A}">
-                    <a16:rowId xmlns:a16="http://schemas.microsoft.com/office/drawing/2014/main" val="3594802085"/>
-                  </a:ext>
-                </a:extLst>
-              </a:tr>
-              <a:tr h="370840">
-                <a:tc>
-                  <a:txBody>
-                    <a:bodyPr/>
-                    <a:lstStyle/>
-                    <a:p>
-                      <a:r>
-                        <a:rPr lang="en-US" dirty="0"/>
-                        <a:t>No</a:t>
-                      </a:r>
-                    </a:p>
-                  </a:txBody>
-                  <a:tcPr>
-                    <a:solidFill>
-                      <a:srgbClr val="FFC000"/>
-                    </a:solidFill>
-                  </a:tcPr>
-                </a:tc>
-                <a:tc>
-                  <a:txBody>
-                    <a:bodyPr/>
-                    <a:lstStyle/>
-                    <a:p>
-                      <a:pPr algn="ctr"/>
-                      <a:r>
-                        <a:rPr lang="en-US" dirty="0"/>
-                        <a:t>157</a:t>
-                      </a:r>
-                    </a:p>
-                  </a:txBody>
-                  <a:tcPr>
-                    <a:solidFill>
-                      <a:srgbClr val="FFC000"/>
-                    </a:solidFill>
-                  </a:tcPr>
-                </a:tc>
-                <a:tc>
-                  <a:txBody>
-                    <a:bodyPr/>
-                    <a:lstStyle/>
-                    <a:p>
-                      <a:pPr algn="ctr"/>
-                      <a:r>
-                        <a:rPr lang="en-US" dirty="0"/>
-                        <a:t>51</a:t>
-                      </a:r>
-                    </a:p>
-                  </a:txBody>
-                  <a:tcPr>
-                    <a:solidFill>
-                      <a:srgbClr val="FFC000"/>
-                    </a:solidFill>
-                  </a:tcPr>
-                </a:tc>
-                <a:tc>
-                  <a:txBody>
-                    <a:bodyPr/>
-                    <a:lstStyle/>
-                    <a:p>
-                      <a:pPr algn="ctr"/>
-                      <a:r>
-                        <a:rPr lang="en-US" dirty="0"/>
-                        <a:t>187</a:t>
-                      </a:r>
-                    </a:p>
-                  </a:txBody>
-                  <a:tcPr>
-                    <a:solidFill>
-                      <a:srgbClr val="FFC000"/>
-                    </a:solidFill>
-                  </a:tcPr>
-                </a:tc>
-                <a:tc>
-                  <a:txBody>
-                    <a:bodyPr/>
-                    <a:lstStyle/>
-                    <a:p>
-                      <a:pPr algn="ctr"/>
-                      <a:r>
-                        <a:rPr lang="en-US" dirty="0"/>
-                        <a:t>8</a:t>
-                      </a:r>
-                    </a:p>
-                  </a:txBody>
-                  <a:tcPr>
-                    <a:solidFill>
-                      <a:srgbClr val="FFC000"/>
-                    </a:solidFill>
-                  </a:tcPr>
-                </a:tc>
-                <a:extLst>
-                  <a:ext uri="{0D108BD9-81ED-4DB2-BD59-A6C34878D82A}">
-                    <a16:rowId xmlns:a16="http://schemas.microsoft.com/office/drawing/2014/main" val="3668674538"/>
-                  </a:ext>
-                </a:extLst>
-              </a:tr>
-              <a:tr h="370840">
-                <a:tc>
-                  <a:txBody>
-                    <a:bodyPr/>
-                    <a:lstStyle/>
-                    <a:p>
-                      <a:r>
-                        <a:rPr lang="en-US" dirty="0"/>
-                        <a:t>Yes</a:t>
-                      </a:r>
-                    </a:p>
-                  </a:txBody>
-                  <a:tcPr>
-                    <a:solidFill>
-                      <a:srgbClr val="00B0F0"/>
-                    </a:solidFill>
-                  </a:tcPr>
-                </a:tc>
-                <a:tc>
-                  <a:txBody>
-                    <a:bodyPr/>
-                    <a:lstStyle/>
-                    <a:p>
-                      <a:pPr algn="ctr"/>
-                      <a:r>
-                        <a:rPr lang="en-US" dirty="0"/>
-                        <a:t>125</a:t>
-                      </a:r>
-                    </a:p>
-                  </a:txBody>
-                  <a:tcPr>
-                    <a:solidFill>
-                      <a:srgbClr val="00B0F0"/>
-                    </a:solidFill>
-                  </a:tcPr>
-                </a:tc>
-                <a:tc>
-                  <a:txBody>
-                    <a:bodyPr/>
-                    <a:lstStyle/>
-                    <a:p>
-                      <a:pPr algn="ctr"/>
-                      <a:r>
-                        <a:rPr lang="en-US" dirty="0"/>
-                        <a:t>149</a:t>
-                      </a:r>
-                    </a:p>
-                  </a:txBody>
-                  <a:tcPr>
-                    <a:solidFill>
-                      <a:srgbClr val="00B0F0"/>
-                    </a:solidFill>
-                  </a:tcPr>
-                </a:tc>
-                <a:tc>
-                  <a:txBody>
-                    <a:bodyPr/>
-                    <a:lstStyle/>
-                    <a:p>
-                      <a:pPr algn="ctr"/>
-                      <a:r>
-                        <a:rPr lang="en-US" dirty="0"/>
-                        <a:t>107</a:t>
-                      </a:r>
-                    </a:p>
-                  </a:txBody>
-                  <a:tcPr>
-                    <a:solidFill>
-                      <a:srgbClr val="00B0F0"/>
-                    </a:solidFill>
-                  </a:tcPr>
-                </a:tc>
-                <a:tc>
-                  <a:txBody>
-                    <a:bodyPr/>
-                    <a:lstStyle/>
-                    <a:p>
-                      <a:pPr algn="ctr"/>
-                      <a:r>
-                        <a:rPr lang="en-US" dirty="0"/>
-                        <a:t>114</a:t>
-                      </a:r>
-                    </a:p>
-                  </a:txBody>
-                  <a:tcPr>
-                    <a:solidFill>
-                      <a:srgbClr val="00B0F0"/>
-                    </a:solidFill>
-                  </a:tcPr>
-                </a:tc>
-                <a:extLst>
-                  <a:ext uri="{0D108BD9-81ED-4DB2-BD59-A6C34878D82A}">
-                    <a16:rowId xmlns:a16="http://schemas.microsoft.com/office/drawing/2014/main" val="1184716505"/>
-                  </a:ext>
-                </a:extLst>
-              </a:tr>
-            </a:tbl>
-          </a:graphicData>
-        </a:graphic>
-      </p:graphicFrame>
-      <p:graphicFrame>
-        <p:nvGraphicFramePr>
-          <p:cNvPr id="7" name="Chart 6"/>
-          <p:cNvGraphicFramePr>
-            <a:graphicFrameLocks/>
-          </p:cNvGraphicFramePr>
-          <p:nvPr>
-            <p:extLst>
-              <p:ext uri="{D42A27DB-BD31-4B8C-83A1-F6EECF244321}">
-                <p14:modId xmlns:p14="http://schemas.microsoft.com/office/powerpoint/2010/main" val="2196334838"/>
-              </p:ext>
-            </p:extLst>
-          </p:nvPr>
-        </p:nvGraphicFramePr>
-        <p:xfrm>
-          <a:off x="941073" y="2744262"/>
-          <a:ext cx="4225636" cy="2743200"/>
-        </p:xfrm>
-        <a:graphic>
-          <a:graphicData uri="http://schemas.openxmlformats.org/drawingml/2006/chart">
-            <c:chart xmlns:c="http://schemas.openxmlformats.org/drawingml/2006/chart" xmlns:r="http://schemas.openxmlformats.org/officeDocument/2006/relationships" r:id="rId2"/>
-          </a:graphicData>
-        </a:graphic>
-      </p:graphicFrame>
-      <p:graphicFrame>
-        <p:nvGraphicFramePr>
-          <p:cNvPr id="8" name="Chart 7"/>
-          <p:cNvGraphicFramePr>
-            <a:graphicFrameLocks/>
-          </p:cNvGraphicFramePr>
-          <p:nvPr>
-            <p:extLst>
-              <p:ext uri="{D42A27DB-BD31-4B8C-83A1-F6EECF244321}">
-                <p14:modId xmlns:p14="http://schemas.microsoft.com/office/powerpoint/2010/main" val="657887925"/>
-              </p:ext>
-            </p:extLst>
-          </p:nvPr>
-        </p:nvGraphicFramePr>
-        <p:xfrm>
-          <a:off x="2909455" y="2624447"/>
-          <a:ext cx="4537406" cy="3574472"/>
-        </p:xfrm>
-        <a:graphic>
-          <a:graphicData uri="http://schemas.openxmlformats.org/drawingml/2006/chart">
-            <c:chart xmlns:c="http://schemas.openxmlformats.org/drawingml/2006/chart" xmlns:r="http://schemas.openxmlformats.org/officeDocument/2006/relationships" r:id="rId3"/>
-          </a:graphicData>
-        </a:graphic>
-      </p:graphicFrame>
-      <p:graphicFrame>
-        <p:nvGraphicFramePr>
-          <p:cNvPr id="9" name="Chart 8"/>
-          <p:cNvGraphicFramePr>
-            <a:graphicFrameLocks/>
-          </p:cNvGraphicFramePr>
-          <p:nvPr>
-            <p:extLst>
-              <p:ext uri="{D42A27DB-BD31-4B8C-83A1-F6EECF244321}">
-                <p14:modId xmlns:p14="http://schemas.microsoft.com/office/powerpoint/2010/main" val="3880925878"/>
-              </p:ext>
-            </p:extLst>
-          </p:nvPr>
-        </p:nvGraphicFramePr>
-        <p:xfrm>
-          <a:off x="5819517" y="3155217"/>
-          <a:ext cx="3937931" cy="2320660"/>
-        </p:xfrm>
-        <a:graphic>
-          <a:graphicData uri="http://schemas.openxmlformats.org/drawingml/2006/chart">
-            <c:chart xmlns:c="http://schemas.openxmlformats.org/drawingml/2006/chart" xmlns:r="http://schemas.openxmlformats.org/officeDocument/2006/relationships" r:id="rId4"/>
-          </a:graphicData>
-        </a:graphic>
-      </p:graphicFrame>
-      <p:graphicFrame>
-        <p:nvGraphicFramePr>
-          <p:cNvPr id="10" name="Chart 9"/>
-          <p:cNvGraphicFramePr>
-            <a:graphicFrameLocks/>
-          </p:cNvGraphicFramePr>
-          <p:nvPr>
-            <p:extLst>
-              <p:ext uri="{D42A27DB-BD31-4B8C-83A1-F6EECF244321}">
-                <p14:modId xmlns:p14="http://schemas.microsoft.com/office/powerpoint/2010/main" val="2441398132"/>
-              </p:ext>
-            </p:extLst>
-          </p:nvPr>
-        </p:nvGraphicFramePr>
-        <p:xfrm>
-          <a:off x="7895168" y="3134125"/>
-          <a:ext cx="4572000" cy="2398816"/>
-        </p:xfrm>
-        <a:graphic>
-          <a:graphicData uri="http://schemas.openxmlformats.org/drawingml/2006/chart">
-            <c:chart xmlns:c="http://schemas.openxmlformats.org/drawingml/2006/chart" xmlns:r="http://schemas.openxmlformats.org/officeDocument/2006/relationships" r:id="rId5"/>
-          </a:graphicData>
-        </a:graphic>
-      </p:graphicFrame>
-      <p:sp>
-        <p:nvSpPr>
-          <p:cNvPr id="4" name="TextBox 3">
-            <a:extLst>
-              <a:ext uri="{FF2B5EF4-FFF2-40B4-BE49-F238E27FC236}">
-                <a16:creationId xmlns:a16="http://schemas.microsoft.com/office/drawing/2014/main" id="{6161D032-2271-44C2-B28C-0FE21AAB9627}"/>
-              </a:ext>
-            </a:extLst>
-          </p:cNvPr>
-          <p:cNvSpPr txBox="1"/>
-          <p:nvPr/>
-        </p:nvSpPr>
-        <p:spPr>
-          <a:xfrm>
-            <a:off x="2909456" y="5774635"/>
-            <a:ext cx="2910062" cy="646331"/>
-          </a:xfrm>
-          <a:prstGeom prst="rect">
-            <a:avLst/>
-          </a:prstGeom>
-          <a:noFill/>
-        </p:spPr>
-        <p:txBody>
-          <a:bodyPr wrap="square" rtlCol="0">
-            <a:spAutoFit/>
-          </a:bodyPr>
-          <a:lstStyle/>
-          <a:p>
-            <a:r>
-              <a:rPr lang="en-US" dirty="0"/>
-              <a:t>No = </a:t>
-            </a:r>
-            <a:r>
-              <a:rPr lang="en-US" b="1" dirty="0">
-                <a:solidFill>
-                  <a:srgbClr val="FF0000"/>
-                </a:solidFill>
-              </a:rPr>
-              <a:t>No</a:t>
-            </a:r>
-            <a:r>
-              <a:rPr lang="en-US" dirty="0"/>
-              <a:t> CAD Present</a:t>
-            </a:r>
-          </a:p>
-          <a:p>
-            <a:r>
-              <a:rPr lang="en-US" dirty="0"/>
-              <a:t>Yes = CAD Present</a:t>
-            </a:r>
-          </a:p>
-        </p:txBody>
-      </p:sp>
-      <p:sp>
-        <p:nvSpPr>
-          <p:cNvPr id="5" name="TextBox 4">
-            <a:extLst>
-              <a:ext uri="{FF2B5EF4-FFF2-40B4-BE49-F238E27FC236}">
-                <a16:creationId xmlns:a16="http://schemas.microsoft.com/office/drawing/2014/main" id="{BC041DDC-2746-4B7E-9440-EBB044785109}"/>
-              </a:ext>
-            </a:extLst>
-          </p:cNvPr>
-          <p:cNvSpPr txBox="1"/>
-          <p:nvPr/>
-        </p:nvSpPr>
-        <p:spPr>
-          <a:xfrm>
-            <a:off x="6761547" y="5922804"/>
-            <a:ext cx="3786809" cy="369332"/>
-          </a:xfrm>
-          <a:prstGeom prst="rect">
-            <a:avLst/>
-          </a:prstGeom>
-          <a:noFill/>
-        </p:spPr>
-        <p:txBody>
-          <a:bodyPr wrap="square" rtlCol="0">
-            <a:spAutoFit/>
-          </a:bodyPr>
-          <a:lstStyle/>
-          <a:p>
-            <a:r>
-              <a:rPr lang="en-US" dirty="0"/>
-              <a:t>Switzerland has largest # CAD present</a:t>
-            </a:r>
-          </a:p>
-        </p:txBody>
-      </p:sp>
-    </p:spTree>
-    <p:extLst>
-      <p:ext uri="{BB962C8B-B14F-4D97-AF65-F5344CB8AC3E}">
-        <p14:creationId xmlns:p14="http://schemas.microsoft.com/office/powerpoint/2010/main" val="3658865903"/>
-      </p:ext>
-    </p:extLst>
-  </p:cSld>
-  <p:clrMapOvr>
-    <a:masterClrMapping/>
-  </p:clrMapOvr>
-</p:sld>
-</file>
-
-<file path=ppt/slides/slide12.xml><?xml version="1.0" encoding="utf-8"?>
 <p:sld xmlns:a="http://schemas.openxmlformats.org/drawingml/2006/main" xmlns:r="http://schemas.openxmlformats.org/officeDocument/2006/relationships" xmlns:p="http://schemas.openxmlformats.org/presentationml/2006/main">
   <p:cSld>
     <p:spTree>
@@ -16296,7 +15436,7 @@
 </p:sld>
 </file>
 
-<file path=ppt/slides/slide13.xml><?xml version="1.0" encoding="utf-8"?>
+<file path=ppt/slides/slide11.xml><?xml version="1.0" encoding="utf-8"?>
 <p:sld xmlns:a="http://schemas.openxmlformats.org/drawingml/2006/main" xmlns:r="http://schemas.openxmlformats.org/officeDocument/2006/relationships" xmlns:p="http://schemas.openxmlformats.org/presentationml/2006/main">
   <p:cSld>
     <p:spTree>
@@ -17122,7 +16262,7 @@
 </p:sld>
 </file>
 
-<file path=ppt/slides/slide14.xml><?xml version="1.0" encoding="utf-8"?>
+<file path=ppt/slides/slide12.xml><?xml version="1.0" encoding="utf-8"?>
 <p:sld xmlns:a="http://schemas.openxmlformats.org/drawingml/2006/main" xmlns:r="http://schemas.openxmlformats.org/officeDocument/2006/relationships" xmlns:p="http://schemas.openxmlformats.org/presentationml/2006/main">
   <p:cSld>
     <p:spTree>
@@ -17624,7 +16764,7 @@
 </p:sld>
 </file>
 
-<file path=ppt/slides/slide15.xml><?xml version="1.0" encoding="utf-8"?>
+<file path=ppt/slides/slide13.xml><?xml version="1.0" encoding="utf-8"?>
 <p:sld xmlns:a="http://schemas.openxmlformats.org/drawingml/2006/main" xmlns:r="http://schemas.openxmlformats.org/officeDocument/2006/relationships" xmlns:p="http://schemas.openxmlformats.org/presentationml/2006/main">
   <p:cSld>
     <p:spTree>
@@ -17667,55 +16807,28 @@
               <a:rPr lang="en-US" sz="3600" b="1" dirty="0">
                 <a:latin typeface="Cambria" panose="02040503050406030204" pitchFamily="18" charset="0"/>
               </a:rPr>
-              <a:t>Predictive Model: Random Forest Classifier</a:t>
-            </a:r>
-          </a:p>
-        </p:txBody>
-      </p:sp>
-      <p:sp>
-        <p:nvSpPr>
-          <p:cNvPr id="3" name="Subtitle 2"/>
-          <p:cNvSpPr>
-            <a:spLocks noGrp="1"/>
-          </p:cNvSpPr>
-          <p:nvPr>
-            <p:ph type="subTitle" idx="1"/>
-          </p:nvPr>
-        </p:nvSpPr>
-        <p:spPr>
-          <a:xfrm>
-            <a:off x="733245" y="1207700"/>
-            <a:ext cx="10757140" cy="5244858"/>
-          </a:xfrm>
-        </p:spPr>
-        <p:txBody>
-          <a:bodyPr>
-            <a:normAutofit/>
-          </a:bodyPr>
-          <a:lstStyle/>
-          <a:p>
-            <a:pPr marL="342900" indent="-342900" algn="l">
-              <a:buFont typeface="Arial" panose="020B0604020202020204" pitchFamily="34" charset="0"/>
-              <a:buChar char="•"/>
-            </a:pPr>
-            <a:r>
-              <a:rPr lang="en-US" dirty="0">
-                <a:solidFill>
-                  <a:srgbClr val="0070C0"/>
-                </a:solidFill>
+              <a:t>Predictive Model: Random Forest </a:t>
+            </a:r>
+            <a:r>
+              <a:rPr lang="en-US" sz="3600" b="1" dirty="0" smtClean="0">
+                <a:latin typeface="Cambria" panose="02040503050406030204" pitchFamily="18" charset="0"/>
               </a:rPr>
-              <a:t>What is a Random Forest Classifier?</a:t>
-            </a:r>
-          </a:p>
-          <a:p>
-            <a:pPr marL="342900" indent="-342900" algn="l">
-              <a:buFont typeface="Arial" panose="020B0604020202020204" pitchFamily="34" charset="0"/>
-              <a:buChar char="•"/>
-            </a:pPr>
-            <a:endParaRPr lang="en-US" dirty="0">
-              <a:solidFill>
-                <a:srgbClr val="0070C0"/>
-              </a:solidFill>
+              <a:t>Classifier </a:t>
+            </a:r>
+            <a:r>
+              <a:rPr lang="en-US" sz="3600" baseline="30000" dirty="0" smtClean="0"/>
+              <a:t>(</a:t>
+            </a:r>
+            <a:r>
+              <a:rPr lang="en-US" sz="3600" baseline="30000" dirty="0"/>
+              <a:t>7-12</a:t>
+            </a:r>
+            <a:r>
+              <a:rPr lang="en-US" sz="3600" baseline="30000" dirty="0" smtClean="0"/>
+              <a:t>)</a:t>
+            </a:r>
+            <a:endParaRPr lang="en-US" sz="3600" b="1" dirty="0">
+              <a:latin typeface="Cambria" panose="02040503050406030204" pitchFamily="18" charset="0"/>
             </a:endParaRPr>
           </a:p>
         </p:txBody>
@@ -17748,8 +16861,8 @@
         </p:blipFill>
         <p:spPr>
           <a:xfrm>
-            <a:off x="816372" y="2275781"/>
-            <a:ext cx="5181600" cy="3451026"/>
+            <a:off x="419833" y="2011680"/>
+            <a:ext cx="5578139" cy="3715127"/>
           </a:xfrm>
           <a:prstGeom prst="rect">
             <a:avLst/>
@@ -17770,7 +16883,7 @@
         </p:nvSpPr>
         <p:spPr>
           <a:xfrm>
-            <a:off x="733245" y="5727467"/>
+            <a:off x="433980" y="5727467"/>
             <a:ext cx="4801314" cy="215444"/>
           </a:xfrm>
           <a:prstGeom prst="rect">
@@ -17807,8 +16920,8 @@
         </p:nvSpPr>
         <p:spPr>
           <a:xfrm>
-            <a:off x="6172200" y="2275781"/>
-            <a:ext cx="5181600" cy="3451026"/>
+            <a:off x="6172200" y="1479665"/>
+            <a:ext cx="5181600" cy="4796444"/>
           </a:xfrm>
           <a:prstGeom prst="rect">
             <a:avLst/>
@@ -17983,27 +17096,44 @@
             </a:lvl9pPr>
           </a:lstStyle>
           <a:p>
+            <a:r>
+              <a:rPr lang="en-US" sz="2400" dirty="0" smtClean="0"/>
+              <a:t>Collection </a:t>
+            </a:r>
+            <a:r>
+              <a:rPr lang="en-US" sz="2400" dirty="0"/>
+              <a:t>of individual and independent decision trees (aka the “forest</a:t>
+            </a:r>
+            <a:r>
+              <a:rPr lang="en-US" sz="2400" dirty="0" smtClean="0"/>
+              <a:t>”)</a:t>
+            </a:r>
+          </a:p>
+          <a:p>
             <a:endParaRPr lang="en-US" sz="2400" dirty="0"/>
           </a:p>
           <a:p>
             <a:r>
               <a:rPr lang="en-US" sz="2400" dirty="0"/>
-              <a:t>Collection of individual and independent decision trees (aka the “forest”)</a:t>
-            </a:r>
+              <a:t>For a given object, each tree in the forest independently classifies the </a:t>
+            </a:r>
+            <a:r>
+              <a:rPr lang="en-US" sz="2400" dirty="0" smtClean="0"/>
+              <a:t>object</a:t>
+            </a:r>
+          </a:p>
+          <a:p>
+            <a:endParaRPr lang="en-US" sz="2400" dirty="0"/>
           </a:p>
           <a:p>
             <a:r>
               <a:rPr lang="en-US" sz="2400" dirty="0"/>
-              <a:t>For a given object, each tree in the forest independently classifies the object</a:t>
-            </a:r>
-          </a:p>
-          <a:p>
-            <a:r>
-              <a:rPr lang="en-US" sz="2400" dirty="0"/>
-              <a:t>Final classification of the object is the majority vote from the forest</a:t>
-            </a:r>
-          </a:p>
-          <a:p>
+              <a:t>Final classification of the object is the majority vote from the </a:t>
+            </a:r>
+            <a:r>
+              <a:rPr lang="en-US" sz="2400" dirty="0" smtClean="0"/>
+              <a:t>forest</a:t>
+            </a:r>
             <a:endParaRPr lang="en-US" dirty="0"/>
           </a:p>
         </p:txBody>
@@ -18011,7 +17141,201 @@
     </p:spTree>
     <p:extLst>
       <p:ext uri="{BB962C8B-B14F-4D97-AF65-F5344CB8AC3E}">
-        <p14:creationId xmlns:p14="http://schemas.microsoft.com/office/powerpoint/2010/main" val="413029568"/>
+        <p14:creationId xmlns:p14="http://schemas.microsoft.com/office/powerpoint/2010/main" val="2311398579"/>
+      </p:ext>
+    </p:extLst>
+  </p:cSld>
+  <p:clrMapOvr>
+    <a:masterClrMapping/>
+  </p:clrMapOvr>
+</p:sld>
+</file>
+
+<file path=ppt/slides/slide14.xml><?xml version="1.0" encoding="utf-8"?>
+<p:sld xmlns:a="http://schemas.openxmlformats.org/drawingml/2006/main" xmlns:r="http://schemas.openxmlformats.org/officeDocument/2006/relationships" xmlns:p="http://schemas.openxmlformats.org/presentationml/2006/main">
+  <p:cSld>
+    <p:spTree>
+      <p:nvGrpSpPr>
+        <p:cNvPr id="1" name=""/>
+        <p:cNvGrpSpPr/>
+        <p:nvPr/>
+      </p:nvGrpSpPr>
+      <p:grpSpPr>
+        <a:xfrm>
+          <a:off x="0" y="0"/>
+          <a:ext cx="0" cy="0"/>
+          <a:chOff x="0" y="0"/>
+          <a:chExt cx="0" cy="0"/>
+        </a:xfrm>
+      </p:grpSpPr>
+      <p:sp>
+        <p:nvSpPr>
+          <p:cNvPr id="2" name="Title 1"/>
+          <p:cNvSpPr>
+            <a:spLocks noGrp="1"/>
+          </p:cNvSpPr>
+          <p:nvPr>
+            <p:ph type="ctrTitle"/>
+          </p:nvPr>
+        </p:nvSpPr>
+        <p:spPr>
+          <a:xfrm>
+            <a:off x="1539815" y="568706"/>
+            <a:ext cx="9144000" cy="638994"/>
+          </a:xfrm>
+        </p:spPr>
+        <p:txBody>
+          <a:bodyPr anchor="ctr">
+            <a:noAutofit/>
+          </a:bodyPr>
+          <a:lstStyle/>
+          <a:p>
+            <a:r>
+              <a:rPr lang="en-US" sz="3600" b="1" dirty="0" smtClean="0">
+                <a:latin typeface="Cambria" panose="02040503050406030204" pitchFamily="18" charset="0"/>
+              </a:rPr>
+              <a:t>Tree #5 </a:t>
+            </a:r>
+            <a:r>
+              <a:rPr lang="en-US" sz="3600" b="1" dirty="0">
+                <a:latin typeface="Cambria" panose="02040503050406030204" pitchFamily="18" charset="0"/>
+              </a:rPr>
+              <a:t>from Random Forest </a:t>
+            </a:r>
+          </a:p>
+        </p:txBody>
+      </p:sp>
+      <p:pic>
+        <p:nvPicPr>
+          <p:cNvPr id="4" name="Picture 3"/>
+          <p:cNvPicPr>
+            <a:picLocks noChangeAspect="1"/>
+          </p:cNvPicPr>
+          <p:nvPr/>
+        </p:nvPicPr>
+        <p:blipFill>
+          <a:blip r:embed="rId2" cstate="print">
+            <a:extLst>
+              <a:ext uri="{28A0092B-C50C-407E-A947-70E740481C1C}">
+                <a14:useLocalDpi xmlns:a14="http://schemas.microsoft.com/office/drawing/2010/main" val="0"/>
+              </a:ext>
+            </a:extLst>
+          </a:blip>
+          <a:stretch>
+            <a:fillRect/>
+          </a:stretch>
+        </p:blipFill>
+        <p:spPr>
+          <a:xfrm>
+            <a:off x="237208" y="1846693"/>
+            <a:ext cx="11687104" cy="4022092"/>
+          </a:xfrm>
+          <a:prstGeom prst="rect">
+            <a:avLst/>
+          </a:prstGeom>
+        </p:spPr>
+      </p:pic>
+    </p:spTree>
+    <p:extLst>
+      <p:ext uri="{BB962C8B-B14F-4D97-AF65-F5344CB8AC3E}">
+        <p14:creationId xmlns:p14="http://schemas.microsoft.com/office/powerpoint/2010/main" val="1286981119"/>
+      </p:ext>
+    </p:extLst>
+  </p:cSld>
+  <p:clrMapOvr>
+    <a:masterClrMapping/>
+  </p:clrMapOvr>
+</p:sld>
+</file>
+
+<file path=ppt/slides/slide15.xml><?xml version="1.0" encoding="utf-8"?>
+<p:sld xmlns:a="http://schemas.openxmlformats.org/drawingml/2006/main" xmlns:r="http://schemas.openxmlformats.org/officeDocument/2006/relationships" xmlns:p="http://schemas.openxmlformats.org/presentationml/2006/main">
+  <p:cSld>
+    <p:spTree>
+      <p:nvGrpSpPr>
+        <p:cNvPr id="1" name=""/>
+        <p:cNvGrpSpPr/>
+        <p:nvPr/>
+      </p:nvGrpSpPr>
+      <p:grpSpPr>
+        <a:xfrm>
+          <a:off x="0" y="0"/>
+          <a:ext cx="0" cy="0"/>
+          <a:chOff x="0" y="0"/>
+          <a:chExt cx="0" cy="0"/>
+        </a:xfrm>
+      </p:grpSpPr>
+      <p:sp>
+        <p:nvSpPr>
+          <p:cNvPr id="2" name="Title 1"/>
+          <p:cNvSpPr>
+            <a:spLocks noGrp="1"/>
+          </p:cNvSpPr>
+          <p:nvPr>
+            <p:ph type="ctrTitle"/>
+          </p:nvPr>
+        </p:nvSpPr>
+        <p:spPr>
+          <a:xfrm>
+            <a:off x="1539815" y="568706"/>
+            <a:ext cx="9144000" cy="638994"/>
+          </a:xfrm>
+        </p:spPr>
+        <p:txBody>
+          <a:bodyPr anchor="ctr">
+            <a:noAutofit/>
+          </a:bodyPr>
+          <a:lstStyle/>
+          <a:p>
+            <a:r>
+              <a:rPr lang="en-US" sz="3600" b="1" dirty="0" smtClean="0">
+                <a:latin typeface="Cambria" panose="02040503050406030204" pitchFamily="18" charset="0"/>
+              </a:rPr>
+              <a:t>Tree #500 from </a:t>
+            </a:r>
+            <a:r>
+              <a:rPr lang="en-US" sz="3600" b="1" dirty="0">
+                <a:latin typeface="Cambria" panose="02040503050406030204" pitchFamily="18" charset="0"/>
+              </a:rPr>
+              <a:t>Random Forest </a:t>
+            </a:r>
+          </a:p>
+        </p:txBody>
+      </p:sp>
+      <p:pic>
+        <p:nvPicPr>
+          <p:cNvPr id="5" name="Picture 4"/>
+          <p:cNvPicPr>
+            <a:picLocks noChangeAspect="1"/>
+          </p:cNvPicPr>
+          <p:nvPr/>
+        </p:nvPicPr>
+        <p:blipFill>
+          <a:blip r:embed="rId2" cstate="print">
+            <a:extLst>
+              <a:ext uri="{28A0092B-C50C-407E-A947-70E740481C1C}">
+                <a14:useLocalDpi xmlns:a14="http://schemas.microsoft.com/office/drawing/2010/main" val="0"/>
+              </a:ext>
+            </a:extLst>
+          </a:blip>
+          <a:stretch>
+            <a:fillRect/>
+          </a:stretch>
+        </p:blipFill>
+        <p:spPr>
+          <a:xfrm>
+            <a:off x="305944" y="1864423"/>
+            <a:ext cx="11561446" cy="4627814"/>
+          </a:xfrm>
+          <a:prstGeom prst="rect">
+            <a:avLst/>
+          </a:prstGeom>
+        </p:spPr>
+      </p:pic>
+    </p:spTree>
+    <p:extLst>
+      <p:ext uri="{BB962C8B-B14F-4D97-AF65-F5344CB8AC3E}">
+        <p14:creationId xmlns:p14="http://schemas.microsoft.com/office/powerpoint/2010/main" val="3143265499"/>
       </p:ext>
     </p:extLst>
   </p:cSld>
@@ -18061,55 +17385,29 @@
           <a:lstStyle/>
           <a:p>
             <a:r>
+              <a:rPr lang="en-US" sz="3600" b="1" dirty="0" smtClean="0">
+                <a:latin typeface="Cambria" panose="02040503050406030204" pitchFamily="18" charset="0"/>
+              </a:rPr>
+              <a:t>Why Use a Random </a:t>
+            </a:r>
+            <a:r>
               <a:rPr lang="en-US" sz="3600" b="1" dirty="0">
                 <a:latin typeface="Cambria" panose="02040503050406030204" pitchFamily="18" charset="0"/>
               </a:rPr>
-              <a:t>Predictive Model: Random Forest Classifier</a:t>
-            </a:r>
-          </a:p>
-        </p:txBody>
-      </p:sp>
-      <p:sp>
-        <p:nvSpPr>
-          <p:cNvPr id="3" name="Subtitle 2"/>
-          <p:cNvSpPr>
-            <a:spLocks noGrp="1"/>
-          </p:cNvSpPr>
-          <p:nvPr>
-            <p:ph type="subTitle" idx="1"/>
-          </p:nvPr>
-        </p:nvSpPr>
-        <p:spPr>
-          <a:xfrm>
-            <a:off x="733245" y="1207700"/>
-            <a:ext cx="10757140" cy="5244858"/>
-          </a:xfrm>
-        </p:spPr>
-        <p:txBody>
-          <a:bodyPr>
-            <a:normAutofit/>
-          </a:bodyPr>
-          <a:lstStyle/>
-          <a:p>
-            <a:pPr algn="l"/>
-            <a:r>
-              <a:rPr lang="en-US" dirty="0">
-                <a:solidFill>
-                  <a:srgbClr val="0070C0"/>
-                </a:solidFill>
+              <a:t>Forest </a:t>
+            </a:r>
+            <a:r>
+              <a:rPr lang="en-US" sz="3600" b="1" dirty="0" smtClean="0">
+                <a:latin typeface="Cambria" panose="02040503050406030204" pitchFamily="18" charset="0"/>
               </a:rPr>
-              <a:t>Why Use a Random Forest Classifier?</a:t>
-            </a:r>
-          </a:p>
-          <a:p>
-            <a:pPr marL="342900" indent="-342900" algn="l">
-              <a:buFont typeface="Arial" panose="020B0604020202020204" pitchFamily="34" charset="0"/>
-              <a:buChar char="•"/>
-            </a:pPr>
-            <a:endParaRPr lang="en-US" dirty="0">
-              <a:solidFill>
-                <a:srgbClr val="0070C0"/>
-              </a:solidFill>
+              <a:t>Classifier? </a:t>
+            </a:r>
+            <a:r>
+              <a:rPr lang="en-US" sz="3600" baseline="30000" dirty="0"/>
+              <a:t>(7-12)</a:t>
+            </a:r>
+            <a:endParaRPr lang="en-US" sz="3600" b="1" dirty="0">
+              <a:latin typeface="Cambria" panose="02040503050406030204" pitchFamily="18" charset="0"/>
             </a:endParaRPr>
           </a:p>
         </p:txBody>
@@ -18131,7 +17429,7 @@
         <p:spPr>
           <a:xfrm>
             <a:off x="6172200" y="1825624"/>
-            <a:ext cx="5181600" cy="3901183"/>
+            <a:ext cx="5181600" cy="4733118"/>
           </a:xfrm>
           <a:prstGeom prst="rect">
             <a:avLst/>
@@ -18344,7 +17642,7 @@
         <p:spPr>
           <a:xfrm>
             <a:off x="838200" y="1825624"/>
-            <a:ext cx="5181600" cy="4316991"/>
+            <a:ext cx="5181600" cy="4733118"/>
           </a:xfrm>
           <a:prstGeom prst="rect">
             <a:avLst/>
@@ -18542,8 +17840,16 @@
               <a:buChar char="•"/>
             </a:pPr>
             <a:r>
+              <a:rPr lang="en-US" sz="2200" dirty="0" smtClean="0"/>
+              <a:t>Non-parametric</a:t>
+            </a:r>
+            <a:r>
               <a:rPr lang="en-US" sz="2200" dirty="0"/>
-              <a:t>Binary-decision </a:t>
+              <a:t>: can use on data where true incidence or distribution of the variables is unknown</a:t>
+            </a:r>
+            <a:r>
+              <a:rPr lang="en-US" sz="2200" dirty="0" smtClean="0"/>
+              <a:t>.</a:t>
             </a:r>
           </a:p>
           <a:p>
@@ -18551,10 +17857,7 @@
               <a:buFont typeface="Arial" panose="020B0604020202020204" pitchFamily="34" charset="0"/>
               <a:buChar char="•"/>
             </a:pPr>
-            <a:r>
-              <a:rPr lang="en-US" sz="2200" dirty="0"/>
-              <a:t>Non-parametric: can use on data where true incidence or distribution of the variables is unknown.</a:t>
-            </a:r>
+            <a:endParaRPr lang="en-US" sz="2200" dirty="0"/>
           </a:p>
           <a:p>
             <a:pPr marL="795338" lvl="2" indent="-342900" algn="l">
@@ -18563,8 +17866,19 @@
             </a:pPr>
             <a:r>
               <a:rPr lang="en-US" sz="2200" dirty="0"/>
-              <a:t>Works for data with both categorical and numerical data (binary and continuous data).</a:t>
-            </a:r>
+              <a:t>Works for data with both categorical and numerical data (binary and continuous data</a:t>
+            </a:r>
+            <a:r>
+              <a:rPr lang="en-US" sz="2200" dirty="0" smtClean="0"/>
+              <a:t>).</a:t>
+            </a:r>
+          </a:p>
+          <a:p>
+            <a:pPr marL="795338" lvl="2" indent="-342900" algn="l">
+              <a:buFont typeface="Arial" panose="020B0604020202020204" pitchFamily="34" charset="0"/>
+              <a:buChar char="•"/>
+            </a:pPr>
+            <a:endParaRPr lang="en-US" sz="2200" dirty="0"/>
           </a:p>
           <a:p>
             <a:pPr marL="795338" lvl="2" indent="-342900" algn="l">
@@ -18605,7 +17919,7 @@
     </p:spTree>
     <p:extLst>
       <p:ext uri="{BB962C8B-B14F-4D97-AF65-F5344CB8AC3E}">
-        <p14:creationId xmlns:p14="http://schemas.microsoft.com/office/powerpoint/2010/main" val="3903989580"/>
+        <p14:creationId xmlns:p14="http://schemas.microsoft.com/office/powerpoint/2010/main" val="783437226"/>
       </p:ext>
     </p:extLst>
   </p:cSld>
@@ -18658,7 +17972,7 @@
               <a:rPr lang="en-US" sz="3600" b="1" dirty="0">
                 <a:latin typeface="Cambria" panose="02040503050406030204" pitchFamily="18" charset="0"/>
               </a:rPr>
-              <a:t>Example Tree from Random Forest </a:t>
+              <a:t>Results of Predictive Model Testing</a:t>
             </a:r>
           </a:p>
         </p:txBody>
@@ -18689,701 +18003,6 @@
               <a:buFont typeface="Arial" panose="020B0604020202020204" pitchFamily="34" charset="0"/>
               <a:buChar char="•"/>
             </a:pPr>
-            <a:r>
-              <a:rPr lang="en-US" dirty="0">
-                <a:solidFill>
-                  <a:srgbClr val="0070C0"/>
-                </a:solidFill>
-              </a:rPr>
-              <a:t>Tree #5</a:t>
-            </a:r>
-          </a:p>
-        </p:txBody>
-      </p:sp>
-      <p:pic>
-        <p:nvPicPr>
-          <p:cNvPr id="4" name="Picture 3"/>
-          <p:cNvPicPr>
-            <a:picLocks noChangeAspect="1"/>
-          </p:cNvPicPr>
-          <p:nvPr/>
-        </p:nvPicPr>
-        <p:blipFill>
-          <a:blip r:embed="rId2" cstate="print">
-            <a:extLst>
-              <a:ext uri="{28A0092B-C50C-407E-A947-70E740481C1C}">
-                <a14:useLocalDpi xmlns:a14="http://schemas.microsoft.com/office/drawing/2010/main" val="0"/>
-              </a:ext>
-            </a:extLst>
-          </a:blip>
-          <a:stretch>
-            <a:fillRect/>
-          </a:stretch>
-        </p:blipFill>
-        <p:spPr>
-          <a:xfrm>
-            <a:off x="1082615" y="1846693"/>
-            <a:ext cx="10058400" cy="3461577"/>
-          </a:xfrm>
-          <a:prstGeom prst="rect">
-            <a:avLst/>
-          </a:prstGeom>
-        </p:spPr>
-      </p:pic>
-    </p:spTree>
-    <p:extLst>
-      <p:ext uri="{BB962C8B-B14F-4D97-AF65-F5344CB8AC3E}">
-        <p14:creationId xmlns:p14="http://schemas.microsoft.com/office/powerpoint/2010/main" val="4109728980"/>
-      </p:ext>
-    </p:extLst>
-  </p:cSld>
-  <p:clrMapOvr>
-    <a:masterClrMapping/>
-  </p:clrMapOvr>
-</p:sld>
-</file>
-
-<file path=ppt/slides/slide18.xml><?xml version="1.0" encoding="utf-8"?>
-<p:sld xmlns:a="http://schemas.openxmlformats.org/drawingml/2006/main" xmlns:r="http://schemas.openxmlformats.org/officeDocument/2006/relationships" xmlns:p="http://schemas.openxmlformats.org/presentationml/2006/main">
-  <p:cSld>
-    <p:spTree>
-      <p:nvGrpSpPr>
-        <p:cNvPr id="1" name=""/>
-        <p:cNvGrpSpPr/>
-        <p:nvPr/>
-      </p:nvGrpSpPr>
-      <p:grpSpPr>
-        <a:xfrm>
-          <a:off x="0" y="0"/>
-          <a:ext cx="0" cy="0"/>
-          <a:chOff x="0" y="0"/>
-          <a:chExt cx="0" cy="0"/>
-        </a:xfrm>
-      </p:grpSpPr>
-      <p:sp>
-        <p:nvSpPr>
-          <p:cNvPr id="2" name="Title 1"/>
-          <p:cNvSpPr>
-            <a:spLocks noGrp="1"/>
-          </p:cNvSpPr>
-          <p:nvPr>
-            <p:ph type="ctrTitle"/>
-          </p:nvPr>
-        </p:nvSpPr>
-        <p:spPr>
-          <a:xfrm>
-            <a:off x="1539815" y="568706"/>
-            <a:ext cx="9144000" cy="638994"/>
-          </a:xfrm>
-        </p:spPr>
-        <p:txBody>
-          <a:bodyPr anchor="ctr">
-            <a:noAutofit/>
-          </a:bodyPr>
-          <a:lstStyle/>
-          <a:p>
-            <a:r>
-              <a:rPr lang="en-US" sz="3600" b="1" dirty="0">
-                <a:latin typeface="Cambria" panose="02040503050406030204" pitchFamily="18" charset="0"/>
-              </a:rPr>
-              <a:t>Example Tree from Random Forest </a:t>
-            </a:r>
-          </a:p>
-        </p:txBody>
-      </p:sp>
-      <p:sp>
-        <p:nvSpPr>
-          <p:cNvPr id="3" name="Subtitle 2"/>
-          <p:cNvSpPr>
-            <a:spLocks noGrp="1"/>
-          </p:cNvSpPr>
-          <p:nvPr>
-            <p:ph type="subTitle" idx="1"/>
-          </p:nvPr>
-        </p:nvSpPr>
-        <p:spPr>
-          <a:xfrm>
-            <a:off x="733245" y="1207700"/>
-            <a:ext cx="10757140" cy="5244858"/>
-          </a:xfrm>
-        </p:spPr>
-        <p:txBody>
-          <a:bodyPr>
-            <a:normAutofit/>
-          </a:bodyPr>
-          <a:lstStyle/>
-          <a:p>
-            <a:pPr marL="342900" indent="-342900" algn="l">
-              <a:buFont typeface="Arial" panose="020B0604020202020204" pitchFamily="34" charset="0"/>
-              <a:buChar char="•"/>
-            </a:pPr>
-            <a:r>
-              <a:rPr lang="en-US" dirty="0">
-                <a:solidFill>
-                  <a:srgbClr val="0070C0"/>
-                </a:solidFill>
-              </a:rPr>
-              <a:t>Tree #500</a:t>
-            </a:r>
-          </a:p>
-          <a:p>
-            <a:pPr marL="342900" indent="-342900" algn="l">
-              <a:buFont typeface="Arial" panose="020B0604020202020204" pitchFamily="34" charset="0"/>
-              <a:buChar char="•"/>
-            </a:pPr>
-            <a:endParaRPr lang="en-US" dirty="0">
-              <a:solidFill>
-                <a:srgbClr val="0070C0"/>
-              </a:solidFill>
-            </a:endParaRPr>
-          </a:p>
-        </p:txBody>
-      </p:sp>
-      <p:pic>
-        <p:nvPicPr>
-          <p:cNvPr id="5" name="Picture 4"/>
-          <p:cNvPicPr>
-            <a:picLocks noChangeAspect="1"/>
-          </p:cNvPicPr>
-          <p:nvPr/>
-        </p:nvPicPr>
-        <p:blipFill>
-          <a:blip r:embed="rId2" cstate="print">
-            <a:extLst>
-              <a:ext uri="{28A0092B-C50C-407E-A947-70E740481C1C}">
-                <a14:useLocalDpi xmlns:a14="http://schemas.microsoft.com/office/drawing/2010/main" val="0"/>
-              </a:ext>
-            </a:extLst>
-          </a:blip>
-          <a:stretch>
-            <a:fillRect/>
-          </a:stretch>
-        </p:blipFill>
-        <p:spPr>
-          <a:xfrm>
-            <a:off x="1082615" y="1947553"/>
-            <a:ext cx="10058400" cy="4026175"/>
-          </a:xfrm>
-          <a:prstGeom prst="rect">
-            <a:avLst/>
-          </a:prstGeom>
-        </p:spPr>
-      </p:pic>
-    </p:spTree>
-    <p:extLst>
-      <p:ext uri="{BB962C8B-B14F-4D97-AF65-F5344CB8AC3E}">
-        <p14:creationId xmlns:p14="http://schemas.microsoft.com/office/powerpoint/2010/main" val="1715579537"/>
-      </p:ext>
-    </p:extLst>
-  </p:cSld>
-  <p:clrMapOvr>
-    <a:masterClrMapping/>
-  </p:clrMapOvr>
-</p:sld>
-</file>
-
-<file path=ppt/slides/slide19.xml><?xml version="1.0" encoding="utf-8"?>
-<p:sld xmlns:a="http://schemas.openxmlformats.org/drawingml/2006/main" xmlns:r="http://schemas.openxmlformats.org/officeDocument/2006/relationships" xmlns:p="http://schemas.openxmlformats.org/presentationml/2006/main">
-  <p:cSld>
-    <p:spTree>
-      <p:nvGrpSpPr>
-        <p:cNvPr id="1" name=""/>
-        <p:cNvGrpSpPr/>
-        <p:nvPr/>
-      </p:nvGrpSpPr>
-      <p:grpSpPr>
-        <a:xfrm>
-          <a:off x="0" y="0"/>
-          <a:ext cx="0" cy="0"/>
-          <a:chOff x="0" y="0"/>
-          <a:chExt cx="0" cy="0"/>
-        </a:xfrm>
-      </p:grpSpPr>
-      <p:sp>
-        <p:nvSpPr>
-          <p:cNvPr id="2" name="Title 1"/>
-          <p:cNvSpPr>
-            <a:spLocks noGrp="1"/>
-          </p:cNvSpPr>
-          <p:nvPr>
-            <p:ph type="ctrTitle"/>
-          </p:nvPr>
-        </p:nvSpPr>
-        <p:spPr>
-          <a:xfrm>
-            <a:off x="1539815" y="568706"/>
-            <a:ext cx="9144000" cy="638994"/>
-          </a:xfrm>
-        </p:spPr>
-        <p:txBody>
-          <a:bodyPr anchor="ctr">
-            <a:noAutofit/>
-          </a:bodyPr>
-          <a:lstStyle/>
-          <a:p>
-            <a:r>
-              <a:rPr lang="en-US" sz="3600" b="1" dirty="0">
-                <a:latin typeface="Cambria" panose="02040503050406030204" pitchFamily="18" charset="0"/>
-              </a:rPr>
-              <a:t>Results of Predictive Model Testing</a:t>
-            </a:r>
-          </a:p>
-        </p:txBody>
-      </p:sp>
-      <p:sp>
-        <p:nvSpPr>
-          <p:cNvPr id="3" name="Subtitle 2"/>
-          <p:cNvSpPr>
-            <a:spLocks noGrp="1"/>
-          </p:cNvSpPr>
-          <p:nvPr>
-            <p:ph type="subTitle" idx="1"/>
-          </p:nvPr>
-        </p:nvSpPr>
-        <p:spPr>
-          <a:xfrm>
-            <a:off x="733245" y="1207700"/>
-            <a:ext cx="10757140" cy="5244858"/>
-          </a:xfrm>
-        </p:spPr>
-        <p:txBody>
-          <a:bodyPr>
-            <a:normAutofit/>
-          </a:bodyPr>
-          <a:lstStyle/>
-          <a:p>
-            <a:pPr marL="342900" indent="-342900" algn="l">
-              <a:buFont typeface="Arial" panose="020B0604020202020204" pitchFamily="34" charset="0"/>
-              <a:buChar char="•"/>
-            </a:pPr>
-            <a:r>
-              <a:rPr lang="en-US" dirty="0">
-                <a:solidFill>
-                  <a:srgbClr val="0070C0"/>
-                </a:solidFill>
-              </a:rPr>
-              <a:t>Results Consistent with 80% Accuracy</a:t>
-            </a:r>
-          </a:p>
-          <a:p>
-            <a:pPr marL="685800" indent="-342900" algn="l">
-              <a:buFont typeface="Arial" panose="020B0604020202020204" pitchFamily="34" charset="0"/>
-              <a:buChar char="•"/>
-            </a:pPr>
-            <a:r>
-              <a:rPr lang="en-US" sz="2200" dirty="0">
-                <a:solidFill>
-                  <a:srgbClr val="00B050"/>
-                </a:solidFill>
-              </a:rPr>
-              <a:t>UCI Dataset: Training and Testing</a:t>
-            </a:r>
-          </a:p>
-          <a:p>
-            <a:pPr marL="1033463" lvl="2" indent="-342900" algn="l">
-              <a:buFont typeface="Arial" panose="020B0604020202020204" pitchFamily="34" charset="0"/>
-              <a:buChar char="•"/>
-            </a:pPr>
-            <a:r>
-              <a:rPr lang="en-US" sz="2000" dirty="0"/>
-              <a:t>80% of the UCI Dataset was used for “training” the model.</a:t>
-            </a:r>
-          </a:p>
-          <a:p>
-            <a:pPr marL="1033463" lvl="2" indent="-342900" algn="l">
-              <a:buFont typeface="Arial" panose="020B0604020202020204" pitchFamily="34" charset="0"/>
-              <a:buChar char="•"/>
-            </a:pPr>
-            <a:r>
-              <a:rPr lang="en-US" sz="2000" dirty="0"/>
-              <a:t>20% of the UCI Dataset was used for testing the “trained model” with 80% accuracy.</a:t>
-            </a:r>
-          </a:p>
-          <a:p>
-            <a:pPr marL="685800" lvl="1" indent="-342900" algn="l">
-              <a:spcBef>
-                <a:spcPts val="1000"/>
-              </a:spcBef>
-              <a:buFont typeface="Arial" panose="020B0604020202020204" pitchFamily="34" charset="0"/>
-              <a:buChar char="•"/>
-            </a:pPr>
-            <a:r>
-              <a:rPr lang="en-US" sz="2200" dirty="0">
-                <a:solidFill>
-                  <a:srgbClr val="00B050"/>
-                </a:solidFill>
-              </a:rPr>
-              <a:t>NHANES Dataset Testing</a:t>
-            </a:r>
-          </a:p>
-          <a:p>
-            <a:pPr marL="1033463" lvl="1" indent="-342900" algn="l">
-              <a:buFont typeface="Arial" panose="020B0604020202020204" pitchFamily="34" charset="0"/>
-              <a:buChar char="•"/>
-            </a:pPr>
-            <a:r>
-              <a:rPr lang="en-US" dirty="0"/>
-              <a:t>This dataset was used for running a second test on the “trained model” to confirm the results from both testing scenarios returned similar results: 80% accuracy.</a:t>
-            </a:r>
-          </a:p>
-          <a:p>
-            <a:pPr marL="342900" indent="-342900" algn="l">
-              <a:buFont typeface="Arial" panose="020B0604020202020204" pitchFamily="34" charset="0"/>
-              <a:buChar char="•"/>
-            </a:pPr>
-            <a:endParaRPr lang="en-US" dirty="0">
-              <a:solidFill>
-                <a:srgbClr val="0070C0"/>
-              </a:solidFill>
-            </a:endParaRPr>
-          </a:p>
-          <a:p>
-            <a:pPr marL="342900" indent="-342900" algn="l">
-              <a:buFont typeface="Arial" panose="020B0604020202020204" pitchFamily="34" charset="0"/>
-              <a:buChar char="•"/>
-            </a:pPr>
-            <a:endParaRPr lang="en-US" dirty="0">
-              <a:solidFill>
-                <a:srgbClr val="0070C0"/>
-              </a:solidFill>
-            </a:endParaRPr>
-          </a:p>
-        </p:txBody>
-      </p:sp>
-    </p:spTree>
-    <p:extLst>
-      <p:ext uri="{BB962C8B-B14F-4D97-AF65-F5344CB8AC3E}">
-        <p14:creationId xmlns:p14="http://schemas.microsoft.com/office/powerpoint/2010/main" val="3108185579"/>
-      </p:ext>
-    </p:extLst>
-  </p:cSld>
-  <p:clrMapOvr>
-    <a:masterClrMapping/>
-  </p:clrMapOvr>
-</p:sld>
-</file>
-
-<file path=ppt/slides/slide2.xml><?xml version="1.0" encoding="utf-8"?>
-<p:sld xmlns:a="http://schemas.openxmlformats.org/drawingml/2006/main" xmlns:r="http://schemas.openxmlformats.org/officeDocument/2006/relationships" xmlns:p="http://schemas.openxmlformats.org/presentationml/2006/main">
-  <p:cSld>
-    <p:spTree>
-      <p:nvGrpSpPr>
-        <p:cNvPr id="1" name=""/>
-        <p:cNvGrpSpPr/>
-        <p:nvPr/>
-      </p:nvGrpSpPr>
-      <p:grpSpPr>
-        <a:xfrm>
-          <a:off x="0" y="0"/>
-          <a:ext cx="0" cy="0"/>
-          <a:chOff x="0" y="0"/>
-          <a:chExt cx="0" cy="0"/>
-        </a:xfrm>
-      </p:grpSpPr>
-      <p:sp>
-        <p:nvSpPr>
-          <p:cNvPr id="2" name="Title 1"/>
-          <p:cNvSpPr>
-            <a:spLocks noGrp="1"/>
-          </p:cNvSpPr>
-          <p:nvPr>
-            <p:ph type="ctrTitle"/>
-          </p:nvPr>
-        </p:nvSpPr>
-        <p:spPr>
-          <a:xfrm>
-            <a:off x="1539815" y="568706"/>
-            <a:ext cx="9144000" cy="638994"/>
-          </a:xfrm>
-        </p:spPr>
-        <p:txBody>
-          <a:bodyPr anchor="ctr">
-            <a:noAutofit/>
-          </a:bodyPr>
-          <a:lstStyle/>
-          <a:p>
-            <a:r>
-              <a:rPr lang="en-US" sz="3600" b="1" dirty="0">
-                <a:latin typeface="Cambria" panose="02040503050406030204" pitchFamily="18" charset="0"/>
-              </a:rPr>
-              <a:t>Coronary Artery Disease Basics</a:t>
-            </a:r>
-          </a:p>
-        </p:txBody>
-      </p:sp>
-      <p:sp>
-        <p:nvSpPr>
-          <p:cNvPr id="3" name="Subtitle 2"/>
-          <p:cNvSpPr>
-            <a:spLocks noGrp="1"/>
-          </p:cNvSpPr>
-          <p:nvPr>
-            <p:ph type="subTitle" idx="1"/>
-          </p:nvPr>
-        </p:nvSpPr>
-        <p:spPr>
-          <a:xfrm>
-            <a:off x="733245" y="1207700"/>
-            <a:ext cx="10757140" cy="5244858"/>
-          </a:xfrm>
-        </p:spPr>
-        <p:txBody>
-          <a:bodyPr>
-            <a:normAutofit/>
-          </a:bodyPr>
-          <a:lstStyle/>
-          <a:p>
-            <a:pPr marL="342900" indent="-342900" algn="l">
-              <a:buFont typeface="Arial" panose="020B0604020202020204" pitchFamily="34" charset="0"/>
-              <a:buChar char="•"/>
-            </a:pPr>
-            <a:r>
-              <a:rPr lang="en-US" dirty="0">
-                <a:solidFill>
-                  <a:srgbClr val="0070C0"/>
-                </a:solidFill>
-              </a:rPr>
-              <a:t>Also known as CAD:</a:t>
-            </a:r>
-          </a:p>
-          <a:p>
-            <a:pPr marL="800100" lvl="1" indent="-342900" algn="l">
-              <a:buFont typeface="Arial" panose="020B0604020202020204" pitchFamily="34" charset="0"/>
-              <a:buChar char="•"/>
-            </a:pPr>
-            <a:r>
-              <a:rPr lang="en-US" dirty="0"/>
-              <a:t>It is a narrowing or blockage of arteries that provide oxygen and nutrients to the heart (see diagram on next slide). </a:t>
-            </a:r>
-            <a:r>
-              <a:rPr lang="en-US" baseline="30000" dirty="0"/>
-              <a:t>(2)</a:t>
-            </a:r>
-            <a:endParaRPr lang="en-US" dirty="0"/>
-          </a:p>
-          <a:p>
-            <a:pPr marL="800100" lvl="1" indent="-342900" algn="l">
-              <a:buFont typeface="Arial" panose="020B0604020202020204" pitchFamily="34" charset="0"/>
-              <a:buChar char="•"/>
-            </a:pPr>
-            <a:r>
-              <a:rPr lang="en-US" dirty="0"/>
-              <a:t>It is an important health topic to study, understand, and predict who is likely to develop CAD considering the following facts:</a:t>
-            </a:r>
-          </a:p>
-          <a:p>
-            <a:pPr marL="1257300" lvl="2" indent="-342900" algn="l">
-              <a:buFont typeface="+mj-lt"/>
-              <a:buAutoNum type="arabicPeriod"/>
-            </a:pPr>
-            <a:r>
-              <a:rPr lang="en-US" dirty="0"/>
-              <a:t>It’s the leading cause of death for both men and women in the United States. </a:t>
-            </a:r>
-            <a:r>
-              <a:rPr lang="en-US" baseline="30000" dirty="0"/>
-              <a:t>(2) </a:t>
-            </a:r>
-            <a:r>
-              <a:rPr lang="en-US" dirty="0"/>
-              <a:t> </a:t>
-            </a:r>
-            <a:endParaRPr lang="en-US" baseline="30000" dirty="0"/>
-          </a:p>
-          <a:p>
-            <a:pPr marL="1257300" lvl="2" indent="-342900" algn="l">
-              <a:buFont typeface="+mj-lt"/>
-              <a:buAutoNum type="arabicPeriod"/>
-            </a:pPr>
-            <a:r>
-              <a:rPr lang="en-US" dirty="0"/>
-              <a:t>More than 13 million Americans have active symptoms of CAD. </a:t>
-            </a:r>
-            <a:r>
-              <a:rPr lang="en-US" baseline="30000" dirty="0"/>
-              <a:t>(2) </a:t>
-            </a:r>
-            <a:r>
-              <a:rPr lang="en-US" dirty="0"/>
-              <a:t> </a:t>
-            </a:r>
-          </a:p>
-          <a:p>
-            <a:pPr marL="1257300" lvl="2" indent="-342900" algn="l">
-              <a:buFont typeface="+mj-lt"/>
-              <a:buAutoNum type="arabicPeriod"/>
-            </a:pPr>
-            <a:r>
-              <a:rPr lang="en-US" dirty="0"/>
-              <a:t>CAD is preventable. </a:t>
-            </a:r>
-            <a:r>
-              <a:rPr lang="en-US" baseline="30000" dirty="0"/>
-              <a:t>(6)</a:t>
-            </a:r>
-            <a:r>
-              <a:rPr lang="en-US" dirty="0"/>
-              <a:t> </a:t>
-            </a:r>
-          </a:p>
-          <a:p>
-            <a:pPr marL="1257300" lvl="2" indent="-342900" algn="l">
-              <a:buFont typeface="+mj-lt"/>
-              <a:buAutoNum type="arabicPeriod"/>
-            </a:pPr>
-            <a:r>
-              <a:rPr lang="en-US" dirty="0"/>
-              <a:t>Living a healthy lifestyle can delay the progression of CAD. </a:t>
-            </a:r>
-            <a:r>
-              <a:rPr lang="en-US" baseline="30000" dirty="0"/>
-              <a:t>(6) </a:t>
-            </a:r>
-            <a:r>
-              <a:rPr lang="en-US" dirty="0"/>
-              <a:t> </a:t>
-            </a:r>
-          </a:p>
-          <a:p>
-            <a:pPr marL="1257300" lvl="2" indent="-342900" algn="l">
-              <a:buFont typeface="+mj-lt"/>
-              <a:buAutoNum type="arabicPeriod"/>
-            </a:pPr>
-            <a:r>
-              <a:rPr lang="en-US" dirty="0"/>
-              <a:t>CAD begins early in childhood so the earlier the potential for CAD is predicted, the earlier a patient can be trained on healthy lifestyles and adopt measures that can be followed for life; significantly reducing the actual occurrence of CAD which will lead to less deaths caused by CAD. </a:t>
-            </a:r>
-            <a:r>
-              <a:rPr lang="en-US" baseline="30000" dirty="0"/>
-              <a:t>(6)</a:t>
-            </a:r>
-            <a:r>
-              <a:rPr lang="en-US" dirty="0"/>
-              <a:t> </a:t>
-            </a:r>
-          </a:p>
-          <a:p>
-            <a:pPr marL="800100" lvl="1" indent="-342900" algn="l">
-              <a:buFont typeface="Arial" panose="020B0604020202020204" pitchFamily="34" charset="0"/>
-              <a:buChar char="•"/>
-            </a:pPr>
-            <a:r>
-              <a:rPr lang="en-US" dirty="0"/>
-              <a:t>CAD is also often incorrectly referred to as coronary heart disease (CHD) and heart disease, though technically, they are not quite the same thing. CHD is actually a result of CAD per the American Heart Association. </a:t>
-            </a:r>
-            <a:r>
-              <a:rPr lang="en-US" baseline="30000" dirty="0"/>
-              <a:t>(7) </a:t>
-            </a:r>
-            <a:r>
-              <a:rPr lang="en-US" dirty="0"/>
-              <a:t> </a:t>
-            </a:r>
-          </a:p>
-          <a:p>
-            <a:pPr marL="800100" lvl="1" indent="-342900" algn="l">
-              <a:buFont typeface="Arial" panose="020B0604020202020204" pitchFamily="34" charset="0"/>
-              <a:buChar char="•"/>
-            </a:pPr>
-            <a:r>
-              <a:rPr lang="en-US" dirty="0"/>
-              <a:t> </a:t>
-            </a:r>
-            <a:endParaRPr lang="en-US" dirty="0">
-              <a:solidFill>
-                <a:srgbClr val="00B050"/>
-              </a:solidFill>
-            </a:endParaRPr>
-          </a:p>
-        </p:txBody>
-      </p:sp>
-    </p:spTree>
-    <p:extLst>
-      <p:ext uri="{BB962C8B-B14F-4D97-AF65-F5344CB8AC3E}">
-        <p14:creationId xmlns:p14="http://schemas.microsoft.com/office/powerpoint/2010/main" val="654604957"/>
-      </p:ext>
-    </p:extLst>
-  </p:cSld>
-  <p:clrMapOvr>
-    <a:masterClrMapping/>
-  </p:clrMapOvr>
-</p:sld>
-</file>
-
-<file path=ppt/slides/slide20.xml><?xml version="1.0" encoding="utf-8"?>
-<p:sld xmlns:a="http://schemas.openxmlformats.org/drawingml/2006/main" xmlns:r="http://schemas.openxmlformats.org/officeDocument/2006/relationships" xmlns:p="http://schemas.openxmlformats.org/presentationml/2006/main">
-  <p:cSld>
-    <p:spTree>
-      <p:nvGrpSpPr>
-        <p:cNvPr id="1" name=""/>
-        <p:cNvGrpSpPr/>
-        <p:nvPr/>
-      </p:nvGrpSpPr>
-      <p:grpSpPr>
-        <a:xfrm>
-          <a:off x="0" y="0"/>
-          <a:ext cx="0" cy="0"/>
-          <a:chOff x="0" y="0"/>
-          <a:chExt cx="0" cy="0"/>
-        </a:xfrm>
-      </p:grpSpPr>
-      <p:sp>
-        <p:nvSpPr>
-          <p:cNvPr id="2" name="Title 1"/>
-          <p:cNvSpPr>
-            <a:spLocks noGrp="1"/>
-          </p:cNvSpPr>
-          <p:nvPr>
-            <p:ph type="ctrTitle"/>
-          </p:nvPr>
-        </p:nvSpPr>
-        <p:spPr>
-          <a:xfrm>
-            <a:off x="1539815" y="568706"/>
-            <a:ext cx="9144000" cy="638994"/>
-          </a:xfrm>
-        </p:spPr>
-        <p:txBody>
-          <a:bodyPr anchor="ctr">
-            <a:noAutofit/>
-          </a:bodyPr>
-          <a:lstStyle/>
-          <a:p>
-            <a:r>
-              <a:rPr lang="en-US" sz="3600" b="1" dirty="0">
-                <a:latin typeface="Cambria" panose="02040503050406030204" pitchFamily="18" charset="0"/>
-              </a:rPr>
-              <a:t>Model Statistics</a:t>
-            </a:r>
-          </a:p>
-        </p:txBody>
-      </p:sp>
-      <p:sp>
-        <p:nvSpPr>
-          <p:cNvPr id="3" name="Subtitle 2"/>
-          <p:cNvSpPr>
-            <a:spLocks noGrp="1"/>
-          </p:cNvSpPr>
-          <p:nvPr>
-            <p:ph type="subTitle" idx="1"/>
-          </p:nvPr>
-        </p:nvSpPr>
-        <p:spPr>
-          <a:xfrm>
-            <a:off x="733245" y="1207700"/>
-            <a:ext cx="10757140" cy="5244858"/>
-          </a:xfrm>
-        </p:spPr>
-        <p:txBody>
-          <a:bodyPr>
-            <a:normAutofit/>
-          </a:bodyPr>
-          <a:lstStyle/>
-          <a:p>
-            <a:pPr marL="342900" indent="-342900" algn="l">
-              <a:buFont typeface="Arial" panose="020B0604020202020204" pitchFamily="34" charset="0"/>
-              <a:buChar char="•"/>
-            </a:pPr>
             <a:endParaRPr lang="en-US" dirty="0"/>
           </a:p>
           <a:p>
@@ -19402,11 +18021,7 @@
             <a:graphicFrameLocks noGrp="1"/>
           </p:cNvGraphicFramePr>
           <p:nvPr>
-            <p:extLst>
-              <p:ext uri="{D42A27DB-BD31-4B8C-83A1-F6EECF244321}">
-                <p14:modId xmlns:p14="http://schemas.microsoft.com/office/powerpoint/2010/main" val="3123027686"/>
-              </p:ext>
-            </p:extLst>
+            <p:extLst/>
           </p:nvPr>
         </p:nvGraphicFramePr>
         <p:xfrm>
@@ -19671,11 +18286,7 @@
             <a:graphicFrameLocks noChangeAspect="1"/>
           </p:cNvGraphicFramePr>
           <p:nvPr>
-            <p:extLst>
-              <p:ext uri="{D42A27DB-BD31-4B8C-83A1-F6EECF244321}">
-                <p14:modId xmlns:p14="http://schemas.microsoft.com/office/powerpoint/2010/main" val="3872739223"/>
-              </p:ext>
-            </p:extLst>
+            <p:extLst/>
           </p:nvPr>
         </p:nvGraphicFramePr>
         <p:xfrm>
@@ -19686,7 +18297,7 @@
           <a:graphicData uri="http://schemas.openxmlformats.org/presentationml/2006/ole">
             <mc:AlternateContent xmlns:mc="http://schemas.openxmlformats.org/markup-compatibility/2006">
               <mc:Choice xmlns:v="urn:schemas-microsoft-com:vml" Requires="v">
-                <p:oleObj spid="_x0000_s1081" name="Worksheet" r:id="rId3" imgW="1990800" imgH="4276658" progId="Excel.Sheet.12">
+                <p:oleObj spid="_x0000_s2058" name="Worksheet" r:id="rId3" imgW="1990800" imgH="4276658" progId="Excel.Sheet.12">
                   <p:embed/>
                 </p:oleObj>
               </mc:Choice>
@@ -19695,7 +18306,7 @@
                   <p:embed/>
                   <p:pic>
                     <p:nvPicPr>
-                      <p:cNvPr id="0" name=""/>
+                      <p:cNvPr id="7" name="Object 6"/>
                       <p:cNvPicPr/>
                       <p:nvPr/>
                     </p:nvPicPr>
@@ -19728,11 +18339,7 @@
             <a:graphicFrameLocks noChangeAspect="1"/>
           </p:cNvGraphicFramePr>
           <p:nvPr>
-            <p:extLst>
-              <p:ext uri="{D42A27DB-BD31-4B8C-83A1-F6EECF244321}">
-                <p14:modId xmlns:p14="http://schemas.microsoft.com/office/powerpoint/2010/main" val="3978428302"/>
-              </p:ext>
-            </p:extLst>
+            <p:extLst/>
           </p:nvPr>
         </p:nvGraphicFramePr>
         <p:xfrm>
@@ -19743,7 +18350,7 @@
           <a:graphicData uri="http://schemas.openxmlformats.org/presentationml/2006/ole">
             <mc:AlternateContent xmlns:mc="http://schemas.openxmlformats.org/markup-compatibility/2006">
               <mc:Choice xmlns:v="urn:schemas-microsoft-com:vml" Requires="v">
-                <p:oleObj spid="_x0000_s1082" name="Worksheet" r:id="rId5" imgW="2048040" imgH="4276658" progId="Excel.Sheet.12">
+                <p:oleObj spid="_x0000_s2059" name="Worksheet" r:id="rId5" imgW="2048040" imgH="4276658" progId="Excel.Sheet.12">
                   <p:embed/>
                 </p:oleObj>
               </mc:Choice>
@@ -19752,7 +18359,7 @@
                   <p:embed/>
                   <p:pic>
                     <p:nvPicPr>
-                      <p:cNvPr id="0" name=""/>
+                      <p:cNvPr id="8" name="Object 7"/>
                       <p:cNvPicPr/>
                       <p:nvPr/>
                     </p:nvPicPr>
@@ -19781,7 +18388,1168 @@
     </p:spTree>
     <p:extLst>
       <p:ext uri="{BB962C8B-B14F-4D97-AF65-F5344CB8AC3E}">
-        <p14:creationId xmlns:p14="http://schemas.microsoft.com/office/powerpoint/2010/main" val="47710713"/>
+        <p14:creationId xmlns:p14="http://schemas.microsoft.com/office/powerpoint/2010/main" val="1511044547"/>
+      </p:ext>
+    </p:extLst>
+  </p:cSld>
+  <p:clrMapOvr>
+    <a:masterClrMapping/>
+  </p:clrMapOvr>
+</p:sld>
+</file>
+
+<file path=ppt/slides/slide18.xml><?xml version="1.0" encoding="utf-8"?>
+<p:sld xmlns:a="http://schemas.openxmlformats.org/drawingml/2006/main" xmlns:r="http://schemas.openxmlformats.org/officeDocument/2006/relationships" xmlns:p="http://schemas.openxmlformats.org/presentationml/2006/main">
+  <p:cSld>
+    <p:spTree>
+      <p:nvGrpSpPr>
+        <p:cNvPr id="1" name=""/>
+        <p:cNvGrpSpPr/>
+        <p:nvPr/>
+      </p:nvGrpSpPr>
+      <p:grpSpPr>
+        <a:xfrm>
+          <a:off x="0" y="0"/>
+          <a:ext cx="0" cy="0"/>
+          <a:chOff x="0" y="0"/>
+          <a:chExt cx="0" cy="0"/>
+        </a:xfrm>
+      </p:grpSpPr>
+      <p:sp>
+        <p:nvSpPr>
+          <p:cNvPr id="2" name="Title 1"/>
+          <p:cNvSpPr>
+            <a:spLocks noGrp="1"/>
+          </p:cNvSpPr>
+          <p:nvPr>
+            <p:ph type="ctrTitle"/>
+          </p:nvPr>
+        </p:nvSpPr>
+        <p:spPr>
+          <a:xfrm>
+            <a:off x="1539815" y="568706"/>
+            <a:ext cx="9144000" cy="638994"/>
+          </a:xfrm>
+        </p:spPr>
+        <p:txBody>
+          <a:bodyPr anchor="ctr">
+            <a:noAutofit/>
+          </a:bodyPr>
+          <a:lstStyle/>
+          <a:p>
+            <a:r>
+              <a:rPr lang="en-US" sz="3600" b="1" dirty="0" smtClean="0">
+                <a:latin typeface="Cambria" panose="02040503050406030204" pitchFamily="18" charset="0"/>
+              </a:rPr>
+              <a:t>CAD Predictive Model: Conclusions</a:t>
+            </a:r>
+            <a:endParaRPr lang="en-US" sz="3600" b="1" dirty="0">
+              <a:latin typeface="Cambria" panose="02040503050406030204" pitchFamily="18" charset="0"/>
+            </a:endParaRPr>
+          </a:p>
+        </p:txBody>
+      </p:sp>
+      <p:sp>
+        <p:nvSpPr>
+          <p:cNvPr id="3" name="Subtitle 2"/>
+          <p:cNvSpPr>
+            <a:spLocks noGrp="1"/>
+          </p:cNvSpPr>
+          <p:nvPr>
+            <p:ph type="subTitle" idx="1"/>
+          </p:nvPr>
+        </p:nvSpPr>
+        <p:spPr>
+          <a:xfrm>
+            <a:off x="733245" y="1207700"/>
+            <a:ext cx="10757140" cy="5244858"/>
+          </a:xfrm>
+        </p:spPr>
+        <p:txBody>
+          <a:bodyPr>
+            <a:normAutofit/>
+          </a:bodyPr>
+          <a:lstStyle/>
+          <a:p>
+            <a:pPr marL="228600" indent="-342900" algn="l">
+              <a:buFont typeface="Arial" panose="020B0604020202020204" pitchFamily="34" charset="0"/>
+              <a:buChar char="•"/>
+            </a:pPr>
+            <a:r>
+              <a:rPr lang="en-US" sz="2600" dirty="0" smtClean="0">
+                <a:solidFill>
+                  <a:srgbClr val="00B050"/>
+                </a:solidFill>
+              </a:rPr>
+              <a:t>Successful </a:t>
+            </a:r>
+            <a:r>
+              <a:rPr lang="en-US" sz="2600" dirty="0">
+                <a:solidFill>
+                  <a:srgbClr val="00B050"/>
+                </a:solidFill>
+              </a:rPr>
+              <a:t>i</a:t>
+            </a:r>
+            <a:r>
+              <a:rPr lang="en-US" sz="2600" dirty="0" smtClean="0">
+                <a:solidFill>
+                  <a:srgbClr val="00B050"/>
+                </a:solidFill>
+              </a:rPr>
+              <a:t>mplementation</a:t>
+            </a:r>
+            <a:r>
+              <a:rPr lang="en-US" sz="2600" dirty="0">
+                <a:solidFill>
+                  <a:srgbClr val="00B050"/>
+                </a:solidFill>
+              </a:rPr>
+              <a:t>:</a:t>
+            </a:r>
+          </a:p>
+          <a:p>
+            <a:pPr marL="914400" lvl="1" indent="-457200" algn="l">
+              <a:buFont typeface="+mj-lt"/>
+              <a:buAutoNum type="arabicPeriod"/>
+            </a:pPr>
+            <a:r>
+              <a:rPr lang="en-US" dirty="0"/>
+              <a:t>Recently published medical AI are achieving </a:t>
+            </a:r>
+            <a:r>
+              <a:rPr lang="en-US" dirty="0" smtClean="0"/>
+              <a:t>80-90</a:t>
+            </a:r>
+            <a:r>
+              <a:rPr lang="en-US" dirty="0"/>
+              <a:t>% accuracy</a:t>
+            </a:r>
+            <a:r>
+              <a:rPr lang="en-US" dirty="0" smtClean="0"/>
+              <a:t>. </a:t>
+            </a:r>
+            <a:r>
+              <a:rPr lang="en-US" baseline="30000" dirty="0" smtClean="0"/>
+              <a:t>(13-14)</a:t>
+            </a:r>
+            <a:endParaRPr lang="en-US" baseline="30000" dirty="0"/>
+          </a:p>
+          <a:p>
+            <a:pPr marL="914400" lvl="1" indent="-457200" algn="l">
+              <a:buFont typeface="+mj-lt"/>
+              <a:buAutoNum type="arabicPeriod"/>
+            </a:pPr>
+            <a:r>
+              <a:rPr lang="en-US" dirty="0" smtClean="0"/>
+              <a:t>Our </a:t>
+            </a:r>
+            <a:r>
+              <a:rPr lang="en-US" dirty="0"/>
+              <a:t>model </a:t>
+            </a:r>
+            <a:r>
+              <a:rPr lang="en-US" dirty="0" smtClean="0"/>
+              <a:t>has 80</a:t>
+            </a:r>
+            <a:r>
+              <a:rPr lang="en-US" dirty="0"/>
+              <a:t>% accuracy in predicting the individuals </a:t>
+            </a:r>
+            <a:r>
+              <a:rPr lang="en-US" dirty="0" smtClean="0"/>
+              <a:t>with CAD. </a:t>
+            </a:r>
+          </a:p>
+          <a:p>
+            <a:pPr marL="914400" lvl="1" indent="-457200" algn="l">
+              <a:buFont typeface="+mj-lt"/>
+              <a:buAutoNum type="arabicPeriod"/>
+            </a:pPr>
+            <a:r>
+              <a:rPr lang="en-US" dirty="0" smtClean="0"/>
+              <a:t>Acceptable accuracy given model uses only </a:t>
+            </a:r>
+            <a:r>
+              <a:rPr lang="en-US" dirty="0" smtClean="0"/>
+              <a:t>8 </a:t>
+            </a:r>
+            <a:r>
+              <a:rPr lang="en-US" dirty="0" smtClean="0"/>
+              <a:t>physiological </a:t>
+            </a:r>
+            <a:r>
+              <a:rPr lang="en-US" dirty="0"/>
+              <a:t>attributes </a:t>
+            </a:r>
+            <a:r>
+              <a:rPr lang="en-US" dirty="0" smtClean="0"/>
+              <a:t>known to indicate heart </a:t>
+            </a:r>
+            <a:r>
+              <a:rPr lang="en-US" dirty="0"/>
+              <a:t>health </a:t>
+            </a:r>
+            <a:r>
+              <a:rPr lang="en-US" dirty="0" smtClean="0"/>
+              <a:t>risk. </a:t>
+            </a:r>
+            <a:r>
+              <a:rPr lang="en-US" dirty="0"/>
+              <a:t>The original UCI dataset contained 74 attributes but we had to whittle that list down to just </a:t>
+            </a:r>
+            <a:r>
+              <a:rPr lang="en-US" dirty="0" smtClean="0"/>
+              <a:t>8 </a:t>
+            </a:r>
+            <a:r>
+              <a:rPr lang="en-US" dirty="0"/>
+              <a:t>in order to find good datasets to use for training and testing the model</a:t>
+            </a:r>
+            <a:r>
+              <a:rPr lang="en-US" dirty="0" smtClean="0"/>
+              <a:t>.</a:t>
+            </a:r>
+          </a:p>
+          <a:p>
+            <a:pPr lvl="1" algn="l"/>
+            <a:endParaRPr lang="en-US" dirty="0"/>
+          </a:p>
+          <a:p>
+            <a:pPr marL="347663" indent="-457200" algn="l">
+              <a:buFont typeface="Arial" panose="020B0604020202020204" pitchFamily="34" charset="0"/>
+              <a:buChar char="•"/>
+            </a:pPr>
+            <a:r>
+              <a:rPr lang="en-US" sz="2600" dirty="0">
+                <a:solidFill>
+                  <a:srgbClr val="00B050"/>
+                </a:solidFill>
+              </a:rPr>
+              <a:t>Successful but not without compromise:</a:t>
+            </a:r>
+            <a:endParaRPr lang="en-US" sz="2600" dirty="0"/>
+          </a:p>
+          <a:p>
+            <a:pPr marL="914400" lvl="1" indent="-457200" algn="l">
+              <a:buFont typeface="+mj-lt"/>
+              <a:buAutoNum type="arabicPeriod"/>
+            </a:pPr>
+            <a:r>
+              <a:rPr lang="en-US" dirty="0" smtClean="0"/>
+              <a:t>NHANES </a:t>
+            </a:r>
+            <a:r>
+              <a:rPr lang="en-US" dirty="0"/>
+              <a:t>dataset </a:t>
+            </a:r>
+            <a:r>
+              <a:rPr lang="en-US" dirty="0" smtClean="0"/>
+              <a:t>is skewed </a:t>
+            </a:r>
+            <a:r>
+              <a:rPr lang="en-US" dirty="0"/>
+              <a:t>due to </a:t>
+            </a:r>
+            <a:r>
+              <a:rPr lang="en-US" dirty="0" smtClean="0"/>
+              <a:t>differences </a:t>
+            </a:r>
+            <a:r>
+              <a:rPr lang="en-US" dirty="0"/>
+              <a:t>in age </a:t>
+            </a:r>
+            <a:r>
+              <a:rPr lang="en-US" dirty="0" smtClean="0"/>
+              <a:t>distribution and disease status. </a:t>
+            </a:r>
+            <a:r>
+              <a:rPr lang="en-US" dirty="0"/>
+              <a:t>This occurred because we had to remove rows of data for patients under 40 because several measurements for these patients were not recorded.</a:t>
+            </a:r>
+          </a:p>
+          <a:p>
+            <a:pPr marL="914400" lvl="1" indent="-457200" algn="l">
+              <a:buFont typeface="+mj-lt"/>
+              <a:buAutoNum type="arabicPeriod"/>
+            </a:pPr>
+            <a:r>
+              <a:rPr lang="en-US" dirty="0"/>
+              <a:t>Differences in terminology caused us to make some assumptions about the </a:t>
+            </a:r>
+            <a:r>
+              <a:rPr lang="en-US" dirty="0" smtClean="0"/>
+              <a:t>NHANES dataset. </a:t>
+            </a:r>
+            <a:r>
+              <a:rPr lang="en-US" dirty="0"/>
+              <a:t>The fewer the assumptions we have to make, the better the test.</a:t>
+            </a:r>
+          </a:p>
+        </p:txBody>
+      </p:sp>
+    </p:spTree>
+    <p:extLst>
+      <p:ext uri="{BB962C8B-B14F-4D97-AF65-F5344CB8AC3E}">
+        <p14:creationId xmlns:p14="http://schemas.microsoft.com/office/powerpoint/2010/main" val="3913826885"/>
+      </p:ext>
+    </p:extLst>
+  </p:cSld>
+  <p:clrMapOvr>
+    <a:masterClrMapping/>
+  </p:clrMapOvr>
+</p:sld>
+</file>
+
+<file path=ppt/slides/slide19.xml><?xml version="1.0" encoding="utf-8"?>
+<p:sld xmlns:a="http://schemas.openxmlformats.org/drawingml/2006/main" xmlns:r="http://schemas.openxmlformats.org/officeDocument/2006/relationships" xmlns:p="http://schemas.openxmlformats.org/presentationml/2006/main">
+  <p:cSld>
+    <p:spTree>
+      <p:nvGrpSpPr>
+        <p:cNvPr id="1" name=""/>
+        <p:cNvGrpSpPr/>
+        <p:nvPr/>
+      </p:nvGrpSpPr>
+      <p:grpSpPr>
+        <a:xfrm>
+          <a:off x="0" y="0"/>
+          <a:ext cx="0" cy="0"/>
+          <a:chOff x="0" y="0"/>
+          <a:chExt cx="0" cy="0"/>
+        </a:xfrm>
+      </p:grpSpPr>
+      <p:sp>
+        <p:nvSpPr>
+          <p:cNvPr id="2" name="Title 1"/>
+          <p:cNvSpPr>
+            <a:spLocks noGrp="1"/>
+          </p:cNvSpPr>
+          <p:nvPr>
+            <p:ph type="ctrTitle"/>
+          </p:nvPr>
+        </p:nvSpPr>
+        <p:spPr>
+          <a:xfrm>
+            <a:off x="1539815" y="568706"/>
+            <a:ext cx="9144000" cy="638994"/>
+          </a:xfrm>
+        </p:spPr>
+        <p:txBody>
+          <a:bodyPr anchor="ctr">
+            <a:noAutofit/>
+          </a:bodyPr>
+          <a:lstStyle/>
+          <a:p>
+            <a:r>
+              <a:rPr lang="en-US" sz="3600" b="1" dirty="0" smtClean="0">
+                <a:latin typeface="Cambria" panose="02040503050406030204" pitchFamily="18" charset="0"/>
+              </a:rPr>
+              <a:t>CAD Predictive Model: Further </a:t>
+            </a:r>
+            <a:r>
+              <a:rPr lang="en-US" sz="3600" b="1" dirty="0">
+                <a:latin typeface="Cambria" panose="02040503050406030204" pitchFamily="18" charset="0"/>
+              </a:rPr>
+              <a:t>Study</a:t>
+            </a:r>
+          </a:p>
+        </p:txBody>
+      </p:sp>
+      <p:sp>
+        <p:nvSpPr>
+          <p:cNvPr id="3" name="Subtitle 2"/>
+          <p:cNvSpPr>
+            <a:spLocks noGrp="1"/>
+          </p:cNvSpPr>
+          <p:nvPr>
+            <p:ph type="subTitle" idx="1"/>
+          </p:nvPr>
+        </p:nvSpPr>
+        <p:spPr>
+          <a:xfrm>
+            <a:off x="733245" y="1207700"/>
+            <a:ext cx="10757140" cy="5244858"/>
+          </a:xfrm>
+        </p:spPr>
+        <p:txBody>
+          <a:bodyPr>
+            <a:normAutofit/>
+          </a:bodyPr>
+          <a:lstStyle/>
+          <a:p>
+            <a:pPr marL="342900" indent="-342900" algn="l">
+              <a:buFont typeface="Arial" panose="020B0604020202020204" pitchFamily="34" charset="0"/>
+              <a:buChar char="•"/>
+            </a:pPr>
+            <a:r>
+              <a:rPr lang="en-US" dirty="0">
+                <a:solidFill>
+                  <a:srgbClr val="0070C0"/>
+                </a:solidFill>
+              </a:rPr>
+              <a:t>Additional Study: Ideas for Improvement</a:t>
+            </a:r>
+          </a:p>
+          <a:p>
+            <a:pPr marL="914400" lvl="1" indent="-457200" algn="l">
+              <a:buFont typeface="+mj-lt"/>
+              <a:buAutoNum type="arabicPeriod"/>
+            </a:pPr>
+            <a:r>
+              <a:rPr lang="en-US" dirty="0"/>
+              <a:t>U</a:t>
+            </a:r>
+            <a:r>
+              <a:rPr lang="en-US" dirty="0" smtClean="0"/>
+              <a:t>sed the 2013-2014 NHANES </a:t>
+            </a:r>
+            <a:r>
+              <a:rPr lang="en-US" dirty="0"/>
+              <a:t>data </a:t>
+            </a:r>
+            <a:r>
+              <a:rPr lang="en-US" dirty="0" smtClean="0"/>
+              <a:t>to </a:t>
+            </a:r>
+            <a:r>
+              <a:rPr lang="en-US" dirty="0"/>
+              <a:t>test our model. There are </a:t>
+            </a:r>
+            <a:r>
+              <a:rPr lang="en-US" dirty="0" smtClean="0"/>
+              <a:t>many more datasets spanning from 2016-2017 back to 1959-1962</a:t>
+            </a:r>
+            <a:r>
+              <a:rPr lang="en-US" dirty="0"/>
+              <a:t>.</a:t>
+            </a:r>
+          </a:p>
+          <a:p>
+            <a:pPr marL="914400" lvl="1" indent="-457200" algn="l">
+              <a:buFont typeface="+mj-lt"/>
+              <a:buAutoNum type="arabicPeriod"/>
+            </a:pPr>
+            <a:r>
+              <a:rPr lang="en-US" dirty="0" smtClean="0"/>
+              <a:t>Assure accuracy of model if could test </a:t>
+            </a:r>
+            <a:r>
+              <a:rPr lang="en-US" dirty="0"/>
+              <a:t>with other sources of </a:t>
+            </a:r>
+            <a:r>
+              <a:rPr lang="en-US" dirty="0" smtClean="0"/>
+              <a:t>CAD-related </a:t>
+            </a:r>
+            <a:r>
+              <a:rPr lang="en-US" dirty="0"/>
+              <a:t>datasets.</a:t>
+            </a:r>
+          </a:p>
+          <a:p>
+            <a:pPr marL="914400" lvl="1" indent="-457200" algn="l">
+              <a:buFont typeface="+mj-lt"/>
+              <a:buAutoNum type="arabicPeriod"/>
+            </a:pPr>
+            <a:r>
+              <a:rPr lang="en-US" dirty="0"/>
+              <a:t>D</a:t>
+            </a:r>
+            <a:r>
+              <a:rPr lang="en-US" dirty="0" smtClean="0"/>
+              <a:t>etermine </a:t>
+            </a:r>
+            <a:r>
+              <a:rPr lang="en-US" dirty="0"/>
+              <a:t>if there are </a:t>
+            </a:r>
+            <a:r>
+              <a:rPr lang="en-US" dirty="0" smtClean="0"/>
+              <a:t>additional or better parameters </a:t>
+            </a:r>
+            <a:r>
+              <a:rPr lang="en-US" dirty="0"/>
+              <a:t>(attributes) </a:t>
+            </a:r>
+            <a:r>
+              <a:rPr lang="en-US" dirty="0" smtClean="0"/>
+              <a:t>to incorporate into the model to improve accuracy (assuming data could be obtained).</a:t>
+            </a:r>
+          </a:p>
+          <a:p>
+            <a:pPr marL="1371600" lvl="2" indent="-457200" algn="l">
+              <a:buFont typeface="Arial" panose="020B0604020202020204" pitchFamily="34" charset="0"/>
+              <a:buChar char="•"/>
+            </a:pPr>
+            <a:r>
+              <a:rPr lang="en-US" dirty="0" smtClean="0"/>
+              <a:t>UCI dataset had 74 </a:t>
+            </a:r>
+            <a:r>
+              <a:rPr lang="en-US" dirty="0"/>
+              <a:t>different </a:t>
+            </a:r>
+            <a:r>
+              <a:rPr lang="en-US" dirty="0" smtClean="0"/>
+              <a:t>parameters; used only </a:t>
+            </a:r>
+            <a:r>
+              <a:rPr lang="en-US" dirty="0" smtClean="0"/>
+              <a:t>8 </a:t>
+            </a:r>
+            <a:r>
+              <a:rPr lang="en-US" dirty="0" smtClean="0"/>
+              <a:t>in </a:t>
+            </a:r>
+            <a:r>
+              <a:rPr lang="en-US" dirty="0"/>
+              <a:t>order to match other </a:t>
+            </a:r>
+            <a:r>
+              <a:rPr lang="en-US" dirty="0" smtClean="0"/>
+              <a:t>datasets.</a:t>
+            </a:r>
+          </a:p>
+          <a:p>
+            <a:pPr marL="1371600" lvl="2" indent="-457200" algn="l">
+              <a:buFont typeface="Arial" panose="020B0604020202020204" pitchFamily="34" charset="0"/>
+              <a:buChar char="•"/>
+            </a:pPr>
+            <a:r>
+              <a:rPr lang="en-US" dirty="0" smtClean="0"/>
+              <a:t>Including CAD and Diabetes family history and smoking habits would improve model.</a:t>
+            </a:r>
+          </a:p>
+          <a:p>
+            <a:pPr marL="1371600" lvl="2" indent="-457200" algn="l">
+              <a:buFont typeface="+mj-lt"/>
+              <a:buAutoNum type="arabicPeriod"/>
+            </a:pPr>
+            <a:endParaRPr lang="en-US" dirty="0"/>
+          </a:p>
+          <a:p>
+            <a:pPr marL="342900" indent="-342900" algn="l">
+              <a:buFont typeface="Arial" panose="020B0604020202020204" pitchFamily="34" charset="0"/>
+              <a:buChar char="•"/>
+            </a:pPr>
+            <a:r>
+              <a:rPr lang="en-US" dirty="0">
+                <a:solidFill>
+                  <a:srgbClr val="0070C0"/>
+                </a:solidFill>
+              </a:rPr>
+              <a:t>Additional Study: Use Datasets </a:t>
+            </a:r>
+            <a:r>
+              <a:rPr lang="en-US" dirty="0" smtClean="0">
+                <a:solidFill>
+                  <a:srgbClr val="0070C0"/>
+                </a:solidFill>
+              </a:rPr>
+              <a:t>That </a:t>
+            </a:r>
+            <a:r>
+              <a:rPr lang="en-US" dirty="0">
+                <a:solidFill>
+                  <a:srgbClr val="0070C0"/>
+                </a:solidFill>
+              </a:rPr>
+              <a:t>M</a:t>
+            </a:r>
+            <a:r>
+              <a:rPr lang="en-US" dirty="0" smtClean="0">
+                <a:solidFill>
+                  <a:srgbClr val="0070C0"/>
+                </a:solidFill>
+              </a:rPr>
+              <a:t>atch </a:t>
+            </a:r>
+            <a:r>
+              <a:rPr lang="en-US" dirty="0">
+                <a:solidFill>
+                  <a:srgbClr val="0070C0"/>
+                </a:solidFill>
+              </a:rPr>
+              <a:t>M</a:t>
+            </a:r>
+            <a:r>
+              <a:rPr lang="en-US" dirty="0" smtClean="0">
+                <a:solidFill>
+                  <a:srgbClr val="0070C0"/>
+                </a:solidFill>
+              </a:rPr>
+              <a:t>ore </a:t>
+            </a:r>
+            <a:r>
+              <a:rPr lang="en-US" dirty="0">
+                <a:solidFill>
+                  <a:srgbClr val="0070C0"/>
+                </a:solidFill>
+              </a:rPr>
+              <a:t>C</a:t>
+            </a:r>
+            <a:r>
+              <a:rPr lang="en-US" dirty="0" smtClean="0">
+                <a:solidFill>
+                  <a:srgbClr val="0070C0"/>
+                </a:solidFill>
+              </a:rPr>
+              <a:t>losely </a:t>
+            </a:r>
+            <a:endParaRPr lang="en-US" dirty="0">
+              <a:solidFill>
+                <a:srgbClr val="0070C0"/>
+              </a:solidFill>
+            </a:endParaRPr>
+          </a:p>
+          <a:p>
+            <a:pPr marL="914400" lvl="1" indent="-457200" algn="l">
+              <a:buFont typeface="+mj-lt"/>
+              <a:buAutoNum type="arabicPeriod"/>
+            </a:pPr>
+            <a:r>
+              <a:rPr lang="en-US" dirty="0" smtClean="0"/>
+              <a:t>NHANES </a:t>
+            </a:r>
+            <a:r>
+              <a:rPr lang="en-US" dirty="0"/>
+              <a:t>dataset </a:t>
+            </a:r>
+            <a:r>
+              <a:rPr lang="en-US" dirty="0" smtClean="0"/>
+              <a:t>was missing cardiac-specific measurements </a:t>
+            </a:r>
+            <a:r>
+              <a:rPr lang="en-US" dirty="0"/>
+              <a:t>for </a:t>
+            </a:r>
+            <a:r>
+              <a:rPr lang="en-US" dirty="0" smtClean="0"/>
+              <a:t>patients </a:t>
+            </a:r>
+            <a:r>
+              <a:rPr lang="en-US" dirty="0"/>
+              <a:t>under 40 years </a:t>
+            </a:r>
+            <a:r>
+              <a:rPr lang="en-US" dirty="0" smtClean="0"/>
+              <a:t>old.</a:t>
+            </a:r>
+          </a:p>
+          <a:p>
+            <a:pPr marL="1371600" lvl="2" indent="-457200" algn="l">
+              <a:buFont typeface="Arial" panose="020B0604020202020204" pitchFamily="34" charset="0"/>
+              <a:buChar char="•"/>
+            </a:pPr>
+            <a:r>
+              <a:rPr lang="en-US" dirty="0" smtClean="0"/>
+              <a:t>Had to discard a large proportion of the dataset. It </a:t>
+            </a:r>
+            <a:r>
+              <a:rPr lang="en-US" dirty="0"/>
+              <a:t>would be better if our datasets matched age distribution better.</a:t>
+            </a:r>
+          </a:p>
+          <a:p>
+            <a:pPr marL="914400" lvl="1" indent="-457200" algn="l">
+              <a:buFont typeface="+mj-lt"/>
+              <a:buAutoNum type="arabicPeriod"/>
+            </a:pPr>
+            <a:r>
+              <a:rPr lang="en-US" dirty="0"/>
+              <a:t>D</a:t>
+            </a:r>
+            <a:r>
+              <a:rPr lang="en-US" dirty="0" smtClean="0"/>
+              <a:t>ifferences </a:t>
+            </a:r>
+            <a:r>
+              <a:rPr lang="en-US" dirty="0"/>
+              <a:t>in terminology made it </a:t>
+            </a:r>
+            <a:r>
+              <a:rPr lang="en-US" dirty="0" smtClean="0"/>
+              <a:t>difficult </a:t>
+            </a:r>
+            <a:r>
+              <a:rPr lang="en-US" dirty="0"/>
+              <a:t>to match </a:t>
+            </a:r>
+            <a:r>
+              <a:rPr lang="en-US" dirty="0" smtClean="0"/>
+              <a:t>parameters/attributes </a:t>
+            </a:r>
+            <a:r>
+              <a:rPr lang="en-US" dirty="0"/>
+              <a:t>from different datasets so the study would be better if those differences were removed.</a:t>
+            </a:r>
+          </a:p>
+        </p:txBody>
+      </p:sp>
+    </p:spTree>
+    <p:extLst>
+      <p:ext uri="{BB962C8B-B14F-4D97-AF65-F5344CB8AC3E}">
+        <p14:creationId xmlns:p14="http://schemas.microsoft.com/office/powerpoint/2010/main" val="2742046802"/>
+      </p:ext>
+    </p:extLst>
+  </p:cSld>
+  <p:clrMapOvr>
+    <a:masterClrMapping/>
+  </p:clrMapOvr>
+</p:sld>
+</file>
+
+<file path=ppt/slides/slide2.xml><?xml version="1.0" encoding="utf-8"?>
+<p:sld xmlns:a="http://schemas.openxmlformats.org/drawingml/2006/main" xmlns:r="http://schemas.openxmlformats.org/officeDocument/2006/relationships" xmlns:p="http://schemas.openxmlformats.org/presentationml/2006/main">
+  <p:cSld>
+    <p:spTree>
+      <p:nvGrpSpPr>
+        <p:cNvPr id="1" name=""/>
+        <p:cNvGrpSpPr/>
+        <p:nvPr/>
+      </p:nvGrpSpPr>
+      <p:grpSpPr>
+        <a:xfrm>
+          <a:off x="0" y="0"/>
+          <a:ext cx="0" cy="0"/>
+          <a:chOff x="0" y="0"/>
+          <a:chExt cx="0" cy="0"/>
+        </a:xfrm>
+      </p:grpSpPr>
+      <p:sp>
+        <p:nvSpPr>
+          <p:cNvPr id="2" name="Title 1"/>
+          <p:cNvSpPr>
+            <a:spLocks noGrp="1"/>
+          </p:cNvSpPr>
+          <p:nvPr>
+            <p:ph type="title"/>
+          </p:nvPr>
+        </p:nvSpPr>
+        <p:spPr>
+          <a:xfrm>
+            <a:off x="838200" y="323560"/>
+            <a:ext cx="10515600" cy="1325563"/>
+          </a:xfrm>
+        </p:spPr>
+        <p:txBody>
+          <a:bodyPr anchor="ctr">
+            <a:noAutofit/>
+          </a:bodyPr>
+          <a:lstStyle/>
+          <a:p>
+            <a:pPr algn="ctr"/>
+            <a:r>
+              <a:rPr lang="en-US" sz="3600" b="1" dirty="0">
+                <a:latin typeface="Cambria" panose="02040503050406030204" pitchFamily="18" charset="0"/>
+              </a:rPr>
+              <a:t>Coronary Artery </a:t>
+            </a:r>
+            <a:r>
+              <a:rPr lang="en-US" sz="3600" b="1" dirty="0" smtClean="0">
+                <a:latin typeface="Cambria" panose="02040503050406030204" pitchFamily="18" charset="0"/>
+              </a:rPr>
+              <a:t>Disease (CAD) </a:t>
+            </a:r>
+            <a:r>
+              <a:rPr lang="en-US" sz="3600" b="1" dirty="0">
+                <a:latin typeface="Cambria" panose="02040503050406030204" pitchFamily="18" charset="0"/>
+              </a:rPr>
+              <a:t>Basics</a:t>
+            </a:r>
+          </a:p>
+        </p:txBody>
+      </p:sp>
+      <p:sp>
+        <p:nvSpPr>
+          <p:cNvPr id="3" name="Subtitle 2"/>
+          <p:cNvSpPr>
+            <a:spLocks noGrp="1"/>
+          </p:cNvSpPr>
+          <p:nvPr>
+            <p:ph sz="half" idx="1"/>
+          </p:nvPr>
+        </p:nvSpPr>
+        <p:spPr>
+          <a:xfrm>
+            <a:off x="838200" y="1825625"/>
+            <a:ext cx="5181600" cy="4351338"/>
+          </a:xfrm>
+        </p:spPr>
+        <p:txBody>
+          <a:bodyPr>
+            <a:normAutofit fontScale="85000" lnSpcReduction="20000"/>
+          </a:bodyPr>
+          <a:lstStyle/>
+          <a:p>
+            <a:pPr marL="342900" lvl="1" indent="-342900"/>
+            <a:r>
+              <a:rPr lang="en-US" dirty="0"/>
+              <a:t>It is a blood vessel disease and it falls under the broader disease category known as the “heart disease umbrella”. The term “heart disease” is often used interchangeably with the term “cardiovascular disease”. Cardiovascular disease generally refers to conditions that involve narrowed or blocked blood vessels which includes coronary artery disease (CAD). </a:t>
+            </a:r>
+            <a:r>
+              <a:rPr lang="en-US" baseline="30000" dirty="0" smtClean="0"/>
+              <a:t>(15)</a:t>
+            </a:r>
+            <a:r>
+              <a:rPr lang="en-US" dirty="0" smtClean="0"/>
+              <a:t> </a:t>
+            </a:r>
+            <a:endParaRPr lang="en-US" dirty="0"/>
+          </a:p>
+          <a:p>
+            <a:pPr marL="342900" lvl="1" indent="-342900"/>
+            <a:r>
+              <a:rPr lang="en-US" dirty="0"/>
+              <a:t>CAD is a narrowing or blockage of the right and/or left coronary arteries that provide oxygen-rich blood and nutrients to the heart. The right and left pulmonary arteries move oxygen-depleted blood from the heart to the lungs so carbon dioxide can be exhaled and oxygen can be inhaled, thus providing new oxygen-rich blood (see diagram on next slide). </a:t>
+            </a:r>
+            <a:r>
+              <a:rPr lang="en-US" baseline="30000" dirty="0"/>
+              <a:t>(2)</a:t>
+            </a:r>
+            <a:endParaRPr lang="en-US" dirty="0"/>
+          </a:p>
+        </p:txBody>
+      </p:sp>
+      <p:pic>
+        <p:nvPicPr>
+          <p:cNvPr id="5" name="Content Placeholder 4"/>
+          <p:cNvPicPr>
+            <a:picLocks noGrp="1" noChangeAspect="1"/>
+          </p:cNvPicPr>
+          <p:nvPr>
+            <p:ph sz="half" idx="2"/>
+          </p:nvPr>
+        </p:nvPicPr>
+        <p:blipFill>
+          <a:blip r:embed="rId2"/>
+          <a:stretch>
+            <a:fillRect/>
+          </a:stretch>
+        </p:blipFill>
+        <p:spPr>
+          <a:xfrm>
+            <a:off x="6587331" y="1825625"/>
+            <a:ext cx="4351338" cy="4351338"/>
+          </a:xfrm>
+          <a:prstGeom prst="rect">
+            <a:avLst/>
+          </a:prstGeom>
+        </p:spPr>
+      </p:pic>
+      <p:sp>
+        <p:nvSpPr>
+          <p:cNvPr id="6" name="TextBox 5"/>
+          <p:cNvSpPr txBox="1"/>
+          <p:nvPr/>
+        </p:nvSpPr>
+        <p:spPr>
+          <a:xfrm>
+            <a:off x="7119261" y="6176963"/>
+            <a:ext cx="3902030" cy="215444"/>
+          </a:xfrm>
+          <a:prstGeom prst="rect">
+            <a:avLst/>
+          </a:prstGeom>
+          <a:noFill/>
+        </p:spPr>
+        <p:txBody>
+          <a:bodyPr wrap="none" rtlCol="0">
+            <a:spAutoFit/>
+          </a:bodyPr>
+          <a:lstStyle/>
+          <a:p>
+            <a:r>
+              <a:rPr lang="en-US" sz="800" dirty="0">
+                <a:hlinkClick r:id="rId3"/>
+              </a:rPr>
+              <a:t>https://leelammavarghese.files.wordpress.com/2014/06/human-heart-external-view.jpg</a:t>
+            </a:r>
+            <a:endParaRPr lang="en-US" sz="800" dirty="0"/>
+          </a:p>
+        </p:txBody>
+      </p:sp>
+    </p:spTree>
+    <p:extLst>
+      <p:ext uri="{BB962C8B-B14F-4D97-AF65-F5344CB8AC3E}">
+        <p14:creationId xmlns:p14="http://schemas.microsoft.com/office/powerpoint/2010/main" val="2961981375"/>
+      </p:ext>
+    </p:extLst>
+  </p:cSld>
+  <p:clrMapOvr>
+    <a:masterClrMapping/>
+  </p:clrMapOvr>
+</p:sld>
+</file>
+
+<file path=ppt/slides/slide20.xml><?xml version="1.0" encoding="utf-8"?>
+<p:sld xmlns:a="http://schemas.openxmlformats.org/drawingml/2006/main" xmlns:r="http://schemas.openxmlformats.org/officeDocument/2006/relationships" xmlns:p="http://schemas.openxmlformats.org/presentationml/2006/main">
+  <p:cSld>
+    <p:spTree>
+      <p:nvGrpSpPr>
+        <p:cNvPr id="1" name=""/>
+        <p:cNvGrpSpPr/>
+        <p:nvPr/>
+      </p:nvGrpSpPr>
+      <p:grpSpPr>
+        <a:xfrm>
+          <a:off x="0" y="0"/>
+          <a:ext cx="0" cy="0"/>
+          <a:chOff x="0" y="0"/>
+          <a:chExt cx="0" cy="0"/>
+        </a:xfrm>
+      </p:grpSpPr>
+      <p:sp>
+        <p:nvSpPr>
+          <p:cNvPr id="2" name="Title 1"/>
+          <p:cNvSpPr>
+            <a:spLocks noGrp="1"/>
+          </p:cNvSpPr>
+          <p:nvPr>
+            <p:ph type="ctrTitle"/>
+          </p:nvPr>
+        </p:nvSpPr>
+        <p:spPr>
+          <a:xfrm>
+            <a:off x="1539815" y="568706"/>
+            <a:ext cx="9144000" cy="638994"/>
+          </a:xfrm>
+        </p:spPr>
+        <p:txBody>
+          <a:bodyPr anchor="ctr">
+            <a:noAutofit/>
+          </a:bodyPr>
+          <a:lstStyle/>
+          <a:p>
+            <a:r>
+              <a:rPr lang="en-US" sz="3600" b="1" dirty="0">
+                <a:latin typeface="Cambria" panose="02040503050406030204" pitchFamily="18" charset="0"/>
+              </a:rPr>
+              <a:t>References</a:t>
+            </a:r>
+          </a:p>
+        </p:txBody>
+      </p:sp>
+      <p:sp>
+        <p:nvSpPr>
+          <p:cNvPr id="3" name="Subtitle 2"/>
+          <p:cNvSpPr>
+            <a:spLocks noGrp="1"/>
+          </p:cNvSpPr>
+          <p:nvPr>
+            <p:ph type="subTitle" idx="1"/>
+          </p:nvPr>
+        </p:nvSpPr>
+        <p:spPr>
+          <a:xfrm>
+            <a:off x="733245" y="1207700"/>
+            <a:ext cx="10757140" cy="5244858"/>
+          </a:xfrm>
+        </p:spPr>
+        <p:txBody>
+          <a:bodyPr>
+            <a:normAutofit/>
+          </a:bodyPr>
+          <a:lstStyle/>
+          <a:p>
+            <a:pPr marL="457200" indent="-457200" algn="l">
+              <a:buFont typeface="+mj-lt"/>
+              <a:buAutoNum type="arabicPeriod"/>
+            </a:pPr>
+            <a:r>
+              <a:rPr lang="en-US" sz="1800" dirty="0" err="1"/>
+              <a:t>Detrano</a:t>
+            </a:r>
+            <a:r>
+              <a:rPr lang="en-US" sz="1800" dirty="0"/>
+              <a:t>, Robert, MD, PhD; </a:t>
+            </a:r>
+            <a:r>
+              <a:rPr lang="en-US" sz="1800" dirty="0" err="1"/>
+              <a:t>Janosi</a:t>
+            </a:r>
+            <a:r>
+              <a:rPr lang="en-US" sz="1800" dirty="0"/>
+              <a:t>, Andras, MD; </a:t>
+            </a:r>
+            <a:r>
+              <a:rPr lang="en-US" sz="1800" dirty="0" err="1"/>
+              <a:t>Steinbrunn</a:t>
+            </a:r>
+            <a:r>
+              <a:rPr lang="en-US" sz="1800" dirty="0"/>
+              <a:t>, Walter, MD; </a:t>
+            </a:r>
+            <a:r>
+              <a:rPr lang="en-US" sz="1800" dirty="0" err="1"/>
+              <a:t>Pfisterer</a:t>
+            </a:r>
+            <a:r>
+              <a:rPr lang="en-US" sz="1800" dirty="0"/>
+              <a:t>, Matthias, MD; Schmid, Johann-Jakob, DE; Sandhu, </a:t>
+            </a:r>
+            <a:r>
+              <a:rPr lang="en-US" sz="1800" dirty="0" err="1"/>
+              <a:t>Sarbjit</a:t>
+            </a:r>
+            <a:r>
+              <a:rPr lang="en-US" sz="1800" dirty="0"/>
+              <a:t>, MD; Guppy, Kern H, PhD; Lee, Stella, MS; </a:t>
+            </a:r>
+            <a:r>
+              <a:rPr lang="en-US" sz="1800" dirty="0" err="1"/>
+              <a:t>Froelicher</a:t>
+            </a:r>
+            <a:r>
+              <a:rPr lang="en-US" sz="1800" dirty="0"/>
+              <a:t>, Victor, MD. (1989, Aug). </a:t>
+            </a:r>
+            <a:r>
+              <a:rPr lang="en-US" sz="1800" i="1" dirty="0"/>
+              <a:t>“International Application of a New Probability Algorithm for the Diagnosis of Coronary Artery Disease”.</a:t>
+            </a:r>
+            <a:r>
+              <a:rPr lang="en-US" sz="1800" dirty="0"/>
+              <a:t> The American Journal of Cardiology, Volume 64, Issue 5, pp: 304-310.</a:t>
+            </a:r>
+          </a:p>
+          <a:p>
+            <a:pPr marL="457200" indent="-457200" algn="l">
+              <a:buFont typeface="+mj-lt"/>
+              <a:buAutoNum type="arabicPeriod"/>
+            </a:pPr>
+            <a:r>
+              <a:rPr lang="en-US" sz="1800" dirty="0"/>
+              <a:t>Coronary Artery Disease. (</a:t>
+            </a:r>
+            <a:r>
+              <a:rPr lang="en-US" sz="1800" dirty="0" err="1"/>
+              <a:t>n.d.</a:t>
+            </a:r>
+            <a:r>
+              <a:rPr lang="en-US" sz="1800" dirty="0"/>
+              <a:t>) </a:t>
+            </a:r>
+            <a:r>
+              <a:rPr lang="en-US" sz="1800" i="1" dirty="0"/>
+              <a:t>The Free Dictionary </a:t>
+            </a:r>
+            <a:r>
+              <a:rPr lang="en-US" sz="1800" dirty="0"/>
+              <a:t>web site. Retrieved 7/11/2019 from </a:t>
+            </a:r>
+            <a:r>
+              <a:rPr lang="en-US" sz="1800" dirty="0">
+                <a:hlinkClick r:id="rId2"/>
+              </a:rPr>
+              <a:t>https://medical-dictionary.thefreedictionary.com/coronary+artery+disease</a:t>
+            </a:r>
+            <a:endParaRPr lang="en-US" sz="1800" dirty="0"/>
+          </a:p>
+          <a:p>
+            <a:pPr marL="457200" indent="-457200" algn="l">
+              <a:buFont typeface="+mj-lt"/>
+              <a:buAutoNum type="arabicPeriod"/>
+            </a:pPr>
+            <a:r>
+              <a:rPr lang="en-US" sz="1800" dirty="0"/>
+              <a:t>University of California, Irvine (UCI) Heart Disease Dataset. (2016). Retrieved 7/8/2019 from </a:t>
+            </a:r>
+            <a:r>
+              <a:rPr lang="en-US" sz="1800" dirty="0">
+                <a:hlinkClick r:id="rId3"/>
+              </a:rPr>
+              <a:t>https://data.world/uci/heart-disease</a:t>
+            </a:r>
+            <a:endParaRPr lang="en-US" sz="1800" dirty="0"/>
+          </a:p>
+          <a:p>
+            <a:pPr marL="457200" indent="-457200" algn="l">
+              <a:buFont typeface="+mj-lt"/>
+              <a:buAutoNum type="arabicPeriod"/>
+            </a:pPr>
+            <a:r>
+              <a:rPr lang="en-US" sz="1800" dirty="0"/>
+              <a:t>National Health and Nutrition Examination Survey (NHANES) Dataset. (2013-2014). Retrieved 7/8/2019 from </a:t>
+            </a:r>
+            <a:r>
+              <a:rPr lang="en-US" sz="1800" dirty="0">
+                <a:hlinkClick r:id="rId4"/>
+              </a:rPr>
+              <a:t>https://www.kaggle.com/cdc/national-health-and-nutrition-examination-survey</a:t>
+            </a:r>
+            <a:endParaRPr lang="en-US" sz="1800" dirty="0"/>
+          </a:p>
+          <a:p>
+            <a:pPr marL="457200" indent="-457200" algn="l">
+              <a:buFont typeface="+mj-lt"/>
+              <a:buAutoNum type="arabicPeriod"/>
+            </a:pPr>
+            <a:r>
+              <a:rPr lang="en-US" sz="1800" dirty="0"/>
+              <a:t>Center for Disease Control and Prevention. National Center for Health Statistics NHANES Questionnaires, Datasets, and Related Documentation. (1959-2020). Retrieved 7/8/2019 from </a:t>
+            </a:r>
+            <a:r>
+              <a:rPr lang="en-US" sz="1800" u="sng" dirty="0">
+                <a:hlinkClick r:id="rId5"/>
+              </a:rPr>
+              <a:t>https://wwwn.cdc.gov/Nchs/Nhanes/Default.aspx</a:t>
+            </a:r>
+            <a:endParaRPr lang="en-US" sz="1800" u="sng" dirty="0"/>
+          </a:p>
+          <a:p>
+            <a:pPr marL="457200" indent="-457200" algn="l">
+              <a:buFont typeface="+mj-lt"/>
+              <a:buAutoNum type="arabicPeriod"/>
+            </a:pPr>
+            <a:r>
+              <a:rPr lang="en-US" sz="1800" dirty="0"/>
+              <a:t>Coronary Artery Disease. (</a:t>
+            </a:r>
+            <a:r>
+              <a:rPr lang="en-US" sz="1800" dirty="0" err="1"/>
+              <a:t>n.d.</a:t>
+            </a:r>
+            <a:r>
+              <a:rPr lang="en-US" sz="1800" dirty="0"/>
+              <a:t>) </a:t>
+            </a:r>
+            <a:r>
+              <a:rPr lang="en-US" sz="1800" i="1" dirty="0"/>
+              <a:t>Heart.org </a:t>
+            </a:r>
+            <a:r>
+              <a:rPr lang="en-US" sz="1800" dirty="0"/>
+              <a:t>web site by The American Heart Association. Retrieved 7/8/2019 from </a:t>
+            </a:r>
+            <a:r>
+              <a:rPr lang="en-US" sz="1800" dirty="0">
+                <a:hlinkClick r:id="rId6"/>
+              </a:rPr>
+              <a:t>https://www.heart.org/en/health-topics/consumer-healthcare/what-is-cardiovascular-disease/coronary-artery-disease</a:t>
+            </a:r>
+            <a:endParaRPr lang="en-US" sz="1800" dirty="0"/>
+          </a:p>
+          <a:p>
+            <a:pPr marL="457200" indent="-457200" algn="l">
+              <a:buFont typeface="+mj-lt"/>
+              <a:buAutoNum type="arabicPeriod"/>
+            </a:pPr>
+            <a:endParaRPr lang="en-US" sz="1800" u="sng" dirty="0"/>
+          </a:p>
+          <a:p>
+            <a:pPr marL="457200" indent="-457200" algn="l">
+              <a:buFont typeface="+mj-lt"/>
+              <a:buAutoNum type="arabicPeriod"/>
+            </a:pPr>
+            <a:endParaRPr lang="en-US" sz="1800" dirty="0"/>
+          </a:p>
+        </p:txBody>
+      </p:sp>
+    </p:spTree>
+    <p:extLst>
+      <p:ext uri="{BB962C8B-B14F-4D97-AF65-F5344CB8AC3E}">
+        <p14:creationId xmlns:p14="http://schemas.microsoft.com/office/powerpoint/2010/main" val="264255848"/>
       </p:ext>
     </p:extLst>
   </p:cSld>
@@ -19834,7 +19602,7 @@
               <a:rPr lang="en-US" sz="3600" b="1" dirty="0">
                 <a:latin typeface="Cambria" panose="02040503050406030204" pitchFamily="18" charset="0"/>
               </a:rPr>
-              <a:t>Conclusion</a:t>
+              <a:t>References</a:t>
             </a:r>
           </a:p>
         </p:txBody>
@@ -19857,88 +19625,284 @@
         </p:spPr>
         <p:txBody>
           <a:bodyPr>
-            <a:normAutofit/>
+            <a:normAutofit lnSpcReduction="10000"/>
           </a:bodyPr>
           <a:lstStyle/>
           <a:p>
-            <a:pPr marL="342900" indent="-342900" algn="l">
-              <a:buFont typeface="Arial" panose="020B0604020202020204" pitchFamily="34" charset="0"/>
-              <a:buChar char="•"/>
+            <a:pPr marL="457200" indent="-457200" algn="l">
+              <a:buFont typeface="+mj-lt"/>
+              <a:buAutoNum type="arabicPeriod" startAt="7"/>
             </a:pPr>
             <a:r>
-              <a:rPr lang="en-US" dirty="0">
-                <a:solidFill>
-                  <a:srgbClr val="0070C0"/>
-                </a:solidFill>
+              <a:rPr lang="en-US" sz="1800" dirty="0" smtClean="0"/>
+              <a:t>Random Forest Algorithm with Python and </a:t>
+            </a:r>
+            <a:r>
+              <a:rPr lang="en-US" sz="1800" dirty="0" err="1" smtClean="0"/>
+              <a:t>Scikit</a:t>
+            </a:r>
+            <a:r>
+              <a:rPr lang="en-US" sz="1800" dirty="0" smtClean="0"/>
+              <a:t>-Learn (6/13/2018, by Usman Malik). Stack Abuse website. Retrieved 7/8/2019: </a:t>
+            </a:r>
+            <a:r>
+              <a:rPr lang="en-US" sz="1800" dirty="0" smtClean="0">
+                <a:hlinkClick r:id="rId2"/>
               </a:rPr>
-              <a:t>Predictive Model for CAD</a:t>
-            </a:r>
-          </a:p>
-          <a:p>
-            <a:pPr marL="685800" lvl="1" indent="-342900" algn="l">
-              <a:buFont typeface="Arial" panose="020B0604020202020204" pitchFamily="34" charset="0"/>
-              <a:buChar char="•"/>
+              <a:t>https</a:t>
+            </a:r>
+            <a:r>
+              <a:rPr lang="en-US" sz="1800" dirty="0">
+                <a:hlinkClick r:id="rId2"/>
+              </a:rPr>
+              <a:t>://stackabuse.com/random-forest-algorithm-with-python-and-scikit-learn/</a:t>
+            </a:r>
+            <a:endParaRPr lang="en-US" sz="1800" dirty="0">
+              <a:hlinkClick r:id="rId3"/>
+            </a:endParaRPr>
+          </a:p>
+          <a:p>
+            <a:pPr marL="457200" indent="-457200" algn="l">
+              <a:buFont typeface="+mj-lt"/>
+              <a:buAutoNum type="arabicPeriod" startAt="7"/>
             </a:pPr>
             <a:r>
-              <a:rPr lang="en-US" sz="2200" dirty="0">
-                <a:solidFill>
-                  <a:srgbClr val="00B050"/>
-                </a:solidFill>
+              <a:rPr lang="en-US" sz="1800" dirty="0" smtClean="0"/>
+              <a:t>Implementing a Random Forest Classification Model in Python (5/18/2018, by Jake </a:t>
+            </a:r>
+            <a:r>
+              <a:rPr lang="en-US" sz="1800" dirty="0" err="1" smtClean="0"/>
+              <a:t>Huneycutt</a:t>
+            </a:r>
+            <a:r>
+              <a:rPr lang="en-US" sz="1800" dirty="0" smtClean="0"/>
+              <a:t>). Medium website. Retrieved 7/8/2019: </a:t>
+            </a:r>
+            <a:r>
+              <a:rPr lang="en-US" sz="1800" dirty="0" smtClean="0">
+                <a:hlinkClick r:id="rId3"/>
               </a:rPr>
-              <a:t>Successful Implementation:</a:t>
-            </a:r>
-          </a:p>
-          <a:p>
-            <a:pPr marL="914400" lvl="1" indent="-457200" algn="l">
+              <a:t>https</a:t>
+            </a:r>
+            <a:r>
+              <a:rPr lang="en-US" sz="1800" dirty="0">
+                <a:hlinkClick r:id="rId3"/>
+              </a:rPr>
+              <a:t>://medium.com/@hjhuney/implementing-a-random-forest-classification-model-in-python-583891c99652</a:t>
+            </a:r>
+            <a:endParaRPr lang="en-US" sz="1800" dirty="0"/>
+          </a:p>
+          <a:p>
+            <a:pPr marL="457200" indent="-457200" algn="l">
               <a:buFont typeface="+mj-lt"/>
-              <a:buAutoNum type="arabicPeriod"/>
+              <a:buAutoNum type="arabicPeriod" startAt="7"/>
             </a:pPr>
             <a:r>
-              <a:rPr lang="en-US" dirty="0"/>
-              <a:t>Our model worked with 80% accuracy in predicting the individuals that would develop coronary artery disease. This level of accuracy is high considering we were trying to predict the CAD health status of individuals using just 9 personal attributes that are known to be  indicators of heart health risk factors. The original UCI dataset contained 74 attributes but we had to whittle that list down to just 9 in order to find good datasets to use for training and testing the model.</a:t>
-            </a:r>
-          </a:p>
-          <a:p>
-            <a:pPr marL="804863" lvl="1" indent="-457200" algn="l">
-              <a:buFont typeface="Arial" panose="020B0604020202020204" pitchFamily="34" charset="0"/>
-              <a:buChar char="•"/>
+              <a:rPr lang="en-US" sz="1800" dirty="0" smtClean="0"/>
+              <a:t>Random Forest in Python (12/27/2017 by Will </a:t>
+            </a:r>
+            <a:r>
+              <a:rPr lang="en-US" sz="1800" dirty="0" err="1" smtClean="0"/>
+              <a:t>Koehrsen</a:t>
+            </a:r>
+            <a:r>
+              <a:rPr lang="en-US" sz="1800" dirty="0" smtClean="0"/>
+              <a:t>). Towards Data Science website. Retrieved 7/8/2019: </a:t>
+            </a:r>
+            <a:r>
+              <a:rPr lang="en-US" sz="1800" dirty="0" smtClean="0">
+                <a:hlinkClick r:id="rId4"/>
+              </a:rPr>
+              <a:t>https</a:t>
+            </a:r>
+            <a:r>
+              <a:rPr lang="en-US" sz="1800" dirty="0">
+                <a:hlinkClick r:id="rId4"/>
+              </a:rPr>
+              <a:t>://</a:t>
+            </a:r>
+            <a:r>
+              <a:rPr lang="en-US" sz="1800" dirty="0" smtClean="0">
+                <a:hlinkClick r:id="rId4"/>
+              </a:rPr>
+              <a:t>towardsdatascience.com/random-forest-in-python-24d0893d51c0</a:t>
+            </a:r>
+            <a:endParaRPr lang="en-US" sz="1800" dirty="0" smtClean="0">
+              <a:hlinkClick r:id="rId5"/>
+            </a:endParaRPr>
+          </a:p>
+          <a:p>
+            <a:pPr marL="457200" indent="-457200" algn="l">
+              <a:buFont typeface="+mj-lt"/>
+              <a:buAutoNum type="arabicPeriod" startAt="7"/>
             </a:pPr>
             <a:r>
-              <a:rPr lang="en-US" sz="2200" dirty="0">
-                <a:solidFill>
-                  <a:srgbClr val="00B050"/>
-                </a:solidFill>
+              <a:rPr lang="en-US" sz="1800" dirty="0"/>
+              <a:t>In-Depth: Decision Trees and Random </a:t>
+            </a:r>
+            <a:r>
+              <a:rPr lang="en-US" sz="1800" dirty="0" smtClean="0"/>
+              <a:t>Forests (</a:t>
+            </a:r>
+            <a:r>
+              <a:rPr lang="en-US" sz="1800" dirty="0" err="1" smtClean="0"/>
+              <a:t>n.d.</a:t>
+            </a:r>
+            <a:r>
+              <a:rPr lang="en-US" sz="1800" dirty="0" smtClean="0"/>
+              <a:t>) Python Data Science Handbook website by Jake </a:t>
+            </a:r>
+            <a:r>
+              <a:rPr lang="en-US" sz="1800" dirty="0" err="1" smtClean="0"/>
+              <a:t>VanderPlas</a:t>
+            </a:r>
+            <a:r>
+              <a:rPr lang="en-US" sz="1800" dirty="0" smtClean="0"/>
+              <a:t>. Retrieved 7/8/2019: </a:t>
+            </a:r>
+            <a:r>
+              <a:rPr lang="en-US" sz="1800" dirty="0" smtClean="0">
+                <a:hlinkClick r:id="rId5"/>
               </a:rPr>
-              <a:t>Successful but not without compromise:</a:t>
-            </a:r>
-            <a:endParaRPr lang="en-US" sz="2200" dirty="0"/>
-          </a:p>
-          <a:p>
-            <a:pPr marL="914400" lvl="1" indent="-457200" algn="l">
+              <a:t>https</a:t>
+            </a:r>
+            <a:r>
+              <a:rPr lang="en-US" sz="1800" dirty="0">
+                <a:hlinkClick r:id="rId5"/>
+              </a:rPr>
+              <a:t>://jakevdp.github.io/PythonDataScienceHandbook/05.08-random-forests.html</a:t>
+            </a:r>
+            <a:endParaRPr lang="en-US" sz="1800" dirty="0"/>
+          </a:p>
+          <a:p>
+            <a:pPr marL="457200" indent="-457200" algn="l">
               <a:buFont typeface="+mj-lt"/>
-              <a:buAutoNum type="arabicPeriod"/>
+              <a:buAutoNum type="arabicPeriod" startAt="7"/>
             </a:pPr>
             <a:r>
-              <a:rPr lang="en-US" dirty="0"/>
-              <a:t>The testing with the NHANES dataset appears to be skewed due to the differences in age distribution between the datasets. This occurred because we had to remove rows of data for patients under 40 because several measurements for these patients were not recorded.</a:t>
-            </a:r>
-          </a:p>
-          <a:p>
-            <a:pPr marL="914400" lvl="1" indent="-457200" algn="l">
+              <a:rPr lang="en-US" sz="1800" dirty="0" smtClean="0"/>
+              <a:t>A Gentle Introduction to Random Forests, Ensembles, and Performance Metrics in a Commercial System (11/9/2012 by Dan Benyamin). </a:t>
+            </a:r>
+            <a:r>
+              <a:rPr lang="en-US" sz="1800" dirty="0" err="1" smtClean="0"/>
+              <a:t>CitizenNet</a:t>
+            </a:r>
+            <a:r>
+              <a:rPr lang="en-US" sz="1800" dirty="0" smtClean="0"/>
+              <a:t> Blog website. Retrieved 7/8/2019: </a:t>
+            </a:r>
+            <a:r>
+              <a:rPr lang="en-US" sz="1800" dirty="0" smtClean="0">
+                <a:hlinkClick r:id="rId6"/>
+              </a:rPr>
+              <a:t>http</a:t>
+            </a:r>
+            <a:r>
+              <a:rPr lang="en-US" sz="1800" dirty="0">
+                <a:hlinkClick r:id="rId6"/>
+              </a:rPr>
+              <a:t>://blog.citizennet.com/blog/2012/11/10/random-forests-ensembles-and-performance-metrics</a:t>
+            </a:r>
+            <a:endParaRPr lang="en-US" sz="1800" dirty="0"/>
+          </a:p>
+          <a:p>
+            <a:pPr marL="457200" indent="-457200" algn="l">
               <a:buFont typeface="+mj-lt"/>
-              <a:buAutoNum type="arabicPeriod"/>
+              <a:buAutoNum type="arabicPeriod" startAt="7"/>
             </a:pPr>
             <a:r>
-              <a:rPr lang="en-US" dirty="0"/>
-              <a:t>Differences in terminology caused us to make some assumptions about the datasets. The fewer the assumptions we have to make, the better the test.</a:t>
-            </a:r>
+              <a:rPr lang="en-US" sz="1800" dirty="0" smtClean="0"/>
+              <a:t>Random Forests Explained Intuitively (</a:t>
+            </a:r>
+            <a:r>
+              <a:rPr lang="en-US" sz="1800" dirty="0" err="1" smtClean="0"/>
+              <a:t>n.d.</a:t>
+            </a:r>
+            <a:r>
+              <a:rPr lang="en-US" sz="1800" dirty="0" smtClean="0"/>
+              <a:t>, by Manish </a:t>
+            </a:r>
+            <a:r>
+              <a:rPr lang="en-US" sz="1800" dirty="0" err="1" smtClean="0"/>
+              <a:t>Barnwal</a:t>
+            </a:r>
+            <a:r>
+              <a:rPr lang="en-US" sz="1800" dirty="0" smtClean="0"/>
+              <a:t>). KD Nuggets website. Retrieved 7/8/2019: </a:t>
+            </a:r>
+            <a:r>
+              <a:rPr lang="en-US" sz="1800" dirty="0" smtClean="0">
+                <a:hlinkClick r:id="rId7"/>
+              </a:rPr>
+              <a:t>https</a:t>
+            </a:r>
+            <a:r>
+              <a:rPr lang="en-US" sz="1800" dirty="0">
+                <a:hlinkClick r:id="rId7"/>
+              </a:rPr>
+              <a:t>://</a:t>
+            </a:r>
+            <a:r>
+              <a:rPr lang="en-US" sz="1800" dirty="0" smtClean="0">
+                <a:hlinkClick r:id="rId7"/>
+              </a:rPr>
+              <a:t>www.kdnuggets.com/2019/01/random-forests-explained-intuitively.html</a:t>
+            </a:r>
+            <a:endParaRPr lang="en-US" sz="1800" dirty="0" smtClean="0"/>
+          </a:p>
+          <a:p>
+            <a:pPr marL="457200" indent="-457200" algn="l">
+              <a:buFont typeface="+mj-lt"/>
+              <a:buAutoNum type="arabicPeriod" startAt="7"/>
+            </a:pPr>
+            <a:r>
+              <a:rPr lang="en-US" sz="1800" dirty="0" smtClean="0"/>
+              <a:t>A.I. Shows Promise Assisting Physicians (2/11/2019, by Cade Metz). New York Times website. Retrieved 7/12/2019: </a:t>
+            </a:r>
+            <a:r>
+              <a:rPr lang="en-US" sz="1800" dirty="0">
+                <a:hlinkClick r:id="rId8"/>
+              </a:rPr>
+              <a:t>https://</a:t>
+            </a:r>
+            <a:r>
+              <a:rPr lang="en-US" sz="1800" dirty="0" smtClean="0">
+                <a:hlinkClick r:id="rId8"/>
+              </a:rPr>
+              <a:t>www.nytimes.com/2019/02/11/health/artificial-intelligence-medical-diagnosis.html</a:t>
+            </a:r>
+            <a:endParaRPr lang="en-US" sz="1800" dirty="0"/>
+          </a:p>
+          <a:p>
+            <a:pPr marL="457200" indent="-457200" algn="l">
+              <a:buFont typeface="+mj-lt"/>
+              <a:buAutoNum type="arabicPeriod" startAt="7"/>
+            </a:pPr>
+            <a:r>
+              <a:rPr lang="en-US" sz="1800" dirty="0" smtClean="0"/>
+              <a:t>Top Smart Algorithms in Healthcare (2/5/2019, by unknown). The Medical Futurist website. Retrieved 7/12/2019: </a:t>
+            </a:r>
+            <a:r>
+              <a:rPr lang="en-US" sz="1800" dirty="0">
+                <a:hlinkClick r:id="rId9"/>
+              </a:rPr>
+              <a:t>https://medicalfuturist.com/top-ai-algorithms-healthcare</a:t>
+            </a:r>
+            <a:endParaRPr lang="en-US" sz="1800" u="sng" dirty="0" smtClean="0"/>
+          </a:p>
+          <a:p>
+            <a:pPr marL="457200" indent="-457200" algn="l">
+              <a:buFont typeface="+mj-lt"/>
+              <a:buAutoNum type="arabicPeriod" startAt="7"/>
+            </a:pPr>
+            <a:endParaRPr lang="en-US" sz="1800" dirty="0"/>
           </a:p>
         </p:txBody>
       </p:sp>
     </p:spTree>
     <p:extLst>
       <p:ext uri="{BB962C8B-B14F-4D97-AF65-F5344CB8AC3E}">
-        <p14:creationId xmlns:p14="http://schemas.microsoft.com/office/powerpoint/2010/main" val="2705477828"/>
+        <p14:creationId xmlns:p14="http://schemas.microsoft.com/office/powerpoint/2010/main" val="292206802"/>
       </p:ext>
     </p:extLst>
   </p:cSld>
@@ -19991,7 +19955,7 @@
               <a:rPr lang="en-US" sz="3600" b="1" dirty="0">
                 <a:latin typeface="Cambria" panose="02040503050406030204" pitchFamily="18" charset="0"/>
               </a:rPr>
-              <a:t>Suggested Further Study</a:t>
+              <a:t>References</a:t>
             </a:r>
           </a:p>
         </p:txBody>
@@ -20014,93 +19978,67 @@
         </p:spPr>
         <p:txBody>
           <a:bodyPr>
-            <a:normAutofit lnSpcReduction="10000"/>
+            <a:normAutofit/>
           </a:bodyPr>
           <a:lstStyle/>
           <a:p>
-            <a:pPr marL="342900" indent="-342900" algn="l">
-              <a:buFont typeface="Arial" panose="020B0604020202020204" pitchFamily="34" charset="0"/>
-              <a:buChar char="•"/>
+            <a:pPr marL="457200" indent="-457200" algn="l">
+              <a:buFont typeface="+mj-lt"/>
+              <a:buAutoNum type="arabicPeriod" startAt="15"/>
             </a:pPr>
             <a:r>
-              <a:rPr lang="en-US" dirty="0">
-                <a:solidFill>
-                  <a:srgbClr val="0070C0"/>
-                </a:solidFill>
+              <a:rPr lang="en-US" sz="1800" dirty="0" smtClean="0"/>
+              <a:t>Heart Disease. (</a:t>
+            </a:r>
+            <a:r>
+              <a:rPr lang="en-US" sz="1800" dirty="0" err="1" smtClean="0"/>
+              <a:t>n.d.</a:t>
+            </a:r>
+            <a:r>
+              <a:rPr lang="en-US" sz="1800" dirty="0" smtClean="0"/>
+              <a:t>). </a:t>
+            </a:r>
+            <a:r>
+              <a:rPr lang="en-US" sz="1800" i="1" dirty="0" smtClean="0"/>
+              <a:t>The Mayo Clinic </a:t>
+            </a:r>
+            <a:r>
+              <a:rPr lang="en-US" sz="1800" dirty="0" smtClean="0"/>
+              <a:t>web site. </a:t>
+            </a:r>
+            <a:r>
+              <a:rPr lang="en-US" sz="1800" dirty="0"/>
+              <a:t>Retrieved </a:t>
+            </a:r>
+            <a:r>
+              <a:rPr lang="en-US" sz="1800" dirty="0" smtClean="0"/>
+              <a:t>7/12/2019 </a:t>
+            </a:r>
+            <a:r>
+              <a:rPr lang="en-US" sz="1800" dirty="0"/>
+              <a:t>from </a:t>
+            </a:r>
+            <a:r>
+              <a:rPr lang="en-US" sz="1800" dirty="0">
+                <a:hlinkClick r:id="rId2"/>
               </a:rPr>
-              <a:t>Additional Study: Ideas for Improvement</a:t>
-            </a:r>
-          </a:p>
-          <a:p>
-            <a:pPr marL="914400" lvl="1" indent="-457200" algn="l">
+              <a:t>https://www.mayoclinic.org/diseases-conditions/heart-disease/symptoms-causes/syc-20353118</a:t>
+            </a:r>
+            <a:endParaRPr lang="en-US" sz="1800" dirty="0"/>
+          </a:p>
+          <a:p>
+            <a:pPr marL="457200" indent="-457200" algn="l">
               <a:buFont typeface="+mj-lt"/>
-              <a:buAutoNum type="arabicPeriod"/>
+              <a:buAutoNum type="arabicPeriod" startAt="15"/>
             </a:pPr>
-            <a:r>
-              <a:rPr lang="en-US" dirty="0"/>
-              <a:t>We only used one set of the NHANES data collected between 2013-2014 to test our model. There are 3 more NHANES datasets that are more recent than the one we used for testing. There are also quite a few datasets collected in the years prior to 2013. The oldest dataset is for 1959-1962.</a:t>
-            </a:r>
-          </a:p>
-          <a:p>
-            <a:pPr marL="914400" lvl="1" indent="-457200" algn="l">
-              <a:buFont typeface="+mj-lt"/>
-              <a:buAutoNum type="arabicPeriod"/>
-            </a:pPr>
-            <a:r>
-              <a:rPr lang="en-US" dirty="0"/>
-              <a:t>Besides testing additional datasets from NHANES, it would be an improvement if the model could be tested with other sources of CAD related datasets.</a:t>
-            </a:r>
-          </a:p>
-          <a:p>
-            <a:pPr marL="914400" lvl="1" indent="-457200" algn="l">
-              <a:buFont typeface="+mj-lt"/>
-              <a:buAutoNum type="arabicPeriod"/>
-            </a:pPr>
-            <a:r>
-              <a:rPr lang="en-US" dirty="0"/>
-              <a:t>We should determine if there are different parameters (attributes) we would use for further tests assuming we could obtain the specified information. Considering the existing literature regarding risk factors for predicting CAD began with 74 different parameters and we only were able to use 9 of them in order to match other datasets to ours.</a:t>
-            </a:r>
-          </a:p>
-          <a:p>
-            <a:pPr marL="342900" indent="-342900" algn="l">
-              <a:buFont typeface="Arial" panose="020B0604020202020204" pitchFamily="34" charset="0"/>
-              <a:buChar char="•"/>
-            </a:pPr>
-            <a:r>
-              <a:rPr lang="en-US" dirty="0">
-                <a:solidFill>
-                  <a:srgbClr val="0070C0"/>
-                </a:solidFill>
-              </a:rPr>
-              <a:t>Additional Study: Use Datasets that match more closely </a:t>
-            </a:r>
-          </a:p>
-          <a:p>
-            <a:pPr marL="914400" lvl="1" indent="-457200" algn="l">
-              <a:buFont typeface="+mj-lt"/>
-              <a:buAutoNum type="arabicPeriod"/>
-            </a:pPr>
-            <a:r>
-              <a:rPr lang="en-US" dirty="0"/>
-              <a:t>The NHANES dataset we used did not have several measurements for the patients under 40 years old which caused us to throw out more rows of data than we wanted to. It would be better if our datasets matched age distribution better.</a:t>
-            </a:r>
-          </a:p>
-          <a:p>
-            <a:pPr marL="914400" lvl="1" indent="-457200" algn="l">
-              <a:buFont typeface="+mj-lt"/>
-              <a:buAutoNum type="arabicPeriod"/>
-            </a:pPr>
-            <a:r>
-              <a:rPr lang="en-US" dirty="0"/>
-              <a:t>Also, the differences in terminology made it more difficult to match fields from different datasets so the study would be better if those differences were removed.</a:t>
-            </a:r>
+            <a:endParaRPr lang="en-US" sz="1800" dirty="0"/>
           </a:p>
         </p:txBody>
       </p:sp>
     </p:spTree>
     <p:extLst>
       <p:ext uri="{BB962C8B-B14F-4D97-AF65-F5344CB8AC3E}">
-        <p14:creationId xmlns:p14="http://schemas.microsoft.com/office/powerpoint/2010/main" val="1520010600"/>
+        <p14:creationId xmlns:p14="http://schemas.microsoft.com/office/powerpoint/2010/main" val="2250856166"/>
       </p:ext>
     </p:extLst>
   </p:cSld>
@@ -20110,7 +20048,7 @@
 </p:sld>
 </file>
 
-<file path=ppt/slides/slide23.xml><?xml version="1.0" encoding="utf-8"?>
+<file path=ppt/slides/slide3.xml><?xml version="1.0" encoding="utf-8"?>
 <p:sld xmlns:a="http://schemas.openxmlformats.org/drawingml/2006/main" xmlns:r="http://schemas.openxmlformats.org/officeDocument/2006/relationships" xmlns:p="http://schemas.openxmlformats.org/presentationml/2006/main">
   <p:cSld>
     <p:spTree>
@@ -20150,11 +20088,14 @@
           <a:lstStyle/>
           <a:p>
             <a:r>
-              <a:rPr lang="en-US" sz="3600" b="1" dirty="0">
+              <a:rPr lang="en-US" sz="3600" b="1" dirty="0" smtClean="0">
                 <a:latin typeface="Cambria" panose="02040503050406030204" pitchFamily="18" charset="0"/>
               </a:rPr>
-              <a:t>References</a:t>
-            </a:r>
+              <a:t>CAD Basics Cont’d</a:t>
+            </a:r>
+            <a:endParaRPr lang="en-US" sz="3600" b="1" dirty="0">
+              <a:latin typeface="Cambria" panose="02040503050406030204" pitchFamily="18" charset="0"/>
+            </a:endParaRPr>
           </a:p>
         </p:txBody>
       </p:sp>
@@ -20180,353 +20121,140 @@
           </a:bodyPr>
           <a:lstStyle/>
           <a:p>
-            <a:pPr marL="457200" indent="-457200" algn="l">
+            <a:pPr marL="342900" indent="-342900" algn="l">
+              <a:buFont typeface="Arial" panose="020B0604020202020204" pitchFamily="34" charset="0"/>
+              <a:buChar char="•"/>
+            </a:pPr>
+            <a:r>
+              <a:rPr lang="en-US" dirty="0">
+                <a:solidFill>
+                  <a:srgbClr val="0070C0"/>
+                </a:solidFill>
+              </a:rPr>
+              <a:t>Also known as CAD:</a:t>
+            </a:r>
+          </a:p>
+          <a:p>
+            <a:pPr marL="800100" lvl="1" indent="-342900" algn="l">
+              <a:buFont typeface="Arial" panose="020B0604020202020204" pitchFamily="34" charset="0"/>
+              <a:buChar char="•"/>
+            </a:pPr>
+            <a:r>
+              <a:rPr lang="en-US" dirty="0" smtClean="0"/>
+              <a:t>It </a:t>
+            </a:r>
+            <a:r>
+              <a:rPr lang="en-US" dirty="0"/>
+              <a:t>is an important health topic to study, understand, and predict who is likely to develop CAD considering the following facts:</a:t>
+            </a:r>
+          </a:p>
+          <a:p>
+            <a:pPr marL="1257300" lvl="2" indent="-342900" algn="l">
               <a:buFont typeface="+mj-lt"/>
               <a:buAutoNum type="arabicPeriod"/>
             </a:pPr>
             <a:r>
-              <a:rPr lang="en-US" sz="1800" dirty="0" err="1"/>
-              <a:t>Detrano</a:t>
-            </a:r>
-            <a:r>
-              <a:rPr lang="en-US" sz="1800" dirty="0"/>
-              <a:t>, Robert, MD, PhD; </a:t>
-            </a:r>
-            <a:r>
-              <a:rPr lang="en-US" sz="1800" dirty="0" err="1"/>
-              <a:t>Janosi</a:t>
-            </a:r>
-            <a:r>
-              <a:rPr lang="en-US" sz="1800" dirty="0"/>
-              <a:t>, Andras, MD; </a:t>
-            </a:r>
-            <a:r>
-              <a:rPr lang="en-US" sz="1800" dirty="0" err="1"/>
-              <a:t>Steinbrunn</a:t>
-            </a:r>
-            <a:r>
-              <a:rPr lang="en-US" sz="1800" dirty="0"/>
-              <a:t>, Walter, MD; </a:t>
-            </a:r>
-            <a:r>
-              <a:rPr lang="en-US" sz="1800" dirty="0" err="1"/>
-              <a:t>Pfisterer</a:t>
-            </a:r>
-            <a:r>
-              <a:rPr lang="en-US" sz="1800" dirty="0"/>
-              <a:t>, Matthias, MD; Schmid, Johann-Jakob, DE; Sandhu, </a:t>
-            </a:r>
-            <a:r>
-              <a:rPr lang="en-US" sz="1800" dirty="0" err="1"/>
-              <a:t>Sarbjit</a:t>
-            </a:r>
-            <a:r>
-              <a:rPr lang="en-US" sz="1800" dirty="0"/>
-              <a:t>, MD; Guppy, Kern H, PhD; Lee, Stella, MS; </a:t>
-            </a:r>
-            <a:r>
-              <a:rPr lang="en-US" sz="1800" dirty="0" err="1"/>
-              <a:t>Froelicher</a:t>
-            </a:r>
-            <a:r>
-              <a:rPr lang="en-US" sz="1800" dirty="0"/>
-              <a:t>, Victor, MD. (1989, Aug). </a:t>
-            </a:r>
-            <a:r>
-              <a:rPr lang="en-US" sz="1800" i="1" dirty="0"/>
-              <a:t>“International Application of a New Probability Algorithm for the Diagnosis of Coronary Artery Disease”.</a:t>
-            </a:r>
-            <a:r>
-              <a:rPr lang="en-US" sz="1800" dirty="0"/>
-              <a:t> The American Journal of Cardiology, Volume 64, Issue 5, pp: 304-310.</a:t>
-            </a:r>
-          </a:p>
-          <a:p>
-            <a:pPr marL="457200" indent="-457200" algn="l">
+              <a:rPr lang="en-US" dirty="0"/>
+              <a:t>It’s the leading cause of death for both men and women in the United States. </a:t>
+            </a:r>
+            <a:r>
+              <a:rPr lang="en-US" baseline="30000" dirty="0"/>
+              <a:t>(2) </a:t>
+            </a:r>
+            <a:r>
+              <a:rPr lang="en-US" dirty="0"/>
+              <a:t> </a:t>
+            </a:r>
+            <a:endParaRPr lang="en-US" baseline="30000" dirty="0"/>
+          </a:p>
+          <a:p>
+            <a:pPr marL="1257300" lvl="2" indent="-342900" algn="l">
               <a:buFont typeface="+mj-lt"/>
               <a:buAutoNum type="arabicPeriod"/>
             </a:pPr>
             <a:r>
-              <a:rPr lang="en-US" sz="1800" dirty="0"/>
-              <a:t>Coronary Artery Disease. (</a:t>
-            </a:r>
-            <a:r>
-              <a:rPr lang="en-US" sz="1800" dirty="0" err="1"/>
-              <a:t>n.d.</a:t>
-            </a:r>
-            <a:r>
-              <a:rPr lang="en-US" sz="1800" dirty="0"/>
-              <a:t>) </a:t>
-            </a:r>
-            <a:r>
-              <a:rPr lang="en-US" sz="1800" i="1" dirty="0"/>
-              <a:t>The Free Dictionary </a:t>
-            </a:r>
-            <a:r>
-              <a:rPr lang="en-US" sz="1800" dirty="0"/>
-              <a:t>web site. Retrieved 7/11/2019 from </a:t>
-            </a:r>
-            <a:r>
-              <a:rPr lang="en-US" sz="1800" dirty="0">
-                <a:hlinkClick r:id="rId2"/>
-              </a:rPr>
-              <a:t>https://medical-dictionary.thefreedictionary.com/coronary+artery+disease</a:t>
-            </a:r>
-            <a:endParaRPr lang="en-US" sz="1800" dirty="0"/>
-          </a:p>
-          <a:p>
-            <a:pPr marL="457200" indent="-457200" algn="l">
+              <a:rPr lang="en-US" dirty="0"/>
+              <a:t>More than 13 million Americans have active symptoms of CAD. </a:t>
+            </a:r>
+            <a:r>
+              <a:rPr lang="en-US" baseline="30000" dirty="0"/>
+              <a:t>(2) </a:t>
+            </a:r>
+            <a:r>
+              <a:rPr lang="en-US" dirty="0"/>
+              <a:t> </a:t>
+            </a:r>
+          </a:p>
+          <a:p>
+            <a:pPr marL="1257300" lvl="2" indent="-342900" algn="l">
               <a:buFont typeface="+mj-lt"/>
               <a:buAutoNum type="arabicPeriod"/>
             </a:pPr>
             <a:r>
-              <a:rPr lang="en-US" sz="1800" dirty="0"/>
-              <a:t>University of California, Irvine (UCI) Heart Disease Dataset. (2016). Retrieved 7/8/2019 from </a:t>
-            </a:r>
-            <a:r>
-              <a:rPr lang="en-US" sz="1800" dirty="0">
-                <a:hlinkClick r:id="rId3"/>
-              </a:rPr>
-              <a:t>https://data.world/uci/heart-disease</a:t>
-            </a:r>
-            <a:endParaRPr lang="en-US" sz="1800" dirty="0"/>
-          </a:p>
-          <a:p>
-            <a:pPr marL="457200" indent="-457200" algn="l">
+              <a:rPr lang="en-US" dirty="0"/>
+              <a:t>CAD is preventable. </a:t>
+            </a:r>
+            <a:r>
+              <a:rPr lang="en-US" baseline="30000" dirty="0"/>
+              <a:t>(6)</a:t>
+            </a:r>
+            <a:r>
+              <a:rPr lang="en-US" dirty="0"/>
+              <a:t> </a:t>
+            </a:r>
+          </a:p>
+          <a:p>
+            <a:pPr marL="1257300" lvl="2" indent="-342900" algn="l">
               <a:buFont typeface="+mj-lt"/>
               <a:buAutoNum type="arabicPeriod"/>
             </a:pPr>
             <a:r>
-              <a:rPr lang="en-US" sz="1800" dirty="0"/>
-              <a:t>National Health and Nutrition Examination Survey (NHANES) Dataset. (2013-2014). Retrieved 7/8/2019 from </a:t>
-            </a:r>
-            <a:r>
-              <a:rPr lang="en-US" sz="1800" dirty="0">
-                <a:hlinkClick r:id="rId4"/>
-              </a:rPr>
-              <a:t>https://www.kaggle.com/cdc/national-health-and-nutrition-examination-survey</a:t>
-            </a:r>
-            <a:endParaRPr lang="en-US" sz="1800" dirty="0"/>
-          </a:p>
-          <a:p>
-            <a:pPr marL="457200" indent="-457200" algn="l">
+              <a:rPr lang="en-US" dirty="0" smtClean="0"/>
+              <a:t>CAD, a form of heart disease, may be prevented, treated, or progression delayed with healthy lifestyle choices. </a:t>
+            </a:r>
+            <a:r>
+              <a:rPr lang="en-US" baseline="30000" dirty="0" smtClean="0"/>
+              <a:t>(6, 7) </a:t>
+            </a:r>
+            <a:r>
+              <a:rPr lang="en-US" dirty="0" smtClean="0"/>
+              <a:t> </a:t>
+            </a:r>
+            <a:endParaRPr lang="en-US" dirty="0"/>
+          </a:p>
+          <a:p>
+            <a:pPr marL="1257300" lvl="2" indent="-342900" algn="l">
               <a:buFont typeface="+mj-lt"/>
               <a:buAutoNum type="arabicPeriod"/>
             </a:pPr>
             <a:r>
-              <a:rPr lang="en-US" sz="1800" dirty="0"/>
-              <a:t>Center for Disease Control and Prevention. National Center for Health Statistics NHANES Questionnaires, Datasets, and Related Documentation. (1959-2020). Retrieved 7/8/2019 from </a:t>
-            </a:r>
-            <a:r>
-              <a:rPr lang="en-US" sz="1800" u="sng" dirty="0">
-                <a:hlinkClick r:id="rId5"/>
-              </a:rPr>
-              <a:t>https://wwwn.cdc.gov/Nchs/Nhanes/Default.aspx</a:t>
-            </a:r>
-            <a:endParaRPr lang="en-US" sz="1800" u="sng" dirty="0"/>
-          </a:p>
-          <a:p>
-            <a:pPr marL="457200" indent="-457200" algn="l">
-              <a:buFont typeface="+mj-lt"/>
-              <a:buAutoNum type="arabicPeriod"/>
-            </a:pPr>
-            <a:r>
-              <a:rPr lang="en-US" sz="1800" dirty="0"/>
-              <a:t>Coronary Artery Disease. (</a:t>
-            </a:r>
-            <a:r>
-              <a:rPr lang="en-US" sz="1800" dirty="0" err="1"/>
-              <a:t>n.d.</a:t>
-            </a:r>
-            <a:r>
-              <a:rPr lang="en-US" sz="1800" dirty="0"/>
-              <a:t>) </a:t>
-            </a:r>
-            <a:r>
-              <a:rPr lang="en-US" sz="1800" i="1" dirty="0"/>
-              <a:t>Heart.org </a:t>
-            </a:r>
-            <a:r>
-              <a:rPr lang="en-US" sz="1800" dirty="0"/>
-              <a:t>web site by The American Heart Association. Retrieved 7/8/2019 from </a:t>
-            </a:r>
-            <a:r>
-              <a:rPr lang="en-US" sz="1800" dirty="0">
-                <a:hlinkClick r:id="rId6"/>
-              </a:rPr>
-              <a:t>https://www.heart.org/en/health-topics/consumer-healthcare/what-is-cardiovascular-disease/coronary-artery-disease</a:t>
-            </a:r>
-            <a:endParaRPr lang="en-US" sz="1800" dirty="0"/>
-          </a:p>
-          <a:p>
-            <a:pPr marL="457200" indent="-457200" algn="l">
-              <a:buFont typeface="+mj-lt"/>
-              <a:buAutoNum type="arabicPeriod"/>
-            </a:pPr>
-            <a:endParaRPr lang="en-US" sz="1800" u="sng" dirty="0"/>
-          </a:p>
-          <a:p>
-            <a:pPr marL="457200" indent="-457200" algn="l">
-              <a:buFont typeface="+mj-lt"/>
-              <a:buAutoNum type="arabicPeriod"/>
-            </a:pPr>
-            <a:endParaRPr lang="en-US" sz="1800" dirty="0"/>
+              <a:rPr lang="en-US" dirty="0"/>
+              <a:t>CAD begins early in childhood so the earlier the potential for CAD is predicted, the earlier a patient can be trained on healthy lifestyles and adopt measures that can be followed for life; significantly reducing the actual occurrence of CAD which will lead to less deaths caused by CAD. </a:t>
+            </a:r>
+            <a:r>
+              <a:rPr lang="en-US" baseline="30000" dirty="0"/>
+              <a:t>(6)</a:t>
+            </a:r>
+            <a:r>
+              <a:rPr lang="en-US" dirty="0"/>
+              <a:t> </a:t>
+            </a:r>
+            <a:r>
+              <a:rPr lang="en-US" dirty="0" smtClean="0"/>
+              <a:t> </a:t>
+            </a:r>
+            <a:endParaRPr lang="en-US" dirty="0">
+              <a:solidFill>
+                <a:srgbClr val="00B050"/>
+              </a:solidFill>
+            </a:endParaRPr>
           </a:p>
         </p:txBody>
       </p:sp>
     </p:spTree>
     <p:extLst>
       <p:ext uri="{BB962C8B-B14F-4D97-AF65-F5344CB8AC3E}">
-        <p14:creationId xmlns:p14="http://schemas.microsoft.com/office/powerpoint/2010/main" val="264255848"/>
-      </p:ext>
-    </p:extLst>
-  </p:cSld>
-  <p:clrMapOvr>
-    <a:masterClrMapping/>
-  </p:clrMapOvr>
-</p:sld>
-</file>
-
-<file path=ppt/slides/slide3.xml><?xml version="1.0" encoding="utf-8"?>
-<p:sld xmlns:a="http://schemas.openxmlformats.org/drawingml/2006/main" xmlns:r="http://schemas.openxmlformats.org/officeDocument/2006/relationships" xmlns:p="http://schemas.openxmlformats.org/presentationml/2006/main">
-  <p:cSld>
-    <p:spTree>
-      <p:nvGrpSpPr>
-        <p:cNvPr id="1" name=""/>
-        <p:cNvGrpSpPr/>
-        <p:nvPr/>
-      </p:nvGrpSpPr>
-      <p:grpSpPr>
-        <a:xfrm>
-          <a:off x="0" y="0"/>
-          <a:ext cx="0" cy="0"/>
-          <a:chOff x="0" y="0"/>
-          <a:chExt cx="0" cy="0"/>
-        </a:xfrm>
-      </p:grpSpPr>
-      <p:pic>
-        <p:nvPicPr>
-          <p:cNvPr id="4" name="Picture 3"/>
-          <p:cNvPicPr>
-            <a:picLocks noChangeAspect="1"/>
-          </p:cNvPicPr>
-          <p:nvPr/>
-        </p:nvPicPr>
-        <p:blipFill>
-          <a:blip r:embed="rId2">
-            <a:extLst>
-              <a:ext uri="{28A0092B-C50C-407E-A947-70E740481C1C}">
-                <a14:useLocalDpi xmlns:a14="http://schemas.microsoft.com/office/drawing/2010/main" val="0"/>
-              </a:ext>
-            </a:extLst>
-          </a:blip>
-          <a:stretch>
-            <a:fillRect/>
-          </a:stretch>
-        </p:blipFill>
-        <p:spPr>
-          <a:xfrm>
-            <a:off x="3492440" y="994291"/>
-            <a:ext cx="5238750" cy="5238750"/>
-          </a:xfrm>
-          <a:prstGeom prst="rect">
-            <a:avLst/>
-          </a:prstGeom>
-        </p:spPr>
-      </p:pic>
-      <p:sp>
-        <p:nvSpPr>
-          <p:cNvPr id="5" name="TextBox 4"/>
-          <p:cNvSpPr txBox="1"/>
-          <p:nvPr/>
-        </p:nvSpPr>
-        <p:spPr>
-          <a:xfrm>
-            <a:off x="2099387" y="6048375"/>
-            <a:ext cx="8472640" cy="369332"/>
-          </a:xfrm>
-          <a:prstGeom prst="rect">
-            <a:avLst/>
-          </a:prstGeom>
-          <a:noFill/>
-        </p:spPr>
-        <p:txBody>
-          <a:bodyPr wrap="none" rtlCol="0">
-            <a:spAutoFit/>
-          </a:bodyPr>
-          <a:lstStyle/>
-          <a:p>
-            <a:r>
-              <a:rPr lang="en-US" dirty="0">
-                <a:hlinkClick r:id="rId3"/>
-              </a:rPr>
-              <a:t>https://leelammavarghese.files.wordpress.com/2014/06/human-heart-external-view.jpg</a:t>
-            </a:r>
-            <a:endParaRPr lang="en-US" dirty="0"/>
-          </a:p>
-        </p:txBody>
-      </p:sp>
-      <p:sp>
-        <p:nvSpPr>
-          <p:cNvPr id="6" name="Title 1">
-            <a:extLst>
-              <a:ext uri="{FF2B5EF4-FFF2-40B4-BE49-F238E27FC236}">
-                <a16:creationId xmlns:a16="http://schemas.microsoft.com/office/drawing/2014/main" id="{F786899F-E861-49B3-AF6D-F6A6CFEDA27E}"/>
-              </a:ext>
-            </a:extLst>
-          </p:cNvPr>
-          <p:cNvSpPr txBox="1">
-            <a:spLocks/>
-          </p:cNvSpPr>
-          <p:nvPr/>
-        </p:nvSpPr>
-        <p:spPr>
-          <a:xfrm>
-            <a:off x="1539815" y="568706"/>
-            <a:ext cx="9144000" cy="638994"/>
-          </a:xfrm>
-          <a:prstGeom prst="rect">
-            <a:avLst/>
-          </a:prstGeom>
-        </p:spPr>
-        <p:txBody>
-          <a:bodyPr vert="horz" lIns="91440" tIns="45720" rIns="91440" bIns="45720" rtlCol="0" anchor="ctr">
-            <a:noAutofit/>
-          </a:bodyPr>
-          <a:lstStyle>
-            <a:lvl1pPr algn="l" defTabSz="914400" rtl="0" eaLnBrk="1" latinLnBrk="0" hangingPunct="1">
-              <a:lnSpc>
-                <a:spcPct val="90000"/>
-              </a:lnSpc>
-              <a:spcBef>
-                <a:spcPct val="0"/>
-              </a:spcBef>
-              <a:buNone/>
-              <a:defRPr sz="4400" kern="1200">
-                <a:solidFill>
-                  <a:schemeClr val="tx1"/>
-                </a:solidFill>
-                <a:latin typeface="+mj-lt"/>
-                <a:ea typeface="+mj-ea"/>
-                <a:cs typeface="+mj-cs"/>
-              </a:defRPr>
-            </a:lvl1pPr>
-          </a:lstStyle>
-          <a:p>
-            <a:pPr algn="ctr"/>
-            <a:r>
-              <a:rPr lang="en-US" sz="3600" b="1" dirty="0">
-                <a:latin typeface="Cambria" panose="02040503050406030204" pitchFamily="18" charset="0"/>
-              </a:rPr>
-              <a:t>Coronary Artery Disease Basics Cont’d</a:t>
-            </a:r>
-          </a:p>
-        </p:txBody>
-      </p:sp>
-    </p:spTree>
-    <p:extLst>
-      <p:ext uri="{BB962C8B-B14F-4D97-AF65-F5344CB8AC3E}">
-        <p14:creationId xmlns:p14="http://schemas.microsoft.com/office/powerpoint/2010/main" val="1610939901"/>
+        <p14:creationId xmlns:p14="http://schemas.microsoft.com/office/powerpoint/2010/main" val="654604957"/>
       </p:ext>
     </p:extLst>
   </p:cSld>
@@ -20602,7 +20330,7 @@
         </p:spPr>
         <p:txBody>
           <a:bodyPr>
-            <a:normAutofit fontScale="92500" lnSpcReduction="20000"/>
+            <a:normAutofit/>
           </a:bodyPr>
           <a:lstStyle/>
           <a:p>
@@ -20630,7 +20358,23 @@
                   <a:srgbClr val="00B050"/>
                 </a:solidFill>
               </a:rPr>
-              <a:t>Based on these 9 attributes that are indicators of heart disease, build a model: </a:t>
+              <a:t>Based on these </a:t>
+            </a:r>
+            <a:r>
+              <a:rPr lang="en-US" dirty="0" smtClean="0">
+                <a:solidFill>
+                  <a:srgbClr val="00B050"/>
+                </a:solidFill>
+              </a:rPr>
+              <a:t>8 </a:t>
+            </a:r>
+            <a:r>
+              <a:rPr lang="en-US" dirty="0">
+                <a:solidFill>
+                  <a:srgbClr val="00B050"/>
+                </a:solidFill>
+              </a:rPr>
+              <a:t>attributes that are indicators of heart disease, build a model: </a:t>
             </a:r>
             <a:r>
               <a:rPr lang="en-US" baseline="30000" dirty="0">
@@ -20672,16 +20416,8 @@
               <a:buAutoNum type="arabicPeriod"/>
             </a:pPr>
             <a:r>
-              <a:rPr lang="en-US" dirty="0"/>
-              <a:t>Chest Pain (</a:t>
-            </a:r>
-            <a:r>
-              <a:rPr lang="en-US" dirty="0" err="1"/>
-              <a:t>cp</a:t>
-            </a:r>
-            <a:r>
-              <a:rPr lang="en-US" dirty="0"/>
-              <a:t>): typical angina or non-typical angina</a:t>
+              <a:rPr lang="en-US" dirty="0" smtClean="0"/>
+              <a:t>Heart Related Chest Pain</a:t>
             </a:r>
           </a:p>
           <a:p>
@@ -20690,16 +20426,12 @@
               <a:buAutoNum type="arabicPeriod"/>
             </a:pPr>
             <a:r>
+              <a:rPr lang="en-US" dirty="0" smtClean="0"/>
+              <a:t>Resting </a:t>
+            </a:r>
+            <a:r>
               <a:rPr lang="en-US" dirty="0"/>
-              <a:t>Resting Blood Pressure (</a:t>
-            </a:r>
-            <a:r>
-              <a:rPr lang="en-US" dirty="0" err="1"/>
-              <a:t>trestbps</a:t>
-            </a:r>
-            <a:r>
-              <a:rPr lang="en-US" dirty="0"/>
-              <a:t>) </a:t>
+              <a:t>Blood Pressure </a:t>
             </a:r>
           </a:p>
           <a:p>
@@ -20709,15 +20441,7 @@
             </a:pPr>
             <a:r>
               <a:rPr lang="en-US" dirty="0"/>
-              <a:t>Serum Cholesterol (</a:t>
-            </a:r>
-            <a:r>
-              <a:rPr lang="en-US" dirty="0" err="1"/>
-              <a:t>chol</a:t>
-            </a:r>
-            <a:r>
-              <a:rPr lang="en-US" dirty="0"/>
-              <a:t>)</a:t>
+              <a:t>Serum Cholesterol </a:t>
             </a:r>
           </a:p>
           <a:p>
@@ -20727,20 +20451,13 @@
             </a:pPr>
             <a:r>
               <a:rPr lang="en-US" dirty="0"/>
-              <a:t>Fasting Blood Sugar (</a:t>
-            </a:r>
-            <a:r>
-              <a:rPr lang="en-US" dirty="0" err="1"/>
-              <a:t>fbs</a:t>
-            </a:r>
-            <a:r>
-              <a:rPr lang="en-US" dirty="0"/>
-              <a:t>): if </a:t>
-            </a:r>
-            <a:r>
-              <a:rPr lang="da-DK" dirty="0"/>
-              <a:t>&gt; 120 mg/dl)  (1 = true; 0 = false)</a:t>
-            </a:r>
+              <a:t>Fasting Blood </a:t>
+            </a:r>
+            <a:r>
+              <a:rPr lang="en-US" dirty="0" smtClean="0"/>
+              <a:t>Sugar</a:t>
+            </a:r>
+            <a:endParaRPr lang="da-DK" dirty="0" smtClean="0"/>
           </a:p>
           <a:p>
             <a:pPr marL="1257300" lvl="2" indent="-342900" algn="l">
@@ -20748,16 +20465,8 @@
               <a:buAutoNum type="arabicPeriod"/>
             </a:pPr>
             <a:r>
-              <a:rPr lang="en-US" dirty="0"/>
-              <a:t>Resting Heart Rate (</a:t>
-            </a:r>
-            <a:r>
-              <a:rPr lang="en-US" dirty="0" err="1"/>
-              <a:t>thalrest</a:t>
-            </a:r>
-            <a:r>
-              <a:rPr lang="en-US" dirty="0"/>
-              <a:t>)</a:t>
+              <a:rPr lang="en-US" dirty="0" smtClean="0"/>
+              <a:t>Resting Heart Rate</a:t>
             </a:r>
           </a:p>
           <a:p>
@@ -20766,17 +20475,18 @@
               <a:buAutoNum type="arabicPeriod"/>
             </a:pPr>
             <a:r>
+              <a:rPr lang="en-US" dirty="0" smtClean="0"/>
+              <a:t>Exercise </a:t>
+            </a:r>
+            <a:r>
               <a:rPr lang="en-US" dirty="0"/>
-              <a:t>Exercise Induced Angina (</a:t>
-            </a:r>
-            <a:r>
-              <a:rPr lang="en-US" dirty="0" err="1"/>
-              <a:t>exang</a:t>
-            </a:r>
-            <a:r>
-              <a:rPr lang="en-US" dirty="0"/>
-              <a:t>): 1 = yes; 0 = no</a:t>
-            </a:r>
+              <a:t>Induced </a:t>
+            </a:r>
+            <a:r>
+              <a:rPr lang="en-US" dirty="0" smtClean="0"/>
+              <a:t>Angina</a:t>
+            </a:r>
+            <a:endParaRPr lang="en-US" dirty="0"/>
           </a:p>
           <a:p>
             <a:pPr marL="1257300" lvl="2" indent="-342900" algn="l">
@@ -20785,23 +20495,7 @@
             </a:pPr>
             <a:r>
               <a:rPr lang="en-US" dirty="0"/>
-              <a:t>Diagnosis of Heart Disease (</a:t>
-            </a:r>
-            <a:r>
-              <a:rPr lang="en-US" dirty="0" err="1"/>
-              <a:t>num</a:t>
-            </a:r>
-            <a:r>
-              <a:rPr lang="en-US" dirty="0"/>
-              <a:t>): based on angiographic disease status: &lt; 50% diameter narrowing = 0; &gt; 50% diameter narrowing = 1. Originally </a:t>
-            </a:r>
-            <a:r>
-              <a:rPr lang="en-US" dirty="0" err="1"/>
-              <a:t>num</a:t>
-            </a:r>
-            <a:r>
-              <a:rPr lang="en-US" dirty="0"/>
-              <a:t> was 0-4 with 0=no heart disease and 1-4=some form of heart disease. Changed all 1-4 values to 1=heart disease, left 0=no heart disease.</a:t>
+              <a:t>Diagnosis of Heart Disease </a:t>
             </a:r>
           </a:p>
           <a:p>
@@ -20835,129 +20529,25 @@
             </a:r>
           </a:p>
           <a:p>
-            <a:pPr marL="1257300" lvl="2" indent="-342900" algn="l">
-              <a:buFont typeface="Arial" panose="020B0604020202020204" pitchFamily="34" charset="0"/>
-              <a:buChar char="•"/>
-            </a:pPr>
-            <a:r>
-              <a:rPr lang="en-US" dirty="0"/>
-              <a:t>Used Python to clean up data for 3 columns: </a:t>
-            </a:r>
-          </a:p>
-          <a:p>
-            <a:pPr marL="1714500" lvl="3" indent="-342900" algn="l">
-              <a:buFont typeface="Arial" panose="020B0604020202020204" pitchFamily="34" charset="0"/>
-              <a:buChar char="•"/>
-            </a:pPr>
-            <a:r>
-              <a:rPr lang="en-US" dirty="0" err="1"/>
-              <a:t>Trestbps</a:t>
-            </a:r>
-            <a:r>
-              <a:rPr lang="en-US" dirty="0"/>
-              <a:t>: if == -9, set to None; use </a:t>
-            </a:r>
-            <a:r>
-              <a:rPr lang="en-US" dirty="0" err="1"/>
-              <a:t>num</a:t>
-            </a:r>
-            <a:r>
-              <a:rPr lang="en-US" dirty="0"/>
-              <a:t> for </a:t>
-            </a:r>
-            <a:r>
-              <a:rPr lang="en-US" dirty="0" err="1"/>
-              <a:t>groupby</a:t>
-            </a:r>
-            <a:r>
-              <a:rPr lang="en-US" dirty="0"/>
-              <a:t>; calculate mean </a:t>
-            </a:r>
-            <a:r>
-              <a:rPr lang="en-US" dirty="0" err="1"/>
-              <a:t>trestbps</a:t>
-            </a:r>
-            <a:r>
-              <a:rPr lang="en-US" dirty="0"/>
-              <a:t>; fill </a:t>
-            </a:r>
-            <a:r>
-              <a:rPr lang="en-US" dirty="0" err="1"/>
-              <a:t>testbps</a:t>
-            </a:r>
-            <a:r>
-              <a:rPr lang="en-US" dirty="0"/>
-              <a:t> =Nan </a:t>
-            </a:r>
-          </a:p>
-          <a:p>
-            <a:pPr marL="1714500" lvl="3" indent="-342900" algn="l">
-              <a:buFont typeface="Arial" panose="020B0604020202020204" pitchFamily="34" charset="0"/>
-              <a:buChar char="•"/>
-            </a:pPr>
-            <a:r>
-              <a:rPr lang="en-US" dirty="0"/>
-              <a:t>Chol: if == -9, set to None or if == 0, set to None; use </a:t>
-            </a:r>
-            <a:r>
-              <a:rPr lang="en-US" dirty="0" err="1"/>
-              <a:t>num</a:t>
-            </a:r>
-            <a:r>
-              <a:rPr lang="en-US" dirty="0"/>
-              <a:t> for </a:t>
-            </a:r>
-            <a:r>
-              <a:rPr lang="en-US" dirty="0" err="1"/>
-              <a:t>groupby</a:t>
-            </a:r>
-            <a:r>
-              <a:rPr lang="en-US" dirty="0"/>
-              <a:t>; calculate mean </a:t>
-            </a:r>
-            <a:r>
-              <a:rPr lang="en-US" dirty="0" err="1"/>
-              <a:t>chol</a:t>
-            </a:r>
-            <a:r>
-              <a:rPr lang="en-US" dirty="0"/>
-              <a:t>; fill </a:t>
-            </a:r>
-            <a:r>
-              <a:rPr lang="en-US" dirty="0" err="1"/>
-              <a:t>chol</a:t>
-            </a:r>
-            <a:r>
-              <a:rPr lang="en-US" dirty="0"/>
-              <a:t> =Nan </a:t>
-            </a:r>
-          </a:p>
-          <a:p>
-            <a:pPr marL="1714500" lvl="3" indent="-342900" algn="l">
-              <a:buFont typeface="Arial" panose="020B0604020202020204" pitchFamily="34" charset="0"/>
-              <a:buChar char="•"/>
-            </a:pPr>
-            <a:r>
-              <a:rPr lang="en-US" dirty="0" err="1"/>
-              <a:t>Thalrest</a:t>
-            </a:r>
-            <a:r>
-              <a:rPr lang="en-US" dirty="0"/>
-              <a:t>: if == -9, set to None</a:t>
-            </a:r>
-          </a:p>
-          <a:p>
             <a:pPr marL="800100" lvl="1" indent="-342900" algn="l">
               <a:buFont typeface="Arial" panose="020B0604020202020204" pitchFamily="34" charset="0"/>
               <a:buChar char="•"/>
             </a:pPr>
+            <a:r>
+              <a:rPr lang="en-US" dirty="0" smtClean="0">
+                <a:solidFill>
+                  <a:srgbClr val="00B050"/>
+                </a:solidFill>
+              </a:rPr>
+              <a:t>Train </a:t>
+            </a:r>
             <a:r>
               <a:rPr lang="en-US" dirty="0">
                 <a:solidFill>
                   <a:srgbClr val="00B050"/>
                 </a:solidFill>
               </a:rPr>
-              <a:t>Train the model to predict: who will/will not develop heart disease</a:t>
+              <a:t>the model to predict: who will/will not develop heart disease</a:t>
             </a:r>
           </a:p>
         </p:txBody>
@@ -21018,7 +20608,7 @@
               <a:rPr lang="en-US" sz="3600" b="1" dirty="0">
                 <a:latin typeface="Cambria" panose="02040503050406030204" pitchFamily="18" charset="0"/>
               </a:rPr>
-              <a:t>Proposed CAD Indicators</a:t>
+              <a:t>UCI Dataset Information</a:t>
             </a:r>
           </a:p>
         </p:txBody>
@@ -21041,7 +20631,7 @@
         </p:spPr>
         <p:txBody>
           <a:bodyPr>
-            <a:normAutofit fontScale="92500" lnSpcReduction="20000"/>
+            <a:normAutofit/>
           </a:bodyPr>
           <a:lstStyle/>
           <a:p>
@@ -21055,189 +20645,7 @@
                   <a:srgbClr val="0070C0"/>
                 </a:solidFill>
               </a:rPr>
-              <a:t>NHANES Dataset Analysis and mapping to UCI Dataset:</a:t>
-            </a:r>
-          </a:p>
-          <a:p>
-            <a:pPr marL="800100" lvl="1" indent="-342900" algn="l">
-              <a:buFont typeface="+mj-lt"/>
-              <a:buAutoNum type="arabicPeriod"/>
-            </a:pPr>
-            <a:r>
-              <a:rPr lang="en-US" dirty="0"/>
-              <a:t>Age = age</a:t>
-            </a:r>
-          </a:p>
-          <a:p>
-            <a:pPr marL="800100" lvl="1" indent="-342900" algn="l">
-              <a:buFont typeface="+mj-lt"/>
-              <a:buAutoNum type="arabicPeriod"/>
-            </a:pPr>
-            <a:r>
-              <a:rPr lang="en-US" dirty="0"/>
-              <a:t>Sex = sex</a:t>
-            </a:r>
-          </a:p>
-          <a:p>
-            <a:pPr marL="800100" lvl="1" indent="-342900" algn="l">
-              <a:buFont typeface="+mj-lt"/>
-              <a:buAutoNum type="arabicPeriod"/>
-            </a:pPr>
-            <a:r>
-              <a:rPr lang="en-US" dirty="0"/>
-              <a:t>Chest Pain (</a:t>
-            </a:r>
-            <a:r>
-              <a:rPr lang="en-US" dirty="0" err="1"/>
-              <a:t>cp</a:t>
-            </a:r>
-            <a:r>
-              <a:rPr lang="en-US" dirty="0"/>
-              <a:t>): typical angina or non-typical angina = </a:t>
-            </a:r>
-            <a:r>
-              <a:rPr lang="en-US" dirty="0" err="1"/>
-              <a:t>cp</a:t>
-            </a:r>
-            <a:endParaRPr lang="en-US" dirty="0"/>
-          </a:p>
-          <a:p>
-            <a:pPr marL="800100" lvl="1" indent="-342900" algn="l">
-              <a:buFont typeface="+mj-lt"/>
-              <a:buAutoNum type="arabicPeriod"/>
-            </a:pPr>
-            <a:r>
-              <a:rPr lang="en-US" dirty="0"/>
-              <a:t>Resting Blood Pressure (</a:t>
-            </a:r>
-            <a:r>
-              <a:rPr lang="en-US" dirty="0" err="1"/>
-              <a:t>trestbps</a:t>
-            </a:r>
-            <a:r>
-              <a:rPr lang="en-US" dirty="0"/>
-              <a:t>) = </a:t>
-            </a:r>
-            <a:r>
-              <a:rPr lang="en-US" dirty="0" err="1"/>
-              <a:t>trestbps</a:t>
-            </a:r>
-            <a:endParaRPr lang="en-US" dirty="0"/>
-          </a:p>
-          <a:p>
-            <a:pPr marL="800100" lvl="1" indent="-342900" algn="l">
-              <a:buFont typeface="+mj-lt"/>
-              <a:buAutoNum type="arabicPeriod"/>
-            </a:pPr>
-            <a:r>
-              <a:rPr lang="en-US" dirty="0"/>
-              <a:t>Serum Cholesterol (</a:t>
-            </a:r>
-            <a:r>
-              <a:rPr lang="en-US" dirty="0" err="1"/>
-              <a:t>chol</a:t>
-            </a:r>
-            <a:r>
-              <a:rPr lang="en-US" dirty="0"/>
-              <a:t>) = </a:t>
-            </a:r>
-            <a:r>
-              <a:rPr lang="en-US" dirty="0" err="1"/>
-              <a:t>chol</a:t>
-            </a:r>
-            <a:endParaRPr lang="en-US" dirty="0"/>
-          </a:p>
-          <a:p>
-            <a:pPr marL="800100" lvl="1" indent="-342900" algn="l">
-              <a:buFont typeface="+mj-lt"/>
-              <a:buAutoNum type="arabicPeriod"/>
-            </a:pPr>
-            <a:r>
-              <a:rPr lang="en-US" dirty="0"/>
-              <a:t>LBXGLU = Fasting Blood Sugar (</a:t>
-            </a:r>
-            <a:r>
-              <a:rPr lang="en-US" dirty="0" err="1"/>
-              <a:t>fbs</a:t>
-            </a:r>
-            <a:r>
-              <a:rPr lang="en-US" dirty="0"/>
-              <a:t>): if </a:t>
-            </a:r>
-            <a:r>
-              <a:rPr lang="da-DK" dirty="0"/>
-              <a:t>&gt; 120 mg/dl)  (1 = true; 0 = false)</a:t>
-            </a:r>
-          </a:p>
-          <a:p>
-            <a:pPr marL="800100" lvl="1" indent="-342900" algn="l">
-              <a:buFont typeface="+mj-lt"/>
-              <a:buAutoNum type="arabicPeriod"/>
-            </a:pPr>
-            <a:r>
-              <a:rPr lang="en-US" dirty="0"/>
-              <a:t>Resting Heart Rate (</a:t>
-            </a:r>
-            <a:r>
-              <a:rPr lang="en-US" dirty="0" err="1"/>
-              <a:t>thalrest</a:t>
-            </a:r>
-            <a:r>
-              <a:rPr lang="en-US" dirty="0"/>
-              <a:t>) = </a:t>
-            </a:r>
-            <a:r>
-              <a:rPr lang="en-US" dirty="0" err="1"/>
-              <a:t>thalrest</a:t>
-            </a:r>
-            <a:endParaRPr lang="en-US" dirty="0"/>
-          </a:p>
-          <a:p>
-            <a:pPr marL="800100" lvl="1" indent="-342900" algn="l">
-              <a:buFont typeface="+mj-lt"/>
-              <a:buAutoNum type="arabicPeriod"/>
-            </a:pPr>
-            <a:r>
-              <a:rPr lang="en-US" dirty="0"/>
-              <a:t>CDQ002 = Exercise Induced Angina (</a:t>
-            </a:r>
-            <a:r>
-              <a:rPr lang="en-US" dirty="0" err="1"/>
-              <a:t>exang</a:t>
-            </a:r>
-            <a:r>
-              <a:rPr lang="en-US" dirty="0"/>
-              <a:t>): 1 = yes; 0 = no</a:t>
-            </a:r>
-          </a:p>
-          <a:p>
-            <a:pPr marL="800100" lvl="1" indent="-342900" algn="l">
-              <a:buFont typeface="+mj-lt"/>
-              <a:buAutoNum type="arabicPeriod"/>
-            </a:pPr>
-            <a:r>
-              <a:rPr lang="en-US" dirty="0" err="1"/>
-              <a:t>Num</a:t>
-            </a:r>
-            <a:r>
-              <a:rPr lang="en-US" dirty="0"/>
-              <a:t> = Diagnosis of Heart Disease (</a:t>
-            </a:r>
-            <a:r>
-              <a:rPr lang="en-US" dirty="0" err="1"/>
-              <a:t>num</a:t>
-            </a:r>
-            <a:r>
-              <a:rPr lang="en-US" dirty="0"/>
-              <a:t>): based on angiographic disease status: &lt; 50% diameter narrowing = 0; &gt; 50% diameter narrowing = 1. Originally </a:t>
-            </a:r>
-            <a:r>
-              <a:rPr lang="en-US" dirty="0" err="1"/>
-              <a:t>num</a:t>
-            </a:r>
-            <a:r>
-              <a:rPr lang="en-US" dirty="0"/>
-              <a:t> was 0-4 with 0=no heart disease and 1-4=some form of heart disease. Changed all 1-4 values to 1=heart disease, left 0=no heart disease.</a:t>
+              <a:t>Background Information Details</a:t>
             </a:r>
           </a:p>
           <a:p>
@@ -21251,113 +20659,161 @@
                   <a:srgbClr val="00B050"/>
                 </a:solidFill>
               </a:rPr>
-              <a:t>Based on relevant and current literature, verify these attributes are major indicators of heart disease. </a:t>
-            </a:r>
-            <a:r>
-              <a:rPr lang="en-US" baseline="30000" dirty="0">
-                <a:solidFill>
-                  <a:srgbClr val="00B050"/>
-                </a:solidFill>
-              </a:rPr>
-              <a:t>(2, 3)</a:t>
-            </a:r>
+              <a:t>Datasets include 4 databases from 4 locations:</a:t>
+            </a:r>
+          </a:p>
+          <a:p>
+            <a:pPr marL="1257300" lvl="2" indent="-342900" algn="l">
+              <a:buFont typeface="Arial" panose="020B0604020202020204" pitchFamily="34" charset="0"/>
+              <a:buChar char="•"/>
+            </a:pPr>
+            <a:r>
+              <a:rPr lang="en-US" dirty="0"/>
+              <a:t>Cleveland: 	282 records</a:t>
+            </a:r>
+          </a:p>
+          <a:p>
+            <a:pPr marL="1257300" lvl="2" indent="-342900" algn="l">
+              <a:buFont typeface="Arial" panose="020B0604020202020204" pitchFamily="34" charset="0"/>
+              <a:buChar char="•"/>
+            </a:pPr>
+            <a:r>
+              <a:rPr lang="en-US" dirty="0"/>
+              <a:t>Hungary: 	294 records</a:t>
+            </a:r>
+          </a:p>
+          <a:p>
+            <a:pPr marL="1257300" lvl="2" indent="-342900" algn="l">
+              <a:buFont typeface="Arial" panose="020B0604020202020204" pitchFamily="34" charset="0"/>
+              <a:buChar char="•"/>
+            </a:pPr>
+            <a:r>
+              <a:rPr lang="en-US" dirty="0"/>
+              <a:t>Switzerland: 	123 records</a:t>
+            </a:r>
+          </a:p>
+          <a:p>
+            <a:pPr marL="1257300" lvl="2" indent="-342900" algn="l">
+              <a:buFont typeface="Arial" panose="020B0604020202020204" pitchFamily="34" charset="0"/>
+              <a:buChar char="•"/>
+            </a:pPr>
+            <a:r>
+              <a:rPr lang="en-US" dirty="0"/>
+              <a:t>Long Beach: 	200 records</a:t>
+            </a:r>
+          </a:p>
+          <a:p>
+            <a:pPr marL="800100" lvl="1" indent="-342900" algn="l">
+              <a:buFont typeface="Arial" panose="020B0604020202020204" pitchFamily="34" charset="0"/>
+              <a:buChar char="•"/>
+            </a:pPr>
             <a:r>
               <a:rPr lang="en-US" dirty="0">
                 <a:solidFill>
                   <a:srgbClr val="00B050"/>
                 </a:solidFill>
               </a:rPr>
+              <a:t>Database Source Clinics and Creators:</a:t>
+            </a:r>
+          </a:p>
+          <a:p>
+            <a:pPr marL="1257300" lvl="2" indent="-342900" algn="l">
+              <a:buFont typeface="+mj-lt"/>
+              <a:buAutoNum type="arabicPeriod"/>
+            </a:pPr>
+            <a:r>
+              <a:rPr lang="en-US" dirty="0"/>
+              <a:t>Cleveland Clinic Foundation: Robert </a:t>
+            </a:r>
+            <a:r>
+              <a:rPr lang="en-US" dirty="0" err="1"/>
+              <a:t>Detrano</a:t>
+            </a:r>
+            <a:r>
+              <a:rPr lang="en-US" dirty="0"/>
+              <a:t>, M.D., Ph.D.</a:t>
+            </a:r>
+          </a:p>
+          <a:p>
+            <a:pPr marL="1258888" lvl="2" indent="-344488" algn="l">
+              <a:buFont typeface="+mj-lt"/>
+              <a:buAutoNum type="arabicPeriod"/>
+            </a:pPr>
+            <a:r>
+              <a:rPr lang="en-US" dirty="0"/>
+              <a:t>Hungarian Institute of Cardiology. Budapest: </a:t>
+            </a:r>
+            <a:r>
+              <a:rPr lang="en-US" dirty="0" err="1"/>
+              <a:t>Andras</a:t>
+            </a:r>
+            <a:r>
+              <a:rPr lang="en-US" dirty="0"/>
               <a:t> </a:t>
             </a:r>
-          </a:p>
-          <a:p>
-            <a:pPr marL="1257300" lvl="2" indent="-342900" algn="l">
-              <a:buFont typeface="Arial" panose="020B0604020202020204" pitchFamily="34" charset="0"/>
-              <a:buChar char="•"/>
+            <a:r>
+              <a:rPr lang="en-US" dirty="0" err="1"/>
+              <a:t>Janosi</a:t>
+            </a:r>
+            <a:r>
+              <a:rPr lang="en-US" dirty="0"/>
+              <a:t>, M.D.</a:t>
+            </a:r>
+          </a:p>
+          <a:p>
+            <a:pPr marL="1258888" lvl="2" indent="-344488" algn="l">
+              <a:buFont typeface="+mj-lt"/>
+              <a:buAutoNum type="arabicPeriod"/>
             </a:pPr>
             <a:r>
               <a:rPr lang="en-US" dirty="0"/>
-              <a:t>Used Python to clean up data for 4 columns: </a:t>
-            </a:r>
-          </a:p>
-          <a:p>
-            <a:pPr marL="1714500" lvl="3" indent="-342900" algn="l">
-              <a:buFont typeface="Arial" panose="020B0604020202020204" pitchFamily="34" charset="0"/>
-              <a:buChar char="•"/>
+              <a:t>Switzerland:</a:t>
+            </a:r>
+          </a:p>
+          <a:p>
+            <a:pPr marL="1716088" lvl="3" indent="-344488" algn="l">
+              <a:buFont typeface="+mj-lt"/>
+              <a:buAutoNum type="alphaLcPeriod"/>
             </a:pPr>
             <a:r>
+              <a:rPr lang="de-DE" dirty="0"/>
+              <a:t>University Hospital, Zurich, Switzerland: William Steinbrunn, M.D.</a:t>
+            </a:r>
+          </a:p>
+          <a:p>
+            <a:pPr marL="1716088" lvl="3" indent="-344488" algn="l">
+              <a:buFont typeface="+mj-lt"/>
+              <a:buAutoNum type="alphaLcPeriod"/>
+            </a:pPr>
+            <a:r>
               <a:rPr lang="en-US" dirty="0"/>
-              <a:t>‘Sex’: if != 1, set ‘Sex’=0; </a:t>
-            </a:r>
-          </a:p>
-          <a:p>
-            <a:pPr marL="1714500" lvl="3" indent="-342900" algn="l">
-              <a:buFont typeface="Arial" panose="020B0604020202020204" pitchFamily="34" charset="0"/>
-              <a:buChar char="•"/>
+              <a:t>University Hospital, Basel, Switzerland: Matthias </a:t>
+            </a:r>
+            <a:r>
+              <a:rPr lang="en-US" dirty="0" err="1"/>
+              <a:t>Pfisterer</a:t>
+            </a:r>
+            <a:r>
+              <a:rPr lang="en-US" dirty="0"/>
+              <a:t>, M.D.</a:t>
+            </a:r>
+          </a:p>
+          <a:p>
+            <a:pPr marL="1258888" lvl="2" indent="-344488" algn="l">
+              <a:buFont typeface="+mj-lt"/>
+              <a:buAutoNum type="arabicPeriod"/>
             </a:pPr>
             <a:r>
               <a:rPr lang="en-US" dirty="0"/>
-              <a:t>‘</a:t>
+              <a:t>V.A. Medical Center, Long Beach, CA: Robert </a:t>
             </a:r>
             <a:r>
               <a:rPr lang="en-US" dirty="0" err="1"/>
-              <a:t>cp</a:t>
+              <a:t>Detrano</a:t>
             </a:r>
             <a:r>
               <a:rPr lang="en-US" dirty="0"/>
-              <a:t>’: if != 1, set ‘</a:t>
-            </a:r>
-            <a:r>
-              <a:rPr lang="en-US" dirty="0" err="1"/>
-              <a:t>cp</a:t>
-            </a:r>
-            <a:r>
-              <a:rPr lang="en-US" dirty="0"/>
-              <a:t>’=0, </a:t>
-            </a:r>
-          </a:p>
-          <a:p>
-            <a:pPr marL="1714500" lvl="3" indent="-342900" algn="l">
-              <a:buFont typeface="Arial" panose="020B0604020202020204" pitchFamily="34" charset="0"/>
-              <a:buChar char="•"/>
-            </a:pPr>
-            <a:r>
-              <a:rPr lang="en-US" dirty="0"/>
-              <a:t>‘CDQ002’: if != 1, set ‘CDQ002’=0 (=</a:t>
-            </a:r>
-            <a:r>
-              <a:rPr lang="en-US" dirty="0" err="1"/>
-              <a:t>exang</a:t>
-            </a:r>
-            <a:r>
-              <a:rPr lang="en-US" dirty="0"/>
-              <a:t>)</a:t>
-            </a:r>
-          </a:p>
-          <a:p>
-            <a:pPr marL="1714500" lvl="3" indent="-342900" algn="l">
-              <a:buFont typeface="Arial" panose="020B0604020202020204" pitchFamily="34" charset="0"/>
-              <a:buChar char="•"/>
-            </a:pPr>
-            <a:r>
-              <a:rPr lang="en-US" dirty="0"/>
-              <a:t>‘</a:t>
-            </a:r>
-            <a:r>
-              <a:rPr lang="en-US" dirty="0" err="1"/>
-              <a:t>Num</a:t>
-            </a:r>
-            <a:r>
-              <a:rPr lang="en-US" dirty="0"/>
-              <a:t>’ != 1, set ‘</a:t>
-            </a:r>
-            <a:r>
-              <a:rPr lang="en-US" dirty="0" err="1"/>
-              <a:t>Num</a:t>
-            </a:r>
-            <a:r>
-              <a:rPr lang="en-US" dirty="0"/>
-              <a:t> = 0</a:t>
+              <a:t>, M.D., Ph.D.</a:t>
             </a:r>
           </a:p>
           <a:p>
@@ -21371,15 +20827,58 @@
                   <a:srgbClr val="00B050"/>
                 </a:solidFill>
               </a:rPr>
-              <a:t>Use trained model to predict: who will/will not develop heart disease for NHANES dataset</a:t>
-            </a:r>
+              <a:t>Data Analyzed:</a:t>
+            </a:r>
+          </a:p>
+          <a:p>
+            <a:pPr marL="1257300" lvl="2" indent="-342900" algn="l">
+              <a:buFont typeface="+mj-lt"/>
+              <a:buAutoNum type="arabicPeriod"/>
+            </a:pPr>
+            <a:r>
+              <a:rPr lang="en-US" u="sng" dirty="0"/>
+              <a:t>Original dataset</a:t>
+            </a:r>
+            <a:r>
+              <a:rPr lang="en-US" dirty="0"/>
+              <a:t>: 920 records with 14 attributes</a:t>
+            </a:r>
+          </a:p>
+          <a:p>
+            <a:pPr marL="1257300" lvl="2" indent="-342900" algn="l">
+              <a:buFont typeface="+mj-lt"/>
+              <a:buAutoNum type="arabicPeriod"/>
+            </a:pPr>
+            <a:r>
+              <a:rPr lang="en-US" u="sng" dirty="0"/>
+              <a:t>Cleaned dataset</a:t>
+            </a:r>
+            <a:r>
+              <a:rPr lang="en-US" dirty="0"/>
+              <a:t>: 899 records with </a:t>
+            </a:r>
+            <a:r>
+              <a:rPr lang="en-US" dirty="0" smtClean="0"/>
+              <a:t>8 </a:t>
+            </a:r>
+            <a:r>
+              <a:rPr lang="en-US" dirty="0"/>
+              <a:t>attributes</a:t>
+            </a:r>
+          </a:p>
+          <a:p>
+            <a:pPr marL="800100" lvl="1" indent="-342900" algn="l">
+              <a:buFont typeface="Arial" panose="020B0604020202020204" pitchFamily="34" charset="0"/>
+              <a:buChar char="•"/>
+            </a:pPr>
+            <a:endParaRPr lang="en-US" dirty="0"/>
           </a:p>
         </p:txBody>
       </p:sp>
     </p:spTree>
     <p:extLst>
       <p:ext uri="{BB962C8B-B14F-4D97-AF65-F5344CB8AC3E}">
-        <p14:creationId xmlns:p14="http://schemas.microsoft.com/office/powerpoint/2010/main" val="1463539465"/>
+        <p14:creationId xmlns:p14="http://schemas.microsoft.com/office/powerpoint/2010/main" val="1144259091"/>
       </p:ext>
     </p:extLst>
   </p:cSld>
@@ -21432,7 +20931,7 @@
               <a:rPr lang="en-US" sz="3600" b="1" dirty="0">
                 <a:latin typeface="Cambria" panose="02040503050406030204" pitchFamily="18" charset="0"/>
               </a:rPr>
-              <a:t>UCI Dataset Information</a:t>
+              <a:t>NHANES Dataset Information</a:t>
             </a:r>
           </a:p>
         </p:txBody>
@@ -21471,60 +20970,48 @@
               </a:rPr>
               <a:t>Background Information Details</a:t>
             </a:r>
+            <a:endParaRPr lang="en-US" dirty="0">
+              <a:solidFill>
+                <a:srgbClr val="00B050"/>
+              </a:solidFill>
+            </a:endParaRPr>
           </a:p>
           <a:p>
             <a:pPr marL="800100" lvl="1" indent="-342900" algn="l">
               <a:buFont typeface="Arial" panose="020B0604020202020204" pitchFamily="34" charset="0"/>
               <a:buChar char="•"/>
             </a:pPr>
+            <a:r>
+              <a:rPr lang="en-US" dirty="0" smtClean="0">
+                <a:solidFill>
+                  <a:srgbClr val="00B050"/>
+                </a:solidFill>
+              </a:rPr>
+              <a:t>2013-2014 Datasets </a:t>
+            </a:r>
             <a:r>
               <a:rPr lang="en-US" dirty="0">
                 <a:solidFill>
                   <a:srgbClr val="00B050"/>
                 </a:solidFill>
               </a:rPr>
-              <a:t>Datasets include 4 databases from 4 locations:</a:t>
-            </a:r>
-          </a:p>
-          <a:p>
-            <a:pPr marL="1257300" lvl="2" indent="-342900" algn="l">
+              <a:t>include </a:t>
+            </a:r>
+            <a:r>
+              <a:rPr lang="en-US" dirty="0" smtClean="0"/>
+              <a:t>1 databases (4 datasets)</a:t>
+            </a:r>
+          </a:p>
+          <a:p>
+            <a:pPr marL="800100" lvl="1" indent="-342900" algn="l">
               <a:buFont typeface="Arial" panose="020B0604020202020204" pitchFamily="34" charset="0"/>
               <a:buChar char="•"/>
             </a:pPr>
             <a:r>
-              <a:rPr lang="en-US" dirty="0"/>
-              <a:t>Cleveland: 	282 records</a:t>
-            </a:r>
-          </a:p>
-          <a:p>
-            <a:pPr marL="1257300" lvl="2" indent="-342900" algn="l">
-              <a:buFont typeface="Arial" panose="020B0604020202020204" pitchFamily="34" charset="0"/>
-              <a:buChar char="•"/>
-            </a:pPr>
-            <a:r>
-              <a:rPr lang="en-US" dirty="0"/>
-              <a:t>Hungary: 	294 records</a:t>
-            </a:r>
-          </a:p>
-          <a:p>
-            <a:pPr marL="1257300" lvl="2" indent="-342900" algn="l">
-              <a:buFont typeface="Arial" panose="020B0604020202020204" pitchFamily="34" charset="0"/>
-              <a:buChar char="•"/>
-            </a:pPr>
-            <a:r>
-              <a:rPr lang="en-US" dirty="0"/>
-              <a:t>Switzerland: 	123 records</a:t>
-            </a:r>
-          </a:p>
-          <a:p>
-            <a:pPr marL="1257300" lvl="2" indent="-342900" algn="l">
-              <a:buFont typeface="Arial" panose="020B0604020202020204" pitchFamily="34" charset="0"/>
-              <a:buChar char="•"/>
-            </a:pPr>
-            <a:r>
-              <a:rPr lang="en-US" dirty="0"/>
-              <a:t>Long Beach: 	200 records</a:t>
-            </a:r>
+              <a:rPr lang="en-US" dirty="0" smtClean="0"/>
+              <a:t>5,000 individuals interviewed</a:t>
+            </a:r>
+            <a:endParaRPr lang="en-US" dirty="0"/>
           </a:p>
           <a:p>
             <a:pPr marL="800100" lvl="1" indent="-342900" algn="l">
@@ -21537,121 +21024,51 @@
                   <a:srgbClr val="00B050"/>
                 </a:solidFill>
               </a:rPr>
-              <a:t>Database Source Clinics and Creators:</a:t>
-            </a:r>
-          </a:p>
-          <a:p>
-            <a:pPr marL="1257300" lvl="2" indent="-342900" algn="l">
-              <a:buFont typeface="+mj-lt"/>
-              <a:buAutoNum type="arabicPeriod"/>
-            </a:pPr>
-            <a:r>
-              <a:rPr lang="en-US" dirty="0"/>
-              <a:t>Cleveland Clinic Foundation: Robert </a:t>
-            </a:r>
-            <a:r>
-              <a:rPr lang="en-US" dirty="0" err="1"/>
-              <a:t>Detrano</a:t>
-            </a:r>
-            <a:r>
-              <a:rPr lang="en-US" dirty="0"/>
-              <a:t>, M.D., Ph.D.</a:t>
-            </a:r>
-          </a:p>
-          <a:p>
-            <a:pPr marL="1258888" lvl="2" indent="-344488" algn="l">
-              <a:buFont typeface="+mj-lt"/>
-              <a:buAutoNum type="arabicPeriod"/>
-            </a:pPr>
-            <a:r>
-              <a:rPr lang="en-US" dirty="0"/>
-              <a:t>Hungarian Institute of Cardiology. Budapest: </a:t>
-            </a:r>
-            <a:r>
-              <a:rPr lang="en-US" dirty="0" err="1"/>
-              <a:t>Andras</a:t>
-            </a:r>
-            <a:r>
-              <a:rPr lang="en-US" dirty="0"/>
-              <a:t> </a:t>
-            </a:r>
-            <a:r>
-              <a:rPr lang="en-US" dirty="0" err="1"/>
-              <a:t>Janosi</a:t>
-            </a:r>
-            <a:r>
-              <a:rPr lang="en-US" dirty="0"/>
-              <a:t>, M.D.</a:t>
-            </a:r>
-          </a:p>
-          <a:p>
-            <a:pPr marL="1258888" lvl="2" indent="-344488" algn="l">
-              <a:buFont typeface="+mj-lt"/>
-              <a:buAutoNum type="arabicPeriod"/>
-            </a:pPr>
-            <a:r>
-              <a:rPr lang="en-US" dirty="0"/>
-              <a:t>Switzerland:</a:t>
-            </a:r>
-          </a:p>
-          <a:p>
-            <a:pPr marL="1716088" lvl="3" indent="-344488" algn="l">
-              <a:buFont typeface="+mj-lt"/>
-              <a:buAutoNum type="alphaLcPeriod"/>
-            </a:pPr>
-            <a:r>
-              <a:rPr lang="de-DE" dirty="0"/>
-              <a:t>University Hospital, Zurich, Switzerland: William Steinbrunn, M.D.</a:t>
-            </a:r>
-          </a:p>
-          <a:p>
-            <a:pPr marL="1716088" lvl="3" indent="-344488" algn="l">
-              <a:buFont typeface="+mj-lt"/>
-              <a:buAutoNum type="alphaLcPeriod"/>
-            </a:pPr>
-            <a:r>
-              <a:rPr lang="en-US" dirty="0"/>
-              <a:t>University Hospital, Basel, Switzerland: Matthias </a:t>
-            </a:r>
-            <a:r>
-              <a:rPr lang="en-US" dirty="0" err="1"/>
-              <a:t>Pfisterer</a:t>
-            </a:r>
-            <a:r>
-              <a:rPr lang="en-US" dirty="0"/>
-              <a:t>, M.D.</a:t>
-            </a:r>
-          </a:p>
-          <a:p>
-            <a:pPr marL="1258888" lvl="2" indent="-344488" algn="l">
-              <a:buFont typeface="+mj-lt"/>
-              <a:buAutoNum type="arabicPeriod"/>
-            </a:pPr>
-            <a:r>
-              <a:rPr lang="en-US" dirty="0"/>
-              <a:t>V.A. Medical Center, Long Beach, CA: Robert </a:t>
-            </a:r>
-            <a:r>
-              <a:rPr lang="en-US" dirty="0" err="1"/>
-              <a:t>Detrano</a:t>
-            </a:r>
-            <a:r>
-              <a:rPr lang="en-US" dirty="0"/>
-              <a:t>, M.D., Ph.D.</a:t>
-            </a:r>
-          </a:p>
-          <a:p>
-            <a:pPr marL="800100" lvl="1" indent="-342900" algn="l">
-              <a:buFont typeface="Arial" panose="020B0604020202020204" pitchFamily="34" charset="0"/>
-              <a:buChar char="•"/>
-            </a:pPr>
+              <a:t>Database Source </a:t>
+            </a:r>
+            <a:r>
+              <a:rPr lang="en-US" dirty="0" smtClean="0">
+                <a:solidFill>
+                  <a:srgbClr val="00B050"/>
+                </a:solidFill>
+              </a:rPr>
+              <a:t>Creators</a:t>
+            </a:r>
             <a:r>
               <a:rPr lang="en-US" dirty="0">
                 <a:solidFill>
                   <a:srgbClr val="00B050"/>
                 </a:solidFill>
               </a:rPr>
-              <a:t>Data Analyzed:</a:t>
+              <a:t>:</a:t>
+            </a:r>
+          </a:p>
+          <a:p>
+            <a:r>
+              <a:rPr lang="en-US" sz="2000" dirty="0"/>
+              <a:t>The National Center for Health Statistics (NCHS), Division of Health and Nutrition Examination Surveys (DHANES), part of the Center for Disease Control and Prevention (CDC)</a:t>
+            </a:r>
+          </a:p>
+          <a:p>
+            <a:pPr marL="342900" indent="-342900" algn="l">
+              <a:buFont typeface="Arial" panose="020B0604020202020204" pitchFamily="34" charset="0"/>
+              <a:buChar char="•"/>
+            </a:pPr>
+            <a:r>
+              <a:rPr lang="en-US" dirty="0" smtClean="0">
+                <a:solidFill>
+                  <a:srgbClr val="0070C0"/>
+                </a:solidFill>
+              </a:rPr>
+              <a:t>Background</a:t>
+            </a:r>
+            <a:r>
+              <a:rPr lang="en-US" dirty="0">
+                <a:solidFill>
+                  <a:srgbClr val="00B050"/>
+                </a:solidFill>
+              </a:rPr>
+              <a:t>:</a:t>
             </a:r>
           </a:p>
           <a:p>
@@ -21665,7 +21082,23 @@
             </a:r>
             <a:r>
               <a:rPr lang="en-US" dirty="0"/>
-              <a:t>: 920 records with 14 attributes</a:t>
+              <a:t>: </a:t>
+            </a:r>
+            <a:r>
+              <a:rPr lang="en-US" dirty="0" smtClean="0"/>
+              <a:t>10,000 </a:t>
+            </a:r>
+            <a:r>
+              <a:rPr lang="en-US" dirty="0"/>
+              <a:t>records with </a:t>
+            </a:r>
+            <a:r>
+              <a:rPr lang="en-US" dirty="0" smtClean="0"/>
+              <a:t>48-224 </a:t>
+            </a:r>
+            <a:r>
+              <a:rPr lang="en-US" dirty="0"/>
+              <a:t>attributes</a:t>
             </a:r>
           </a:p>
           <a:p>
@@ -21679,7 +21112,15 @@
             </a:r>
             <a:r>
               <a:rPr lang="en-US" dirty="0"/>
-              <a:t>: 899 records with 9 attributes</a:t>
+              <a:t>: 646 records with </a:t>
+            </a:r>
+            <a:r>
+              <a:rPr lang="en-US" dirty="0" smtClean="0"/>
+              <a:t>8 </a:t>
+            </a:r>
+            <a:r>
+              <a:rPr lang="en-US" dirty="0"/>
+              <a:t>attributes</a:t>
             </a:r>
           </a:p>
           <a:p>
@@ -21694,7 +21135,7 @@
     </p:spTree>
     <p:extLst>
       <p:ext uri="{BB962C8B-B14F-4D97-AF65-F5344CB8AC3E}">
-        <p14:creationId xmlns:p14="http://schemas.microsoft.com/office/powerpoint/2010/main" val="1144259091"/>
+        <p14:creationId xmlns:p14="http://schemas.microsoft.com/office/powerpoint/2010/main" val="2400195867"/>
       </p:ext>
     </p:extLst>
   </p:cSld>
@@ -21747,7 +21188,7 @@
               <a:rPr lang="en-US" sz="3600" b="1" dirty="0">
                 <a:latin typeface="Cambria" panose="02040503050406030204" pitchFamily="18" charset="0"/>
               </a:rPr>
-              <a:t>NHANES Dataset Information</a:t>
+              <a:t>UCI Dataset Assumptions</a:t>
             </a:r>
           </a:p>
         </p:txBody>
@@ -21774,129 +21215,176 @@
           </a:bodyPr>
           <a:lstStyle/>
           <a:p>
-            <a:pPr marL="342900" indent="-342900" algn="l">
+            <a:pPr marL="457200" indent="-457200" algn="l">
+              <a:buFont typeface="+mj-lt"/>
+              <a:buAutoNum type="arabicPeriod"/>
+            </a:pPr>
+            <a:r>
+              <a:rPr lang="en-US" dirty="0"/>
+              <a:t>Chose </a:t>
+            </a:r>
+            <a:r>
+              <a:rPr lang="en-US" dirty="0" smtClean="0"/>
+              <a:t>8 </a:t>
+            </a:r>
+            <a:r>
+              <a:rPr lang="en-US" dirty="0"/>
+              <a:t>attributes from the set </a:t>
+            </a:r>
+            <a:r>
+              <a:rPr lang="en-US" dirty="0" smtClean="0"/>
+              <a:t>that:</a:t>
+            </a:r>
+          </a:p>
+          <a:p>
+            <a:pPr marL="1257300" lvl="2" indent="-342900" algn="l">
               <a:buFont typeface="Arial" panose="020B0604020202020204" pitchFamily="34" charset="0"/>
               <a:buChar char="•"/>
             </a:pPr>
             <a:r>
-              <a:rPr lang="en-US" dirty="0">
-                <a:solidFill>
-                  <a:srgbClr val="0070C0"/>
-                </a:solidFill>
-              </a:rPr>
-              <a:t>Background Information Details</a:t>
-            </a:r>
-            <a:endParaRPr lang="en-US" dirty="0">
-              <a:solidFill>
-                <a:srgbClr val="00B050"/>
-              </a:solidFill>
-            </a:endParaRPr>
-          </a:p>
-          <a:p>
-            <a:pPr marL="800100" lvl="1" indent="-342900" algn="l">
+              <a:rPr lang="en-US" dirty="0"/>
+              <a:t>M</a:t>
+            </a:r>
+            <a:r>
+              <a:rPr lang="en-US" dirty="0" smtClean="0"/>
+              <a:t>ost </a:t>
+            </a:r>
+            <a:r>
+              <a:rPr lang="en-US" dirty="0"/>
+              <a:t>indicative of heart </a:t>
+            </a:r>
+            <a:r>
+              <a:rPr lang="en-US" dirty="0" smtClean="0"/>
+              <a:t>disease given our background research</a:t>
+            </a:r>
+          </a:p>
+          <a:p>
+            <a:pPr marL="1257300" lvl="2" indent="-342900" algn="l">
               <a:buFont typeface="Arial" panose="020B0604020202020204" pitchFamily="34" charset="0"/>
               <a:buChar char="•"/>
             </a:pPr>
             <a:r>
-              <a:rPr lang="en-US" dirty="0">
-                <a:solidFill>
-                  <a:srgbClr val="00B050"/>
-                </a:solidFill>
-              </a:rPr>
-              <a:t>Datasets include </a:t>
-            </a:r>
-            <a:r>
-              <a:rPr lang="en-US" dirty="0"/>
-              <a:t>records</a:t>
-            </a:r>
-          </a:p>
-          <a:p>
-            <a:pPr marL="800100" lvl="1" indent="-342900" algn="l">
+              <a:rPr lang="en-US" dirty="0" smtClean="0"/>
+              <a:t>Matched attributes that were measured in NHANES dataset</a:t>
+            </a:r>
+            <a:endParaRPr lang="en-US" dirty="0"/>
+          </a:p>
+          <a:p>
+            <a:pPr marL="1257300" lvl="2" indent="-342900" algn="l">
               <a:buFont typeface="Arial" panose="020B0604020202020204" pitchFamily="34" charset="0"/>
               <a:buChar char="•"/>
             </a:pPr>
             <a:r>
-              <a:rPr lang="en-US" dirty="0">
-                <a:solidFill>
-                  <a:srgbClr val="00B050"/>
-                </a:solidFill>
-              </a:rPr>
-              <a:t>Database Source Clinics and Creators:</a:t>
+              <a:rPr lang="en-US" dirty="0"/>
+              <a:t>Age, sex, </a:t>
+            </a:r>
+            <a:r>
+              <a:rPr lang="en-US" dirty="0" smtClean="0"/>
+              <a:t>experienced chest pain, resting blood pressure, cholesterol, fasting blood sugar, resting heart rate, and experienced chest pain after </a:t>
+            </a:r>
+            <a:r>
+              <a:rPr lang="en-US" dirty="0" smtClean="0"/>
+              <a:t>exercise.</a:t>
             </a:r>
           </a:p>
           <a:p>
             <a:pPr marL="1257300" lvl="2" indent="-342900" algn="l">
-              <a:buFont typeface="+mj-lt"/>
-              <a:buAutoNum type="arabicPeriod"/>
-            </a:pPr>
-            <a:r>
-              <a:rPr lang="en-US" dirty="0"/>
-              <a:t>, M.D., Ph.D.</a:t>
-            </a:r>
-          </a:p>
-          <a:p>
-            <a:pPr marL="342900" indent="-342900" algn="l">
-              <a:buFont typeface="Arial" panose="020B0604020202020204" pitchFamily="34" charset="0"/>
-              <a:buChar char="•"/>
-            </a:pPr>
-            <a:r>
-              <a:rPr lang="en-US" dirty="0">
-                <a:solidFill>
-                  <a:srgbClr val="0070C0"/>
-                </a:solidFill>
-              </a:rPr>
-              <a:t>Background</a:t>
-            </a:r>
-            <a:r>
-              <a:rPr lang="en-US" dirty="0">
-                <a:solidFill>
-                  <a:srgbClr val="00B050"/>
-                </a:solidFill>
-              </a:rPr>
-              <a:t>:</a:t>
-            </a:r>
-          </a:p>
-          <a:p>
-            <a:pPr marL="1257300" lvl="2" indent="-342900" algn="l">
-              <a:buFont typeface="+mj-lt"/>
-              <a:buAutoNum type="arabicPeriod"/>
-            </a:pPr>
-            <a:r>
-              <a:rPr lang="en-US" u="sng" dirty="0"/>
-              <a:t>Original dataset</a:t>
-            </a:r>
-            <a:r>
-              <a:rPr lang="en-US" dirty="0"/>
-              <a:t>: 10,000?? records with ?? attributes</a:t>
-            </a:r>
-          </a:p>
-          <a:p>
-            <a:pPr marL="1257300" lvl="2" indent="-342900" algn="l">
-              <a:buFont typeface="+mj-lt"/>
-              <a:buAutoNum type="arabicPeriod"/>
-            </a:pPr>
-            <a:r>
-              <a:rPr lang="en-US" u="sng" dirty="0"/>
-              <a:t>Cleaned dataset</a:t>
-            </a:r>
-            <a:r>
-              <a:rPr lang="en-US" dirty="0"/>
-              <a:t>: 646 records with 9 attributes</a:t>
-            </a:r>
-          </a:p>
-          <a:p>
-            <a:pPr marL="800100" lvl="1" indent="-342900" algn="l">
               <a:buFont typeface="Arial" panose="020B0604020202020204" pitchFamily="34" charset="0"/>
               <a:buChar char="•"/>
             </a:pPr>
             <a:endParaRPr lang="en-US" dirty="0"/>
+          </a:p>
+          <a:p>
+            <a:pPr marL="457200" indent="-457200" algn="l">
+              <a:buFont typeface="+mj-lt"/>
+              <a:buAutoNum type="arabicPeriod"/>
+            </a:pPr>
+            <a:r>
+              <a:rPr lang="en-US" dirty="0" smtClean="0"/>
+              <a:t>Data </a:t>
+            </a:r>
+            <a:r>
+              <a:rPr lang="en-US" dirty="0" smtClean="0"/>
+              <a:t>for experienced chest pain and CAD disease status were stratified in dataset.  Simplified the data to yes/no</a:t>
+            </a:r>
+            <a:r>
+              <a:rPr lang="en-US" dirty="0" smtClean="0"/>
+              <a:t>.</a:t>
+            </a:r>
+          </a:p>
+          <a:p>
+            <a:pPr marL="457200" indent="-457200" algn="l">
+              <a:buFont typeface="+mj-lt"/>
+              <a:buAutoNum type="arabicPeriod"/>
+            </a:pPr>
+            <a:endParaRPr lang="en-US" dirty="0" smtClean="0"/>
+          </a:p>
+          <a:p>
+            <a:pPr marL="457200" indent="-457200" algn="l">
+              <a:buFont typeface="+mj-lt"/>
+              <a:buAutoNum type="arabicPeriod"/>
+            </a:pPr>
+            <a:r>
+              <a:rPr lang="en-US" dirty="0" smtClean="0"/>
+              <a:t>Records </a:t>
+            </a:r>
+            <a:r>
+              <a:rPr lang="en-US" dirty="0" smtClean="0"/>
+              <a:t>missing experienced chest pain and experienced chest pain after exercise were dropped</a:t>
+            </a:r>
+            <a:r>
+              <a:rPr lang="en-US" dirty="0" smtClean="0"/>
+              <a:t>.</a:t>
+            </a:r>
+          </a:p>
+          <a:p>
+            <a:pPr marL="457200" indent="-457200" algn="l">
+              <a:buFont typeface="+mj-lt"/>
+              <a:buAutoNum type="arabicPeriod"/>
+            </a:pPr>
+            <a:endParaRPr lang="en-US" dirty="0"/>
+          </a:p>
+          <a:p>
+            <a:pPr marL="457200" indent="-457200" algn="l">
+              <a:buFont typeface="+mj-lt"/>
+              <a:buAutoNum type="arabicPeriod"/>
+            </a:pPr>
+            <a:r>
+              <a:rPr lang="en-US" dirty="0" smtClean="0"/>
+              <a:t>Missing </a:t>
+            </a:r>
+            <a:r>
+              <a:rPr lang="en-US" dirty="0" smtClean="0"/>
+              <a:t>values for resting blood pressure, cholesterol, fasting blood sugar and resting heart rate were replaced with mean value from age group. </a:t>
+            </a:r>
+          </a:p>
+          <a:p>
+            <a:pPr marL="457200" indent="-457200" algn="l">
+              <a:buFont typeface="+mj-lt"/>
+              <a:buAutoNum type="arabicPeriod"/>
+            </a:pPr>
+            <a:endParaRPr lang="en-US" dirty="0"/>
+          </a:p>
+          <a:p>
+            <a:pPr marL="457200" indent="-457200" algn="l">
+              <a:buFont typeface="+mj-lt"/>
+              <a:buAutoNum type="arabicPeriod"/>
+            </a:pPr>
+            <a:endParaRPr lang="en-US" dirty="0"/>
+          </a:p>
+          <a:p>
+            <a:pPr marL="457200" indent="-457200" algn="l">
+              <a:buFont typeface="+mj-lt"/>
+              <a:buAutoNum type="arabicPeriod"/>
+            </a:pPr>
+            <a:endParaRPr lang="en-US" i="1" dirty="0"/>
           </a:p>
         </p:txBody>
       </p:sp>
     </p:spTree>
     <p:extLst>
       <p:ext uri="{BB962C8B-B14F-4D97-AF65-F5344CB8AC3E}">
-        <p14:creationId xmlns:p14="http://schemas.microsoft.com/office/powerpoint/2010/main" val="321365044"/>
+        <p14:creationId xmlns:p14="http://schemas.microsoft.com/office/powerpoint/2010/main" val="1234614967"/>
       </p:ext>
     </p:extLst>
   </p:cSld>
@@ -21949,7 +21437,7 @@
               <a:rPr lang="en-US" sz="3600" b="1" dirty="0">
                 <a:latin typeface="Cambria" panose="02040503050406030204" pitchFamily="18" charset="0"/>
               </a:rPr>
-              <a:t>UCI Dataset Assumptions</a:t>
+              <a:t>NHANES Dataset Assumptions</a:t>
             </a:r>
           </a:p>
         </p:txBody>
@@ -21976,13 +21464,13 @@
           </a:bodyPr>
           <a:lstStyle/>
           <a:p>
-            <a:pPr marL="457200" indent="-457200" algn="l">
-              <a:buFont typeface="+mj-lt"/>
-              <a:buAutoNum type="arabicPeriod"/>
+            <a:pPr marL="342900" indent="-342900" algn="l">
+              <a:buFont typeface="Arial" panose="020B0604020202020204" pitchFamily="34" charset="0"/>
+              <a:buChar char="•"/>
             </a:pPr>
             <a:r>
-              <a:rPr lang="en-US" dirty="0"/>
-              <a:t>Chose 9 attributes from the set that were most indicative of heart disease:</a:t>
+              <a:rPr lang="en-US" dirty="0" smtClean="0"/>
+              <a:t>Assumed  that:</a:t>
             </a:r>
           </a:p>
           <a:p>
@@ -21991,286 +21479,95 @@
               <a:buChar char="•"/>
             </a:pPr>
             <a:r>
+              <a:rPr lang="en-US" dirty="0" smtClean="0"/>
+              <a:t>“Have you ever experienced chest pain?” was equivalent to simplified “experienced chest pain” attribute from UCI</a:t>
+            </a:r>
+          </a:p>
+          <a:p>
+            <a:pPr marL="800100" lvl="1" indent="-342900" algn="l">
+              <a:buFont typeface="Arial" panose="020B0604020202020204" pitchFamily="34" charset="0"/>
+              <a:buChar char="•"/>
+            </a:pPr>
+            <a:r>
+              <a:rPr lang="en-US" dirty="0" smtClean="0"/>
+              <a:t>“Do you experience chest pain after walking uphill or walking quickly?” was equivalent to “experienced chest pain after bicycle exercise test” attribute from UCI</a:t>
+            </a:r>
+          </a:p>
+          <a:p>
+            <a:pPr marL="800100" lvl="1" indent="-342900" algn="l">
+              <a:buFont typeface="Arial" panose="020B0604020202020204" pitchFamily="34" charset="0"/>
+              <a:buChar char="•"/>
+            </a:pPr>
+            <a:r>
+              <a:rPr lang="en-US" dirty="0" smtClean="0"/>
+              <a:t>Third resting systolic blood pressure measurement (from a series of 4) was equivalent to the resting systolic blood pressure measurement from UCI</a:t>
+            </a:r>
+          </a:p>
+          <a:p>
+            <a:pPr marL="800100" lvl="1" indent="-342900" algn="l">
+              <a:buFont typeface="Arial" panose="020B0604020202020204" pitchFamily="34" charset="0"/>
+              <a:buChar char="•"/>
+            </a:pPr>
+            <a:r>
+              <a:rPr lang="en-US" dirty="0" smtClean="0"/>
+              <a:t>“Has your doctor ever told you that you have CAD?” was equivalent to the “CAD disease status” label from UCI</a:t>
+            </a:r>
+          </a:p>
+          <a:p>
+            <a:pPr marL="800100" lvl="1" indent="-342900" algn="l">
+              <a:buFont typeface="Arial" panose="020B0604020202020204" pitchFamily="34" charset="0"/>
+              <a:buChar char="•"/>
+            </a:pPr>
+            <a:endParaRPr lang="en-US" dirty="0" smtClean="0"/>
+          </a:p>
+          <a:p>
+            <a:pPr marL="342900" indent="-342900" algn="l">
+              <a:buFont typeface="Arial" panose="020B0604020202020204" pitchFamily="34" charset="0"/>
+              <a:buChar char="•"/>
+            </a:pPr>
+            <a:r>
+              <a:rPr lang="en-US" dirty="0" smtClean="0"/>
+              <a:t>Dropped records that were missing CAD disease status, experienced chest pain, and experienced chest pain after exercise</a:t>
+            </a:r>
+          </a:p>
+          <a:p>
+            <a:pPr marL="342900" indent="-342900" algn="l">
+              <a:buFont typeface="Arial" panose="020B0604020202020204" pitchFamily="34" charset="0"/>
+              <a:buChar char="•"/>
+            </a:pPr>
+            <a:endParaRPr lang="en-US" dirty="0" smtClean="0"/>
+          </a:p>
+          <a:p>
+            <a:pPr marL="342900" indent="-342900" algn="l">
+              <a:buFont typeface="Arial" panose="020B0604020202020204" pitchFamily="34" charset="0"/>
+              <a:buChar char="•"/>
+            </a:pPr>
+            <a:r>
               <a:rPr lang="en-US" dirty="0"/>
-              <a:t>Age, sex, </a:t>
-            </a:r>
-            <a:r>
-              <a:rPr lang="en-US" dirty="0" err="1"/>
-              <a:t>cp</a:t>
+              <a:t>Missing values for resting blood pressure, cholesterol, fasting blood </a:t>
+            </a:r>
+            <a:r>
+              <a:rPr lang="en-US" dirty="0" smtClean="0"/>
+              <a:t>sugar, </a:t>
             </a:r>
             <a:r>
               <a:rPr lang="en-US" dirty="0"/>
-              <a:t>, </a:t>
-            </a:r>
-            <a:r>
-              <a:rPr lang="en-US" dirty="0" err="1"/>
-              <a:t>trestbps</a:t>
-            </a:r>
-            <a:r>
-              <a:rPr lang="en-US" dirty="0"/>
-              <a:t>, </a:t>
-            </a:r>
-            <a:r>
-              <a:rPr lang="en-US" dirty="0" err="1"/>
-              <a:t>chol</a:t>
-            </a:r>
-            <a:r>
-              <a:rPr lang="en-US" dirty="0"/>
-              <a:t>, </a:t>
-            </a:r>
-            <a:r>
-              <a:rPr lang="en-US" dirty="0" err="1"/>
-              <a:t>fbs</a:t>
-            </a:r>
-            <a:r>
-              <a:rPr lang="en-US" dirty="0"/>
-              <a:t>, </a:t>
-            </a:r>
-            <a:r>
-              <a:rPr lang="en-US" dirty="0" err="1"/>
-              <a:t>thalrest</a:t>
-            </a:r>
-            <a:r>
-              <a:rPr lang="en-US" dirty="0"/>
-              <a:t>, </a:t>
-            </a:r>
-            <a:r>
-              <a:rPr lang="en-US" dirty="0" err="1"/>
-              <a:t>exang</a:t>
-            </a:r>
-            <a:r>
-              <a:rPr lang="en-US" dirty="0"/>
-              <a:t>, and </a:t>
-            </a:r>
-            <a:r>
-              <a:rPr lang="en-US" dirty="0" err="1"/>
-              <a:t>num</a:t>
-            </a:r>
-            <a:endParaRPr lang="en-US" dirty="0"/>
-          </a:p>
-          <a:p>
-            <a:pPr marL="457200" indent="-457200" algn="l">
-              <a:buFont typeface="+mj-lt"/>
-              <a:buAutoNum type="arabicPeriod"/>
-            </a:pPr>
-            <a:r>
-              <a:rPr lang="en-US" dirty="0"/>
-              <a:t>If '</a:t>
-            </a:r>
-            <a:r>
-              <a:rPr lang="en-US" dirty="0" err="1"/>
-              <a:t>trestbps</a:t>
-            </a:r>
-            <a:r>
-              <a:rPr lang="en-US" dirty="0"/>
-              <a:t>' == -9, set '</a:t>
-            </a:r>
-            <a:r>
-              <a:rPr lang="en-US" dirty="0" err="1"/>
-              <a:t>trestbps</a:t>
-            </a:r>
-            <a:r>
-              <a:rPr lang="en-US" dirty="0"/>
-              <a:t>' = None</a:t>
-            </a:r>
-          </a:p>
-          <a:p>
-            <a:pPr marL="457200" indent="-457200" algn="l">
-              <a:buFont typeface="+mj-lt"/>
-              <a:buAutoNum type="arabicPeriod"/>
-            </a:pPr>
-            <a:r>
-              <a:rPr lang="en-US" dirty="0"/>
-              <a:t>If ‘</a:t>
-            </a:r>
-            <a:r>
-              <a:rPr lang="en-US" dirty="0" err="1"/>
-              <a:t>chol</a:t>
-            </a:r>
-            <a:r>
-              <a:rPr lang="en-US" dirty="0"/>
-              <a:t>' == -9, set </a:t>
-            </a:r>
-            <a:r>
-              <a:rPr lang="en-US" dirty="0" err="1"/>
-              <a:t>chol</a:t>
-            </a:r>
-            <a:r>
-              <a:rPr lang="en-US" dirty="0"/>
-              <a:t>' = None or if ‘</a:t>
-            </a:r>
-            <a:r>
-              <a:rPr lang="en-US" dirty="0" err="1"/>
-              <a:t>chol</a:t>
-            </a:r>
-            <a:r>
-              <a:rPr lang="en-US" dirty="0"/>
-              <a:t>’ == 0, set ‘</a:t>
-            </a:r>
-            <a:r>
-              <a:rPr lang="en-US" dirty="0" err="1"/>
-              <a:t>chol</a:t>
-            </a:r>
-            <a:r>
-              <a:rPr lang="en-US" dirty="0"/>
-              <a:t>’ == None</a:t>
-            </a:r>
-          </a:p>
-          <a:p>
-            <a:pPr marL="457200" indent="-457200" algn="l">
-              <a:buFont typeface="+mj-lt"/>
-              <a:buAutoNum type="arabicPeriod"/>
-            </a:pPr>
-            <a:r>
-              <a:rPr lang="en-US" dirty="0"/>
-              <a:t>If ‘</a:t>
-            </a:r>
-            <a:r>
-              <a:rPr lang="en-US" dirty="0" err="1"/>
-              <a:t>thalrest</a:t>
-            </a:r>
-            <a:r>
-              <a:rPr lang="en-US" dirty="0"/>
-              <a:t>' == -9, set </a:t>
-            </a:r>
-            <a:r>
-              <a:rPr lang="en-US" dirty="0" err="1"/>
-              <a:t>thalrest</a:t>
-            </a:r>
-            <a:r>
-              <a:rPr lang="en-US" dirty="0"/>
-              <a:t> ' = None</a:t>
-            </a:r>
-          </a:p>
-          <a:p>
-            <a:pPr marL="457200" indent="-457200" algn="l">
-              <a:buFont typeface="+mj-lt"/>
-              <a:buAutoNum type="arabicPeriod"/>
-            </a:pPr>
-            <a:r>
-              <a:rPr lang="en-US" dirty="0"/>
-              <a:t>find the mean of </a:t>
-            </a:r>
-            <a:r>
-              <a:rPr lang="en-US" dirty="0" err="1"/>
-              <a:t>trestbps</a:t>
-            </a:r>
-            <a:r>
-              <a:rPr lang="en-US" dirty="0"/>
-              <a:t> (resting bps) by age and use mean to fill in empty </a:t>
-            </a:r>
-            <a:r>
-              <a:rPr lang="en-US" dirty="0" err="1"/>
-              <a:t>trestbps</a:t>
-            </a:r>
-            <a:r>
-              <a:rPr lang="en-US" dirty="0"/>
-              <a:t> values with mean for age</a:t>
-            </a:r>
-          </a:p>
-          <a:p>
-            <a:pPr marL="457200" indent="-457200" algn="l">
-              <a:buFont typeface="+mj-lt"/>
-              <a:buAutoNum type="arabicPeriod"/>
-            </a:pPr>
-            <a:r>
-              <a:rPr lang="en-US" dirty="0"/>
-              <a:t>find the mean of </a:t>
-            </a:r>
-            <a:r>
-              <a:rPr lang="en-US" dirty="0" err="1"/>
-              <a:t>chol</a:t>
-            </a:r>
-            <a:r>
-              <a:rPr lang="en-US" dirty="0"/>
-              <a:t> (cholesterol) by age and use mean to fill in empty </a:t>
-            </a:r>
-            <a:r>
-              <a:rPr lang="en-US" dirty="0" err="1"/>
-              <a:t>chol</a:t>
-            </a:r>
-            <a:r>
-              <a:rPr lang="en-US" dirty="0"/>
-              <a:t> values with mean for age</a:t>
-            </a:r>
-          </a:p>
-          <a:p>
-            <a:pPr marL="457200" indent="-457200" algn="l">
-              <a:buFont typeface="+mj-lt"/>
-              <a:buAutoNum type="arabicPeriod"/>
-            </a:pPr>
-            <a:r>
-              <a:rPr lang="en-US" dirty="0"/>
-              <a:t>find the mean of </a:t>
-            </a:r>
-            <a:r>
-              <a:rPr lang="en-US" dirty="0" err="1"/>
-              <a:t>thalrest</a:t>
-            </a:r>
-            <a:r>
-              <a:rPr lang="en-US" dirty="0"/>
-              <a:t> (resting ???) by age and use mean to fill in empty </a:t>
-            </a:r>
-            <a:r>
-              <a:rPr lang="en-US" dirty="0" err="1"/>
-              <a:t>thalrest</a:t>
-            </a:r>
-            <a:r>
-              <a:rPr lang="en-US" dirty="0"/>
-              <a:t> values with mean for age</a:t>
-            </a:r>
-          </a:p>
-          <a:p>
-            <a:pPr marL="457200" indent="-457200" algn="l">
-              <a:buFont typeface="+mj-lt"/>
-              <a:buAutoNum type="arabicPeriod"/>
-            </a:pPr>
-            <a:r>
-              <a:rPr lang="en-US" dirty="0"/>
-              <a:t>Write cleaned up data out to Excel file (clean2.xlsx)</a:t>
-            </a:r>
-          </a:p>
-          <a:p>
-            <a:pPr marL="457200" indent="-457200" algn="l">
-              <a:buFont typeface="+mj-lt"/>
-              <a:buAutoNum type="arabicPeriod"/>
+              <a:t>and resting heart rate were replaced with mean value from age group. </a:t>
+            </a:r>
+          </a:p>
+          <a:p>
+            <a:pPr marL="342900" indent="-342900" algn="l">
+              <a:buFont typeface="Arial" panose="020B0604020202020204" pitchFamily="34" charset="0"/>
+              <a:buChar char="•"/>
             </a:pPr>
             <a:endParaRPr lang="en-US" dirty="0"/>
-          </a:p>
-          <a:p>
-            <a:pPr marL="457200" indent="-457200" algn="l">
-              <a:buFont typeface="+mj-lt"/>
-              <a:buAutoNum type="arabicPeriod"/>
-            </a:pPr>
-            <a:endParaRPr lang="en-US" dirty="0"/>
-          </a:p>
-          <a:p>
-            <a:pPr marL="457200" indent="-457200" algn="l">
-              <a:buFont typeface="+mj-lt"/>
-              <a:buAutoNum type="arabicPeriod"/>
-            </a:pPr>
-            <a:endParaRPr lang="en-US" dirty="0"/>
-          </a:p>
-          <a:p>
-            <a:pPr marL="457200" indent="-457200" algn="l">
-              <a:buFont typeface="+mj-lt"/>
-              <a:buAutoNum type="arabicPeriod"/>
-            </a:pPr>
-            <a:endParaRPr lang="en-US" dirty="0"/>
-          </a:p>
-          <a:p>
-            <a:pPr marL="457200" indent="-457200" algn="l">
-              <a:buFont typeface="+mj-lt"/>
-              <a:buAutoNum type="arabicPeriod"/>
-            </a:pPr>
-            <a:endParaRPr lang="en-US" i="1" dirty="0"/>
           </a:p>
         </p:txBody>
       </p:sp>
     </p:spTree>
     <p:extLst>
       <p:ext uri="{BB962C8B-B14F-4D97-AF65-F5344CB8AC3E}">
-        <p14:creationId xmlns:p14="http://schemas.microsoft.com/office/powerpoint/2010/main" val="2497360136"/>
+        <p14:creationId xmlns:p14="http://schemas.microsoft.com/office/powerpoint/2010/main" val="1750214619"/>
       </p:ext>
     </p:extLst>
   </p:cSld>
@@ -22323,7 +21620,7 @@
               <a:rPr lang="en-US" sz="3600" b="1" dirty="0">
                 <a:latin typeface="Cambria" panose="02040503050406030204" pitchFamily="18" charset="0"/>
               </a:rPr>
-              <a:t>NHANES Dataset Assumptions</a:t>
+              <a:t>CAD for UCI Datasets</a:t>
             </a:r>
           </a:p>
         </p:txBody>
@@ -22346,275 +21643,555 @@
         </p:spPr>
         <p:txBody>
           <a:bodyPr>
-            <a:normAutofit lnSpcReduction="10000"/>
+            <a:normAutofit/>
           </a:bodyPr>
           <a:lstStyle/>
-          <a:p>
-            <a:pPr marL="342900" indent="-342900" algn="l">
-              <a:buFont typeface="+mj-lt"/>
-              <a:buAutoNum type="arabicPeriod"/>
-            </a:pPr>
-            <a:r>
-              <a:rPr lang="en-US" dirty="0"/>
-              <a:t>The 2013-2014 Dataset was used. </a:t>
-            </a:r>
-            <a:r>
-              <a:rPr lang="en-US" baseline="30000" dirty="0"/>
-              <a:t>(4) </a:t>
-            </a:r>
-            <a:r>
-              <a:rPr lang="en-US" dirty="0"/>
-              <a:t> </a:t>
-            </a:r>
-          </a:p>
-          <a:p>
-            <a:pPr marL="342900" indent="-342900" algn="l">
-              <a:buFont typeface="+mj-lt"/>
-              <a:buAutoNum type="arabicPeriod"/>
-            </a:pPr>
-            <a:r>
-              <a:rPr lang="en-US" dirty="0"/>
-              <a:t>5,000 individuals of all ages were interviewed.</a:t>
-            </a:r>
-          </a:p>
-          <a:p>
-            <a:pPr marL="342900" indent="-342900" algn="l">
-              <a:buFont typeface="+mj-lt"/>
-              <a:buAutoNum type="arabicPeriod"/>
-            </a:pPr>
-            <a:r>
-              <a:rPr lang="en-US" dirty="0"/>
-              <a:t>Target Population included:</a:t>
-            </a:r>
-          </a:p>
-          <a:p>
-            <a:pPr marL="800100" lvl="1" indent="-342900" algn="l">
-              <a:lnSpc>
-                <a:spcPct val="107000"/>
-              </a:lnSpc>
-              <a:spcBef>
-                <a:spcPts val="0"/>
-              </a:spcBef>
-              <a:spcAft>
-                <a:spcPts val="800"/>
-              </a:spcAft>
-              <a:buSzPts val="1000"/>
-              <a:buFont typeface="Symbol" panose="05050102010706020507" pitchFamily="18" charset="2"/>
-              <a:buChar char=""/>
-              <a:tabLst>
-                <a:tab pos="457200" algn="l"/>
-              </a:tabLst>
-            </a:pPr>
-            <a:r>
-              <a:rPr lang="en-US" dirty="0">
-                <a:solidFill>
-                  <a:srgbClr val="000000"/>
-                </a:solidFill>
-                <a:latin typeface="Segoe UI" panose="020B0502040204020203" pitchFamily="34" charset="0"/>
-                <a:ea typeface="Times New Roman" panose="02020603050405020304" pitchFamily="18" charset="0"/>
-                <a:cs typeface="Times New Roman" panose="02020603050405020304" pitchFamily="18" charset="0"/>
-              </a:rPr>
-              <a:t>Hispanic persons;</a:t>
-            </a:r>
-            <a:endParaRPr lang="en-US" sz="1400" dirty="0">
-              <a:solidFill>
-                <a:srgbClr val="000000"/>
-              </a:solidFill>
-              <a:latin typeface="Calibri" panose="020F0502020204030204" pitchFamily="34" charset="0"/>
-              <a:ea typeface="Calibri" panose="020F0502020204030204" pitchFamily="34" charset="0"/>
-              <a:cs typeface="Times New Roman" panose="02020603050405020304" pitchFamily="18" charset="0"/>
-            </a:endParaRPr>
-          </a:p>
-          <a:p>
-            <a:pPr marL="800100" lvl="1" indent="-342900" algn="l">
-              <a:lnSpc>
-                <a:spcPct val="107000"/>
-              </a:lnSpc>
-              <a:spcBef>
-                <a:spcPts val="0"/>
-              </a:spcBef>
-              <a:spcAft>
-                <a:spcPts val="800"/>
-              </a:spcAft>
-              <a:buSzPts val="1000"/>
-              <a:buFont typeface="Symbol" panose="05050102010706020507" pitchFamily="18" charset="2"/>
-              <a:buChar char=""/>
-              <a:tabLst>
-                <a:tab pos="457200" algn="l"/>
-              </a:tabLst>
-            </a:pPr>
-            <a:r>
-              <a:rPr lang="en-US" dirty="0">
-                <a:solidFill>
-                  <a:srgbClr val="000000"/>
-                </a:solidFill>
-                <a:latin typeface="Segoe UI" panose="020B0502040204020203" pitchFamily="34" charset="0"/>
-                <a:ea typeface="Times New Roman" panose="02020603050405020304" pitchFamily="18" charset="0"/>
-                <a:cs typeface="Times New Roman" panose="02020603050405020304" pitchFamily="18" charset="0"/>
-              </a:rPr>
-              <a:t>Non-Hispanic black persons;</a:t>
-            </a:r>
-            <a:endParaRPr lang="en-US" sz="1400" dirty="0">
-              <a:solidFill>
-                <a:srgbClr val="000000"/>
-              </a:solidFill>
-              <a:latin typeface="Calibri" panose="020F0502020204030204" pitchFamily="34" charset="0"/>
-              <a:ea typeface="Calibri" panose="020F0502020204030204" pitchFamily="34" charset="0"/>
-              <a:cs typeface="Times New Roman" panose="02020603050405020304" pitchFamily="18" charset="0"/>
-            </a:endParaRPr>
-          </a:p>
-          <a:p>
-            <a:pPr marL="800100" lvl="1" indent="-342900" algn="l">
-              <a:lnSpc>
-                <a:spcPct val="107000"/>
-              </a:lnSpc>
-              <a:spcBef>
-                <a:spcPts val="0"/>
-              </a:spcBef>
-              <a:spcAft>
-                <a:spcPts val="800"/>
-              </a:spcAft>
-              <a:buSzPts val="1000"/>
-              <a:buFont typeface="Symbol" panose="05050102010706020507" pitchFamily="18" charset="2"/>
-              <a:buChar char=""/>
-              <a:tabLst>
-                <a:tab pos="457200" algn="l"/>
-              </a:tabLst>
-            </a:pPr>
-            <a:r>
-              <a:rPr lang="en-US" dirty="0">
-                <a:solidFill>
-                  <a:srgbClr val="000000"/>
-                </a:solidFill>
-                <a:latin typeface="Segoe UI" panose="020B0502040204020203" pitchFamily="34" charset="0"/>
-                <a:ea typeface="Times New Roman" panose="02020603050405020304" pitchFamily="18" charset="0"/>
-                <a:cs typeface="Times New Roman" panose="02020603050405020304" pitchFamily="18" charset="0"/>
-              </a:rPr>
-              <a:t>Non-Hispanic Asian persons;</a:t>
-            </a:r>
-            <a:endParaRPr lang="en-US" sz="1400" dirty="0">
-              <a:solidFill>
-                <a:srgbClr val="000000"/>
-              </a:solidFill>
-              <a:latin typeface="Calibri" panose="020F0502020204030204" pitchFamily="34" charset="0"/>
-              <a:ea typeface="Calibri" panose="020F0502020204030204" pitchFamily="34" charset="0"/>
-              <a:cs typeface="Times New Roman" panose="02020603050405020304" pitchFamily="18" charset="0"/>
-            </a:endParaRPr>
-          </a:p>
-          <a:p>
-            <a:pPr marL="800100" lvl="1" indent="-342900" algn="l">
-              <a:lnSpc>
-                <a:spcPct val="107000"/>
-              </a:lnSpc>
-              <a:spcBef>
-                <a:spcPts val="0"/>
-              </a:spcBef>
-              <a:spcAft>
-                <a:spcPts val="800"/>
-              </a:spcAft>
-              <a:buSzPts val="1000"/>
-              <a:buFont typeface="Symbol" panose="05050102010706020507" pitchFamily="18" charset="2"/>
-              <a:buChar char=""/>
-              <a:tabLst>
-                <a:tab pos="457200" algn="l"/>
-              </a:tabLst>
-            </a:pPr>
-            <a:r>
-              <a:rPr lang="en-US" dirty="0">
-                <a:solidFill>
-                  <a:srgbClr val="000000"/>
-                </a:solidFill>
-                <a:latin typeface="Segoe UI" panose="020B0502040204020203" pitchFamily="34" charset="0"/>
-                <a:ea typeface="Times New Roman" panose="02020603050405020304" pitchFamily="18" charset="0"/>
-                <a:cs typeface="Times New Roman" panose="02020603050405020304" pitchFamily="18" charset="0"/>
-              </a:rPr>
-              <a:t>Non-Hispanic white and other* persons at or below 130 percent of the poverty level; and</a:t>
-            </a:r>
-            <a:endParaRPr lang="en-US" sz="1400" dirty="0">
-              <a:solidFill>
-                <a:srgbClr val="000000"/>
-              </a:solidFill>
-              <a:latin typeface="Calibri" panose="020F0502020204030204" pitchFamily="34" charset="0"/>
-              <a:ea typeface="Calibri" panose="020F0502020204030204" pitchFamily="34" charset="0"/>
-              <a:cs typeface="Times New Roman" panose="02020603050405020304" pitchFamily="18" charset="0"/>
-            </a:endParaRPr>
-          </a:p>
-          <a:p>
-            <a:pPr marL="800100" lvl="1" indent="-342900" algn="l">
-              <a:lnSpc>
-                <a:spcPct val="107000"/>
-              </a:lnSpc>
-              <a:spcBef>
-                <a:spcPts val="0"/>
-              </a:spcBef>
-              <a:spcAft>
-                <a:spcPts val="800"/>
-              </a:spcAft>
-              <a:buSzPts val="1000"/>
-              <a:buFont typeface="Symbol" panose="05050102010706020507" pitchFamily="18" charset="2"/>
-              <a:buChar char=""/>
-              <a:tabLst>
-                <a:tab pos="457200" algn="l"/>
-              </a:tabLst>
-            </a:pPr>
-            <a:r>
-              <a:rPr lang="en-US" dirty="0">
-                <a:solidFill>
-                  <a:srgbClr val="000000"/>
-                </a:solidFill>
-                <a:latin typeface="Segoe UI" panose="020B0502040204020203" pitchFamily="34" charset="0"/>
-                <a:ea typeface="Times New Roman" panose="02020603050405020304" pitchFamily="18" charset="0"/>
-                <a:cs typeface="Times New Roman" panose="02020603050405020304" pitchFamily="18" charset="0"/>
-              </a:rPr>
-              <a:t>Non-Hispanic white and other* persons aged 80 years and older.</a:t>
-            </a:r>
-          </a:p>
-          <a:p>
-            <a:pPr lvl="2" algn="l">
-              <a:lnSpc>
-                <a:spcPct val="107000"/>
-              </a:lnSpc>
-              <a:spcBef>
-                <a:spcPts val="0"/>
-              </a:spcBef>
-              <a:spcAft>
-                <a:spcPts val="800"/>
-              </a:spcAft>
-              <a:buSzPts val="1000"/>
-              <a:tabLst>
-                <a:tab pos="457200" algn="l"/>
-              </a:tabLst>
-            </a:pPr>
-            <a:r>
-              <a:rPr lang="en-US" dirty="0">
-                <a:solidFill>
-                  <a:srgbClr val="000000"/>
-                </a:solidFill>
-                <a:latin typeface="Segoe UI" panose="020B0502040204020203" pitchFamily="34" charset="0"/>
-                <a:ea typeface="Times New Roman" panose="02020603050405020304" pitchFamily="18" charset="0"/>
-              </a:rPr>
-              <a:t>* Other: Non-Hispanic persons reported races other than black, Asian, or white</a:t>
-            </a:r>
-            <a:endParaRPr lang="en-US" dirty="0"/>
-          </a:p>
           <a:p>
             <a:pPr marL="342900" indent="-342900" algn="l">
               <a:buFont typeface="Arial" panose="020B0604020202020204" pitchFamily="34" charset="0"/>
               <a:buChar char="•"/>
             </a:pPr>
-            <a:r>
-              <a:rPr lang="en-US" dirty="0"/>
-              <a:t>Check for columns with missing values</a:t>
-            </a:r>
+            <a:endParaRPr lang="en-US" dirty="0"/>
           </a:p>
           <a:p>
             <a:pPr marL="342900" indent="-342900" algn="l">
               <a:buFont typeface="Arial" panose="020B0604020202020204" pitchFamily="34" charset="0"/>
               <a:buChar char="•"/>
             </a:pPr>
+            <a:endParaRPr lang="en-US" dirty="0"/>
+          </a:p>
+        </p:txBody>
+      </p:sp>
+      <p:graphicFrame>
+        <p:nvGraphicFramePr>
+          <p:cNvPr id="6" name="Table 5"/>
+          <p:cNvGraphicFramePr>
+            <a:graphicFrameLocks noGrp="1"/>
+          </p:cNvGraphicFramePr>
+          <p:nvPr>
+            <p:extLst>
+              <p:ext uri="{D42A27DB-BD31-4B8C-83A1-F6EECF244321}">
+                <p14:modId xmlns:p14="http://schemas.microsoft.com/office/powerpoint/2010/main" val="938240137"/>
+              </p:ext>
+            </p:extLst>
+          </p:nvPr>
+        </p:nvGraphicFramePr>
+        <p:xfrm>
+          <a:off x="997528" y="1631742"/>
+          <a:ext cx="10046524" cy="1112520"/>
+        </p:xfrm>
+        <a:graphic>
+          <a:graphicData uri="http://schemas.openxmlformats.org/drawingml/2006/table">
+            <a:tbl>
+              <a:tblPr firstRow="1" bandRow="1">
+                <a:tableStyleId>{5C22544A-7EE6-4342-B048-85BDC9FD1C3A}</a:tableStyleId>
+              </a:tblPr>
+              <a:tblGrid>
+                <a:gridCol w="547992">
+                  <a:extLst>
+                    <a:ext uri="{9D8B030D-6E8A-4147-A177-3AD203B41FA5}">
+                      <a16:colId xmlns:a16="http://schemas.microsoft.com/office/drawing/2014/main" val="3984536234"/>
+                    </a:ext>
+                  </a:extLst>
+                </a:gridCol>
+                <a:gridCol w="2374633">
+                  <a:extLst>
+                    <a:ext uri="{9D8B030D-6E8A-4147-A177-3AD203B41FA5}">
+                      <a16:colId xmlns:a16="http://schemas.microsoft.com/office/drawing/2014/main" val="1508398057"/>
+                    </a:ext>
+                  </a:extLst>
+                </a:gridCol>
+                <a:gridCol w="2374633">
+                  <a:extLst>
+                    <a:ext uri="{9D8B030D-6E8A-4147-A177-3AD203B41FA5}">
+                      <a16:colId xmlns:a16="http://schemas.microsoft.com/office/drawing/2014/main" val="3630292511"/>
+                    </a:ext>
+                  </a:extLst>
+                </a:gridCol>
+                <a:gridCol w="2374633">
+                  <a:extLst>
+                    <a:ext uri="{9D8B030D-6E8A-4147-A177-3AD203B41FA5}">
+                      <a16:colId xmlns:a16="http://schemas.microsoft.com/office/drawing/2014/main" val="3578119521"/>
+                    </a:ext>
+                  </a:extLst>
+                </a:gridCol>
+                <a:gridCol w="2374633">
+                  <a:extLst>
+                    <a:ext uri="{9D8B030D-6E8A-4147-A177-3AD203B41FA5}">
+                      <a16:colId xmlns:a16="http://schemas.microsoft.com/office/drawing/2014/main" val="3230220925"/>
+                    </a:ext>
+                  </a:extLst>
+                </a:gridCol>
+              </a:tblGrid>
+              <a:tr h="370840">
+                <a:tc>
+                  <a:txBody>
+                    <a:bodyPr/>
+                    <a:lstStyle/>
+                    <a:p>
+                      <a:endParaRPr lang="en-US" dirty="0"/>
+                    </a:p>
+                  </a:txBody>
+                  <a:tcPr>
+                    <a:solidFill>
+                      <a:srgbClr val="7030A0"/>
+                    </a:solidFill>
+                  </a:tcPr>
+                </a:tc>
+                <a:tc>
+                  <a:txBody>
+                    <a:bodyPr/>
+                    <a:lstStyle/>
+                    <a:p>
+                      <a:pPr algn="ctr"/>
+                      <a:r>
+                        <a:rPr lang="en-US" dirty="0"/>
+                        <a:t>Cleveland</a:t>
+                      </a:r>
+                    </a:p>
+                  </a:txBody>
+                  <a:tcPr>
+                    <a:solidFill>
+                      <a:srgbClr val="7030A0"/>
+                    </a:solidFill>
+                  </a:tcPr>
+                </a:tc>
+                <a:tc>
+                  <a:txBody>
+                    <a:bodyPr/>
+                    <a:lstStyle/>
+                    <a:p>
+                      <a:pPr algn="ctr"/>
+                      <a:r>
+                        <a:rPr lang="en-US" dirty="0"/>
+                        <a:t>Long Beach</a:t>
+                      </a:r>
+                    </a:p>
+                  </a:txBody>
+                  <a:tcPr>
+                    <a:solidFill>
+                      <a:srgbClr val="7030A0"/>
+                    </a:solidFill>
+                  </a:tcPr>
+                </a:tc>
+                <a:tc>
+                  <a:txBody>
+                    <a:bodyPr/>
+                    <a:lstStyle/>
+                    <a:p>
+                      <a:pPr algn="ctr"/>
+                      <a:r>
+                        <a:rPr lang="en-US" dirty="0"/>
+                        <a:t>Hungary</a:t>
+                      </a:r>
+                    </a:p>
+                  </a:txBody>
+                  <a:tcPr>
+                    <a:solidFill>
+                      <a:srgbClr val="7030A0"/>
+                    </a:solidFill>
+                  </a:tcPr>
+                </a:tc>
+                <a:tc>
+                  <a:txBody>
+                    <a:bodyPr/>
+                    <a:lstStyle/>
+                    <a:p>
+                      <a:pPr algn="ctr"/>
+                      <a:r>
+                        <a:rPr lang="en-US" dirty="0"/>
+                        <a:t>Switzerland</a:t>
+                      </a:r>
+                    </a:p>
+                  </a:txBody>
+                  <a:tcPr>
+                    <a:solidFill>
+                      <a:srgbClr val="7030A0"/>
+                    </a:solidFill>
+                  </a:tcPr>
+                </a:tc>
+                <a:extLst>
+                  <a:ext uri="{0D108BD9-81ED-4DB2-BD59-A6C34878D82A}">
+                    <a16:rowId xmlns:a16="http://schemas.microsoft.com/office/drawing/2014/main" val="3594802085"/>
+                  </a:ext>
+                </a:extLst>
+              </a:tr>
+              <a:tr h="370840">
+                <a:tc>
+                  <a:txBody>
+                    <a:bodyPr/>
+                    <a:lstStyle/>
+                    <a:p>
+                      <a:r>
+                        <a:rPr lang="en-US" dirty="0"/>
+                        <a:t>No</a:t>
+                      </a:r>
+                    </a:p>
+                  </a:txBody>
+                  <a:tcPr>
+                    <a:solidFill>
+                      <a:srgbClr val="FFC000"/>
+                    </a:solidFill>
+                  </a:tcPr>
+                </a:tc>
+                <a:tc>
+                  <a:txBody>
+                    <a:bodyPr/>
+                    <a:lstStyle/>
+                    <a:p>
+                      <a:pPr algn="ctr"/>
+                      <a:r>
+                        <a:rPr lang="en-US" dirty="0"/>
+                        <a:t>157</a:t>
+                      </a:r>
+                    </a:p>
+                  </a:txBody>
+                  <a:tcPr>
+                    <a:solidFill>
+                      <a:srgbClr val="FFC000"/>
+                    </a:solidFill>
+                  </a:tcPr>
+                </a:tc>
+                <a:tc>
+                  <a:txBody>
+                    <a:bodyPr/>
+                    <a:lstStyle/>
+                    <a:p>
+                      <a:pPr algn="ctr"/>
+                      <a:r>
+                        <a:rPr lang="en-US" dirty="0"/>
+                        <a:t>51</a:t>
+                      </a:r>
+                    </a:p>
+                  </a:txBody>
+                  <a:tcPr>
+                    <a:solidFill>
+                      <a:srgbClr val="FFC000"/>
+                    </a:solidFill>
+                  </a:tcPr>
+                </a:tc>
+                <a:tc>
+                  <a:txBody>
+                    <a:bodyPr/>
+                    <a:lstStyle/>
+                    <a:p>
+                      <a:pPr algn="ctr"/>
+                      <a:r>
+                        <a:rPr lang="en-US" dirty="0"/>
+                        <a:t>187</a:t>
+                      </a:r>
+                    </a:p>
+                  </a:txBody>
+                  <a:tcPr>
+                    <a:solidFill>
+                      <a:srgbClr val="FFC000"/>
+                    </a:solidFill>
+                  </a:tcPr>
+                </a:tc>
+                <a:tc>
+                  <a:txBody>
+                    <a:bodyPr/>
+                    <a:lstStyle/>
+                    <a:p>
+                      <a:pPr algn="ctr"/>
+                      <a:r>
+                        <a:rPr lang="en-US" dirty="0"/>
+                        <a:t>8</a:t>
+                      </a:r>
+                    </a:p>
+                  </a:txBody>
+                  <a:tcPr>
+                    <a:solidFill>
+                      <a:srgbClr val="FFC000"/>
+                    </a:solidFill>
+                  </a:tcPr>
+                </a:tc>
+                <a:extLst>
+                  <a:ext uri="{0D108BD9-81ED-4DB2-BD59-A6C34878D82A}">
+                    <a16:rowId xmlns:a16="http://schemas.microsoft.com/office/drawing/2014/main" val="3668674538"/>
+                  </a:ext>
+                </a:extLst>
+              </a:tr>
+              <a:tr h="370840">
+                <a:tc>
+                  <a:txBody>
+                    <a:bodyPr/>
+                    <a:lstStyle/>
+                    <a:p>
+                      <a:r>
+                        <a:rPr lang="en-US" dirty="0"/>
+                        <a:t>Yes</a:t>
+                      </a:r>
+                    </a:p>
+                  </a:txBody>
+                  <a:tcPr>
+                    <a:solidFill>
+                      <a:srgbClr val="00B0F0"/>
+                    </a:solidFill>
+                  </a:tcPr>
+                </a:tc>
+                <a:tc>
+                  <a:txBody>
+                    <a:bodyPr/>
+                    <a:lstStyle/>
+                    <a:p>
+                      <a:pPr algn="ctr"/>
+                      <a:r>
+                        <a:rPr lang="en-US" dirty="0"/>
+                        <a:t>125</a:t>
+                      </a:r>
+                    </a:p>
+                  </a:txBody>
+                  <a:tcPr>
+                    <a:solidFill>
+                      <a:srgbClr val="00B0F0"/>
+                    </a:solidFill>
+                  </a:tcPr>
+                </a:tc>
+                <a:tc>
+                  <a:txBody>
+                    <a:bodyPr/>
+                    <a:lstStyle/>
+                    <a:p>
+                      <a:pPr algn="ctr"/>
+                      <a:r>
+                        <a:rPr lang="en-US" dirty="0"/>
+                        <a:t>149</a:t>
+                      </a:r>
+                    </a:p>
+                  </a:txBody>
+                  <a:tcPr>
+                    <a:solidFill>
+                      <a:srgbClr val="00B0F0"/>
+                    </a:solidFill>
+                  </a:tcPr>
+                </a:tc>
+                <a:tc>
+                  <a:txBody>
+                    <a:bodyPr/>
+                    <a:lstStyle/>
+                    <a:p>
+                      <a:pPr algn="ctr"/>
+                      <a:r>
+                        <a:rPr lang="en-US" dirty="0"/>
+                        <a:t>107</a:t>
+                      </a:r>
+                    </a:p>
+                  </a:txBody>
+                  <a:tcPr>
+                    <a:solidFill>
+                      <a:srgbClr val="00B0F0"/>
+                    </a:solidFill>
+                  </a:tcPr>
+                </a:tc>
+                <a:tc>
+                  <a:txBody>
+                    <a:bodyPr/>
+                    <a:lstStyle/>
+                    <a:p>
+                      <a:pPr algn="ctr"/>
+                      <a:r>
+                        <a:rPr lang="en-US" dirty="0"/>
+                        <a:t>114</a:t>
+                      </a:r>
+                    </a:p>
+                  </a:txBody>
+                  <a:tcPr>
+                    <a:solidFill>
+                      <a:srgbClr val="00B0F0"/>
+                    </a:solidFill>
+                  </a:tcPr>
+                </a:tc>
+                <a:extLst>
+                  <a:ext uri="{0D108BD9-81ED-4DB2-BD59-A6C34878D82A}">
+                    <a16:rowId xmlns:a16="http://schemas.microsoft.com/office/drawing/2014/main" val="1184716505"/>
+                  </a:ext>
+                </a:extLst>
+              </a:tr>
+            </a:tbl>
+          </a:graphicData>
+        </a:graphic>
+      </p:graphicFrame>
+      <p:graphicFrame>
+        <p:nvGraphicFramePr>
+          <p:cNvPr id="7" name="Chart 6"/>
+          <p:cNvGraphicFramePr>
+            <a:graphicFrameLocks/>
+          </p:cNvGraphicFramePr>
+          <p:nvPr>
+            <p:extLst>
+              <p:ext uri="{D42A27DB-BD31-4B8C-83A1-F6EECF244321}">
+                <p14:modId xmlns:p14="http://schemas.microsoft.com/office/powerpoint/2010/main" val="2196334838"/>
+              </p:ext>
+            </p:extLst>
+          </p:nvPr>
+        </p:nvGraphicFramePr>
+        <p:xfrm>
+          <a:off x="941073" y="2744262"/>
+          <a:ext cx="4225636" cy="2743200"/>
+        </p:xfrm>
+        <a:graphic>
+          <a:graphicData uri="http://schemas.openxmlformats.org/drawingml/2006/chart">
+            <c:chart xmlns:c="http://schemas.openxmlformats.org/drawingml/2006/chart" xmlns:r="http://schemas.openxmlformats.org/officeDocument/2006/relationships" r:id="rId2"/>
+          </a:graphicData>
+        </a:graphic>
+      </p:graphicFrame>
+      <p:graphicFrame>
+        <p:nvGraphicFramePr>
+          <p:cNvPr id="8" name="Chart 7"/>
+          <p:cNvGraphicFramePr>
+            <a:graphicFrameLocks/>
+          </p:cNvGraphicFramePr>
+          <p:nvPr>
+            <p:extLst>
+              <p:ext uri="{D42A27DB-BD31-4B8C-83A1-F6EECF244321}">
+                <p14:modId xmlns:p14="http://schemas.microsoft.com/office/powerpoint/2010/main" val="657887925"/>
+              </p:ext>
+            </p:extLst>
+          </p:nvPr>
+        </p:nvGraphicFramePr>
+        <p:xfrm>
+          <a:off x="2909455" y="2624447"/>
+          <a:ext cx="4537406" cy="3574472"/>
+        </p:xfrm>
+        <a:graphic>
+          <a:graphicData uri="http://schemas.openxmlformats.org/drawingml/2006/chart">
+            <c:chart xmlns:c="http://schemas.openxmlformats.org/drawingml/2006/chart" xmlns:r="http://schemas.openxmlformats.org/officeDocument/2006/relationships" r:id="rId3"/>
+          </a:graphicData>
+        </a:graphic>
+      </p:graphicFrame>
+      <p:graphicFrame>
+        <p:nvGraphicFramePr>
+          <p:cNvPr id="9" name="Chart 8"/>
+          <p:cNvGraphicFramePr>
+            <a:graphicFrameLocks/>
+          </p:cNvGraphicFramePr>
+          <p:nvPr>
+            <p:extLst>
+              <p:ext uri="{D42A27DB-BD31-4B8C-83A1-F6EECF244321}">
+                <p14:modId xmlns:p14="http://schemas.microsoft.com/office/powerpoint/2010/main" val="3880925878"/>
+              </p:ext>
+            </p:extLst>
+          </p:nvPr>
+        </p:nvGraphicFramePr>
+        <p:xfrm>
+          <a:off x="5819517" y="3155217"/>
+          <a:ext cx="3937931" cy="2320660"/>
+        </p:xfrm>
+        <a:graphic>
+          <a:graphicData uri="http://schemas.openxmlformats.org/drawingml/2006/chart">
+            <c:chart xmlns:c="http://schemas.openxmlformats.org/drawingml/2006/chart" xmlns:r="http://schemas.openxmlformats.org/officeDocument/2006/relationships" r:id="rId4"/>
+          </a:graphicData>
+        </a:graphic>
+      </p:graphicFrame>
+      <p:graphicFrame>
+        <p:nvGraphicFramePr>
+          <p:cNvPr id="10" name="Chart 9"/>
+          <p:cNvGraphicFramePr>
+            <a:graphicFrameLocks/>
+          </p:cNvGraphicFramePr>
+          <p:nvPr>
+            <p:extLst>
+              <p:ext uri="{D42A27DB-BD31-4B8C-83A1-F6EECF244321}">
+                <p14:modId xmlns:p14="http://schemas.microsoft.com/office/powerpoint/2010/main" val="2441398132"/>
+              </p:ext>
+            </p:extLst>
+          </p:nvPr>
+        </p:nvGraphicFramePr>
+        <p:xfrm>
+          <a:off x="7895168" y="3134125"/>
+          <a:ext cx="4572000" cy="2398816"/>
+        </p:xfrm>
+        <a:graphic>
+          <a:graphicData uri="http://schemas.openxmlformats.org/drawingml/2006/chart">
+            <c:chart xmlns:c="http://schemas.openxmlformats.org/drawingml/2006/chart" xmlns:r="http://schemas.openxmlformats.org/officeDocument/2006/relationships" r:id="rId5"/>
+          </a:graphicData>
+        </a:graphic>
+      </p:graphicFrame>
+      <p:sp>
+        <p:nvSpPr>
+          <p:cNvPr id="4" name="TextBox 3">
+            <a:extLst>
+              <a:ext uri="{FF2B5EF4-FFF2-40B4-BE49-F238E27FC236}">
+                <a16:creationId xmlns:a16="http://schemas.microsoft.com/office/drawing/2014/main" id="{6161D032-2271-44C2-B28C-0FE21AAB9627}"/>
+              </a:ext>
+            </a:extLst>
+          </p:cNvPr>
+          <p:cNvSpPr txBox="1"/>
+          <p:nvPr/>
+        </p:nvSpPr>
+        <p:spPr>
+          <a:xfrm>
+            <a:off x="2909456" y="5774635"/>
+            <a:ext cx="2910062" cy="646331"/>
+          </a:xfrm>
+          <a:prstGeom prst="rect">
+            <a:avLst/>
+          </a:prstGeom>
+          <a:noFill/>
+        </p:spPr>
+        <p:txBody>
+          <a:bodyPr wrap="square" rtlCol="0">
+            <a:spAutoFit/>
+          </a:bodyPr>
+          <a:lstStyle/>
+          <a:p>
             <a:r>
               <a:rPr lang="en-US" dirty="0"/>
-              <a:t>drop CDQ002 (chest pain when walking uphill and walking fast) with missing values</a:t>
+              <a:t>No = </a:t>
+            </a:r>
+            <a:r>
+              <a:rPr lang="en-US" b="1" dirty="0">
+                <a:solidFill>
+                  <a:srgbClr val="FF0000"/>
+                </a:solidFill>
+              </a:rPr>
+              <a:t>No</a:t>
+            </a:r>
+            <a:r>
+              <a:rPr lang="en-US" dirty="0"/>
+              <a:t> CAD Present</a:t>
+            </a:r>
+          </a:p>
+          <a:p>
+            <a:r>
+              <a:rPr lang="en-US" dirty="0"/>
+              <a:t>Yes = CAD Present</a:t>
+            </a:r>
+          </a:p>
+        </p:txBody>
+      </p:sp>
+      <p:sp>
+        <p:nvSpPr>
+          <p:cNvPr id="5" name="TextBox 4">
+            <a:extLst>
+              <a:ext uri="{FF2B5EF4-FFF2-40B4-BE49-F238E27FC236}">
+                <a16:creationId xmlns:a16="http://schemas.microsoft.com/office/drawing/2014/main" id="{BC041DDC-2746-4B7E-9440-EBB044785109}"/>
+              </a:ext>
+            </a:extLst>
+          </p:cNvPr>
+          <p:cNvSpPr txBox="1"/>
+          <p:nvPr/>
+        </p:nvSpPr>
+        <p:spPr>
+          <a:xfrm>
+            <a:off x="6761547" y="5922804"/>
+            <a:ext cx="3786809" cy="369332"/>
+          </a:xfrm>
+          <a:prstGeom prst="rect">
+            <a:avLst/>
+          </a:prstGeom>
+          <a:noFill/>
+        </p:spPr>
+        <p:txBody>
+          <a:bodyPr wrap="square" rtlCol="0">
+            <a:spAutoFit/>
+          </a:bodyPr>
+          <a:lstStyle/>
+          <a:p>
+            <a:r>
+              <a:rPr lang="en-US" dirty="0"/>
+              <a:t>Switzerland has largest # CAD present</a:t>
             </a:r>
           </a:p>
         </p:txBody>
@@ -22622,7 +22199,7 @@
     </p:spTree>
     <p:extLst>
       <p:ext uri="{BB962C8B-B14F-4D97-AF65-F5344CB8AC3E}">
-        <p14:creationId xmlns:p14="http://schemas.microsoft.com/office/powerpoint/2010/main" val="2081412655"/>
+        <p14:creationId xmlns:p14="http://schemas.microsoft.com/office/powerpoint/2010/main" val="3658865903"/>
       </p:ext>
     </p:extLst>
   </p:cSld>
